--- a/Lectures/research-skills.pptx
+++ b/Lectures/research-skills.pptx
@@ -238,7 +238,7 @@
           <a:p>
             <a:fld id="{5D1E261F-8C98-8744-8E35-D8BB142E7BA1}" type="datetimeFigureOut">
               <a:rPr lang="en-US" smtClean="0"/>
-              <a:t>1/10/18</a:t>
+              <a:t>1/8/19</a:t>
             </a:fld>
             <a:endParaRPr lang="en-US"/>
           </a:p>
@@ -302,35 +302,35 @@
           <a:p>
             <a:pPr lvl="0"/>
             <a:r>
-              <a:rPr lang="en-US" altLang="zh-CN" smtClean="0"/>
+              <a:rPr lang="en-US" altLang="zh-CN"/>
               <a:t>Click to edit Master text styles</a:t>
             </a:r>
           </a:p>
           <a:p>
             <a:pPr lvl="1"/>
             <a:r>
-              <a:rPr lang="en-US" altLang="zh-CN" smtClean="0"/>
+              <a:rPr lang="en-US" altLang="zh-CN"/>
               <a:t>Second level</a:t>
             </a:r>
           </a:p>
           <a:p>
             <a:pPr lvl="2"/>
             <a:r>
-              <a:rPr lang="en-US" altLang="zh-CN" smtClean="0"/>
+              <a:rPr lang="en-US" altLang="zh-CN"/>
               <a:t>Third level</a:t>
             </a:r>
           </a:p>
           <a:p>
             <a:pPr lvl="3"/>
             <a:r>
-              <a:rPr lang="en-US" altLang="zh-CN" smtClean="0"/>
+              <a:rPr lang="en-US" altLang="zh-CN"/>
               <a:t>Fourth level</a:t>
             </a:r>
           </a:p>
           <a:p>
             <a:pPr lvl="4"/>
             <a:r>
-              <a:rPr lang="en-US" altLang="zh-CN" smtClean="0"/>
+              <a:rPr lang="en-US" altLang="zh-CN"/>
               <a:t>Fifth level</a:t>
             </a:r>
             <a:endParaRPr lang="en-US"/>
@@ -893,95 +893,95 @@
           <a:lstStyle/>
           <a:p>
             <a:r>
-              <a:rPr lang="en-US" altLang="zh-CN" dirty="0" smtClean="0"/>
+              <a:rPr lang="en-US" altLang="zh-CN" dirty="0"/>
               <a:t>1.</a:t>
             </a:r>
             <a:r>
-              <a:rPr lang="zh-CN" altLang="en-US" dirty="0" smtClean="0"/>
+              <a:rPr lang="zh-CN" altLang="en-US" dirty="0"/>
               <a:t> </a:t>
             </a:r>
             <a:r>
-              <a:rPr lang="en-US" altLang="zh-CN" dirty="0" smtClean="0"/>
+              <a:rPr lang="en-US" altLang="zh-CN" dirty="0"/>
               <a:t>Presentation</a:t>
             </a:r>
             <a:r>
-              <a:rPr lang="zh-CN" altLang="en-US" dirty="0" smtClean="0"/>
+              <a:rPr lang="zh-CN" altLang="en-US" dirty="0"/>
               <a:t> </a:t>
             </a:r>
             <a:r>
-              <a:rPr lang="en-US" altLang="zh-CN" dirty="0" smtClean="0"/>
+              <a:rPr lang="en-US" altLang="zh-CN" dirty="0"/>
               <a:t>is</a:t>
             </a:r>
             <a:r>
-              <a:rPr lang="zh-CN" altLang="en-US" dirty="0" smtClean="0"/>
+              <a:rPr lang="zh-CN" altLang="en-US" dirty="0"/>
               <a:t> </a:t>
             </a:r>
             <a:r>
-              <a:rPr lang="en-US" altLang="zh-CN" dirty="0" smtClean="0"/>
+              <a:rPr lang="en-US" altLang="zh-CN" dirty="0"/>
               <a:t>not</a:t>
             </a:r>
             <a:r>
-              <a:rPr lang="zh-CN" altLang="en-US" dirty="0" smtClean="0"/>
+              <a:rPr lang="zh-CN" altLang="en-US" dirty="0"/>
               <a:t> </a:t>
             </a:r>
             <a:r>
-              <a:rPr lang="en-US" altLang="zh-CN" dirty="0" smtClean="0"/>
+              <a:rPr lang="en-US" altLang="zh-CN" dirty="0"/>
               <a:t>equal</a:t>
             </a:r>
             <a:r>
-              <a:rPr lang="zh-CN" altLang="en-US" dirty="0" smtClean="0"/>
+              <a:rPr lang="zh-CN" altLang="en-US" dirty="0"/>
               <a:t> </a:t>
             </a:r>
             <a:r>
-              <a:rPr lang="en-US" altLang="zh-CN" dirty="0" smtClean="0"/>
+              <a:rPr lang="en-US" altLang="zh-CN" dirty="0"/>
               <a:t>to</a:t>
             </a:r>
             <a:r>
-              <a:rPr lang="zh-CN" altLang="en-US" dirty="0" smtClean="0"/>
+              <a:rPr lang="zh-CN" altLang="en-US" dirty="0"/>
               <a:t> </a:t>
             </a:r>
             <a:r>
-              <a:rPr lang="en-US" altLang="zh-CN" dirty="0" smtClean="0"/>
+              <a:rPr lang="en-US" altLang="zh-CN" dirty="0"/>
               <a:t>whether</a:t>
             </a:r>
             <a:r>
-              <a:rPr lang="zh-CN" altLang="en-US" dirty="0" smtClean="0"/>
+              <a:rPr lang="zh-CN" altLang="en-US" dirty="0"/>
               <a:t> </a:t>
             </a:r>
             <a:r>
-              <a:rPr lang="en-US" altLang="zh-CN" dirty="0" smtClean="0"/>
+              <a:rPr lang="en-US" altLang="zh-CN" dirty="0"/>
               <a:t>you</a:t>
             </a:r>
             <a:r>
-              <a:rPr lang="zh-CN" altLang="en-US" dirty="0" smtClean="0"/>
+              <a:rPr lang="zh-CN" altLang="en-US" dirty="0"/>
               <a:t> </a:t>
             </a:r>
             <a:r>
-              <a:rPr lang="en-US" altLang="zh-CN" dirty="0" smtClean="0"/>
+              <a:rPr lang="en-US" altLang="zh-CN" dirty="0"/>
               <a:t>can</a:t>
             </a:r>
             <a:r>
-              <a:rPr lang="zh-CN" altLang="en-US" dirty="0" smtClean="0"/>
+              <a:rPr lang="zh-CN" altLang="en-US" dirty="0"/>
               <a:t> </a:t>
             </a:r>
             <a:r>
-              <a:rPr lang="en-US" altLang="zh-CN" dirty="0" smtClean="0"/>
+              <a:rPr lang="en-US" altLang="zh-CN" dirty="0"/>
               <a:t>speak</a:t>
             </a:r>
             <a:r>
-              <a:rPr lang="zh-CN" altLang="en-US" dirty="0" smtClean="0"/>
+              <a:rPr lang="zh-CN" altLang="en-US" dirty="0"/>
               <a:t> </a:t>
             </a:r>
             <a:r>
-              <a:rPr lang="en-US" altLang="zh-CN" dirty="0" smtClean="0"/>
+              <a:rPr lang="en-US" altLang="zh-CN" dirty="0"/>
               <a:t>English</a:t>
             </a:r>
             <a:r>
-              <a:rPr lang="zh-CN" altLang="en-US" dirty="0" smtClean="0"/>
+              <a:rPr lang="zh-CN" altLang="en-US" dirty="0"/>
               <a:t> </a:t>
             </a:r>
             <a:r>
-              <a:rPr lang="en-US" altLang="zh-CN" dirty="0" smtClean="0"/>
+              <a:rPr lang="en-US" altLang="zh-CN" dirty="0"/>
               <a:t>well.</a:t>
             </a:r>
             <a:endParaRPr lang="en-US" dirty="0"/>
@@ -1245,7 +1245,7 @@
             <a:pPr marL="0" indent="0">
               <a:buNone/>
             </a:pPr>
-            <a:endParaRPr lang="zh-CN" altLang="en-US" baseline="0" dirty="0" smtClean="0"/>
+            <a:endParaRPr lang="zh-CN" altLang="en-US" baseline="0" dirty="0"/>
           </a:p>
           <a:p>
             <a:pPr marL="228600" indent="-228600">
@@ -1844,7 +1844,7 @@
           </a:lstStyle>
           <a:p>
             <a:r>
-              <a:rPr lang="en-US" altLang="zh-CN" smtClean="0"/>
+              <a:rPr lang="en-US" altLang="zh-CN"/>
               <a:t>Click to edit Master title style</a:t>
             </a:r>
             <a:endParaRPr lang="en-US" dirty="0"/>
@@ -1916,7 +1916,7 @@
           </a:lstStyle>
           <a:p>
             <a:r>
-              <a:rPr lang="en-US" altLang="zh-CN" smtClean="0"/>
+              <a:rPr lang="en-US" altLang="zh-CN"/>
               <a:t>Click to edit Master subtitle style</a:t>
             </a:r>
             <a:endParaRPr lang="en-US" dirty="0"/>
@@ -1939,7 +1939,7 @@
           <a:lstStyle/>
           <a:p>
             <a:r>
-              <a:rPr lang="en-US" smtClean="0"/>
+              <a:rPr lang="en-US"/>
               <a:t>01/05/16</a:t>
             </a:r>
             <a:endParaRPr lang="en-US" dirty="0"/>
@@ -1962,7 +1962,7 @@
           <a:lstStyle/>
           <a:p>
             <a:r>
-              <a:rPr lang="de-DE" smtClean="0"/>
+              <a:rPr lang="de-DE"/>
               <a:t>CMPT 884 - 2016 Fall - SFU</a:t>
             </a:r>
             <a:endParaRPr lang="en-US" dirty="0"/>
@@ -2071,7 +2071,7 @@
           <a:lstStyle/>
           <a:p>
             <a:r>
-              <a:rPr lang="en-US" altLang="zh-CN" smtClean="0"/>
+              <a:rPr lang="en-US" altLang="zh-CN"/>
               <a:t>Click to edit Master title style</a:t>
             </a:r>
             <a:endParaRPr lang="en-US" dirty="0"/>
@@ -2095,35 +2095,35 @@
           <a:p>
             <a:pPr lvl="0"/>
             <a:r>
-              <a:rPr lang="en-US" altLang="zh-CN" smtClean="0"/>
+              <a:rPr lang="en-US" altLang="zh-CN"/>
               <a:t>Click to edit Master text styles</a:t>
             </a:r>
           </a:p>
           <a:p>
             <a:pPr lvl="1"/>
             <a:r>
-              <a:rPr lang="en-US" altLang="zh-CN" smtClean="0"/>
+              <a:rPr lang="en-US" altLang="zh-CN"/>
               <a:t>Second level</a:t>
             </a:r>
           </a:p>
           <a:p>
             <a:pPr lvl="2"/>
             <a:r>
-              <a:rPr lang="en-US" altLang="zh-CN" smtClean="0"/>
+              <a:rPr lang="en-US" altLang="zh-CN"/>
               <a:t>Third level</a:t>
             </a:r>
           </a:p>
           <a:p>
             <a:pPr lvl="3"/>
             <a:r>
-              <a:rPr lang="en-US" altLang="zh-CN" smtClean="0"/>
+              <a:rPr lang="en-US" altLang="zh-CN"/>
               <a:t>Fourth level</a:t>
             </a:r>
           </a:p>
           <a:p>
             <a:pPr lvl="4"/>
             <a:r>
-              <a:rPr lang="en-US" altLang="zh-CN" smtClean="0"/>
+              <a:rPr lang="en-US" altLang="zh-CN"/>
               <a:t>Fifth level</a:t>
             </a:r>
             <a:endParaRPr lang="en-US" dirty="0"/>
@@ -2146,7 +2146,7 @@
           <a:lstStyle/>
           <a:p>
             <a:r>
-              <a:rPr lang="en-US" smtClean="0"/>
+              <a:rPr lang="en-US"/>
               <a:t>01/05/16</a:t>
             </a:r>
             <a:endParaRPr lang="en-US" dirty="0"/>
@@ -2169,7 +2169,7 @@
           <a:lstStyle/>
           <a:p>
             <a:r>
-              <a:rPr lang="de-DE" smtClean="0"/>
+              <a:rPr lang="de-DE"/>
               <a:t>CMPT 884 - 2016 Fall - SFU</a:t>
             </a:r>
             <a:endParaRPr lang="en-US" dirty="0"/>
@@ -2321,7 +2321,7 @@
           <a:lstStyle/>
           <a:p>
             <a:r>
-              <a:rPr lang="en-US" altLang="zh-CN" smtClean="0"/>
+              <a:rPr lang="en-US" altLang="zh-CN"/>
               <a:t>Click to edit Master title style</a:t>
             </a:r>
             <a:endParaRPr lang="en-US" dirty="0"/>
@@ -2350,35 +2350,35 @@
           <a:p>
             <a:pPr lvl="0"/>
             <a:r>
-              <a:rPr lang="en-US" altLang="zh-CN" smtClean="0"/>
+              <a:rPr lang="en-US" altLang="zh-CN"/>
               <a:t>Click to edit Master text styles</a:t>
             </a:r>
           </a:p>
           <a:p>
             <a:pPr lvl="1"/>
             <a:r>
-              <a:rPr lang="en-US" altLang="zh-CN" smtClean="0"/>
+              <a:rPr lang="en-US" altLang="zh-CN"/>
               <a:t>Second level</a:t>
             </a:r>
           </a:p>
           <a:p>
             <a:pPr lvl="2"/>
             <a:r>
-              <a:rPr lang="en-US" altLang="zh-CN" smtClean="0"/>
+              <a:rPr lang="en-US" altLang="zh-CN"/>
               <a:t>Third level</a:t>
             </a:r>
           </a:p>
           <a:p>
             <a:pPr lvl="3"/>
             <a:r>
-              <a:rPr lang="en-US" altLang="zh-CN" smtClean="0"/>
+              <a:rPr lang="en-US" altLang="zh-CN"/>
               <a:t>Fourth level</a:t>
             </a:r>
           </a:p>
           <a:p>
             <a:pPr lvl="4"/>
             <a:r>
-              <a:rPr lang="en-US" altLang="zh-CN" smtClean="0"/>
+              <a:rPr lang="en-US" altLang="zh-CN"/>
               <a:t>Fifth level</a:t>
             </a:r>
             <a:endParaRPr lang="en-US" dirty="0"/>
@@ -2401,7 +2401,7 @@
           <a:lstStyle/>
           <a:p>
             <a:r>
-              <a:rPr lang="en-US" smtClean="0"/>
+              <a:rPr lang="en-US"/>
               <a:t>01/05/16</a:t>
             </a:r>
             <a:endParaRPr lang="en-US" dirty="0"/>
@@ -2424,7 +2424,7 @@
           <a:lstStyle/>
           <a:p>
             <a:r>
-              <a:rPr lang="de-DE" smtClean="0"/>
+              <a:rPr lang="de-DE"/>
               <a:t>CMPT 884 - 2016 Fall - SFU</a:t>
             </a:r>
             <a:endParaRPr lang="en-US" dirty="0"/>
@@ -2505,7 +2505,7 @@
           </a:lstStyle>
           <a:p>
             <a:r>
-              <a:rPr lang="en-US" altLang="zh-CN" dirty="0" smtClean="0"/>
+              <a:rPr lang="en-US" altLang="zh-CN" dirty="0"/>
               <a:t>Click to edit Master title style</a:t>
             </a:r>
             <a:endParaRPr lang="en-US" dirty="0"/>
@@ -2567,35 +2567,35 @@
           <a:p>
             <a:pPr lvl="0"/>
             <a:r>
-              <a:rPr lang="en-US" altLang="zh-CN" dirty="0" smtClean="0"/>
+              <a:rPr lang="en-US" altLang="zh-CN" dirty="0"/>
               <a:t>Click to edit Master text styles</a:t>
             </a:r>
           </a:p>
           <a:p>
             <a:pPr lvl="1"/>
             <a:r>
-              <a:rPr lang="en-US" altLang="zh-CN" dirty="0" smtClean="0"/>
+              <a:rPr lang="en-US" altLang="zh-CN" dirty="0"/>
               <a:t>Second level</a:t>
             </a:r>
           </a:p>
           <a:p>
             <a:pPr lvl="2"/>
             <a:r>
-              <a:rPr lang="en-US" altLang="zh-CN" dirty="0" smtClean="0"/>
+              <a:rPr lang="en-US" altLang="zh-CN" dirty="0"/>
               <a:t>Third level</a:t>
             </a:r>
           </a:p>
           <a:p>
             <a:pPr lvl="3"/>
             <a:r>
-              <a:rPr lang="en-US" altLang="zh-CN" dirty="0" smtClean="0"/>
+              <a:rPr lang="en-US" altLang="zh-CN" dirty="0"/>
               <a:t>Fourth level</a:t>
             </a:r>
           </a:p>
           <a:p>
             <a:pPr lvl="4"/>
             <a:r>
-              <a:rPr lang="en-US" altLang="zh-CN" dirty="0" smtClean="0"/>
+              <a:rPr lang="en-US" altLang="zh-CN" dirty="0"/>
               <a:t>Fifth level</a:t>
             </a:r>
             <a:endParaRPr lang="en-US" dirty="0"/>
@@ -2618,7 +2618,7 @@
           <a:lstStyle/>
           <a:p>
             <a:r>
-              <a:rPr lang="en-US" smtClean="0"/>
+              <a:rPr lang="en-US"/>
               <a:t>01/05/16</a:t>
             </a:r>
             <a:endParaRPr lang="en-US" dirty="0"/>
@@ -2641,7 +2641,7 @@
           <a:lstStyle/>
           <a:p>
             <a:r>
-              <a:rPr lang="de-DE" smtClean="0"/>
+              <a:rPr lang="de-DE"/>
               <a:t>CMPT 884 - 2016 Fall - SFU</a:t>
             </a:r>
             <a:endParaRPr lang="en-US" dirty="0"/>
@@ -2676,13 +2676,6 @@
   <p:clrMapOvr>
     <a:masterClrMapping/>
   </p:clrMapOvr>
-  <p:timing>
-    <p:tnLst>
-      <p:par>
-        <p:cTn id="1" dur="indefinite" restart="never" nodeType="tmRoot"/>
-      </p:par>
-    </p:tnLst>
-  </p:timing>
 </p:sldLayout>
 </file>
 
@@ -2824,7 +2817,7 @@
           </a:lstStyle>
           <a:p>
             <a:r>
-              <a:rPr lang="en-US" altLang="zh-CN" smtClean="0"/>
+              <a:rPr lang="en-US" altLang="zh-CN"/>
               <a:t>Click to edit Master title style</a:t>
             </a:r>
             <a:endParaRPr lang="en-US" dirty="0"/>
@@ -2945,7 +2938,7 @@
           <a:p>
             <a:pPr lvl="0"/>
             <a:r>
-              <a:rPr lang="en-US" altLang="zh-CN" smtClean="0"/>
+              <a:rPr lang="en-US" altLang="zh-CN"/>
               <a:t>Click to edit Master text styles</a:t>
             </a:r>
           </a:p>
@@ -2967,7 +2960,7 @@
           <a:lstStyle/>
           <a:p>
             <a:r>
-              <a:rPr lang="en-US" smtClean="0"/>
+              <a:rPr lang="en-US"/>
               <a:t>01/05/16</a:t>
             </a:r>
             <a:endParaRPr lang="en-US" dirty="0"/>
@@ -2990,7 +2983,7 @@
           <a:lstStyle/>
           <a:p>
             <a:r>
-              <a:rPr lang="de-DE" smtClean="0"/>
+              <a:rPr lang="de-DE"/>
               <a:t>CMPT 884 - 2016 Fall - SFU</a:t>
             </a:r>
             <a:endParaRPr lang="en-US" dirty="0"/>
@@ -3104,7 +3097,7 @@
           <a:lstStyle/>
           <a:p>
             <a:r>
-              <a:rPr lang="en-US" altLang="zh-CN" smtClean="0"/>
+              <a:rPr lang="en-US" altLang="zh-CN"/>
               <a:t>Click to edit Master title style</a:t>
             </a:r>
             <a:endParaRPr lang="en-US" dirty="0"/>
@@ -3133,35 +3126,35 @@
           <a:p>
             <a:pPr lvl="0"/>
             <a:r>
-              <a:rPr lang="en-US" altLang="zh-CN" smtClean="0"/>
+              <a:rPr lang="en-US" altLang="zh-CN"/>
               <a:t>Click to edit Master text styles</a:t>
             </a:r>
           </a:p>
           <a:p>
             <a:pPr lvl="1"/>
             <a:r>
-              <a:rPr lang="en-US" altLang="zh-CN" smtClean="0"/>
+              <a:rPr lang="en-US" altLang="zh-CN"/>
               <a:t>Second level</a:t>
             </a:r>
           </a:p>
           <a:p>
             <a:pPr lvl="2"/>
             <a:r>
-              <a:rPr lang="en-US" altLang="zh-CN" smtClean="0"/>
+              <a:rPr lang="en-US" altLang="zh-CN"/>
               <a:t>Third level</a:t>
             </a:r>
           </a:p>
           <a:p>
             <a:pPr lvl="3"/>
             <a:r>
-              <a:rPr lang="en-US" altLang="zh-CN" smtClean="0"/>
+              <a:rPr lang="en-US" altLang="zh-CN"/>
               <a:t>Fourth level</a:t>
             </a:r>
           </a:p>
           <a:p>
             <a:pPr lvl="4"/>
             <a:r>
-              <a:rPr lang="en-US" altLang="zh-CN" smtClean="0"/>
+              <a:rPr lang="en-US" altLang="zh-CN"/>
               <a:t>Fifth level</a:t>
             </a:r>
             <a:endParaRPr lang="en-US" dirty="0"/>
@@ -3190,35 +3183,35 @@
           <a:p>
             <a:pPr lvl="0"/>
             <a:r>
-              <a:rPr lang="en-US" altLang="zh-CN" smtClean="0"/>
+              <a:rPr lang="en-US" altLang="zh-CN"/>
               <a:t>Click to edit Master text styles</a:t>
             </a:r>
           </a:p>
           <a:p>
             <a:pPr lvl="1"/>
             <a:r>
-              <a:rPr lang="en-US" altLang="zh-CN" smtClean="0"/>
+              <a:rPr lang="en-US" altLang="zh-CN"/>
               <a:t>Second level</a:t>
             </a:r>
           </a:p>
           <a:p>
             <a:pPr lvl="2"/>
             <a:r>
-              <a:rPr lang="en-US" altLang="zh-CN" smtClean="0"/>
+              <a:rPr lang="en-US" altLang="zh-CN"/>
               <a:t>Third level</a:t>
             </a:r>
           </a:p>
           <a:p>
             <a:pPr lvl="3"/>
             <a:r>
-              <a:rPr lang="en-US" altLang="zh-CN" smtClean="0"/>
+              <a:rPr lang="en-US" altLang="zh-CN"/>
               <a:t>Fourth level</a:t>
             </a:r>
           </a:p>
           <a:p>
             <a:pPr lvl="4"/>
             <a:r>
-              <a:rPr lang="en-US" altLang="zh-CN" smtClean="0"/>
+              <a:rPr lang="en-US" altLang="zh-CN"/>
               <a:t>Fifth level</a:t>
             </a:r>
             <a:endParaRPr lang="en-US" dirty="0"/>
@@ -3241,7 +3234,7 @@
           <a:lstStyle/>
           <a:p>
             <a:r>
-              <a:rPr lang="en-US" smtClean="0"/>
+              <a:rPr lang="en-US"/>
               <a:t>01/05/16</a:t>
             </a:r>
             <a:endParaRPr lang="en-US" dirty="0"/>
@@ -3264,7 +3257,7 @@
           <a:lstStyle/>
           <a:p>
             <a:r>
-              <a:rPr lang="de-DE" smtClean="0"/>
+              <a:rPr lang="de-DE"/>
               <a:t>CMPT 884 - 2016 Fall - SFU</a:t>
             </a:r>
             <a:endParaRPr lang="en-US" dirty="0"/>
@@ -3340,7 +3333,7 @@
           <a:lstStyle/>
           <a:p>
             <a:r>
-              <a:rPr lang="en-US" altLang="zh-CN" smtClean="0"/>
+              <a:rPr lang="en-US" altLang="zh-CN"/>
               <a:t>Click to edit Master title style</a:t>
             </a:r>
             <a:endParaRPr lang="en-US" dirty="0"/>
@@ -3412,7 +3405,7 @@
           <a:p>
             <a:pPr lvl="0"/>
             <a:r>
-              <a:rPr lang="en-US" altLang="zh-CN" smtClean="0"/>
+              <a:rPr lang="en-US" altLang="zh-CN"/>
               <a:t>Click to edit Master text styles</a:t>
             </a:r>
           </a:p>
@@ -3440,35 +3433,35 @@
           <a:p>
             <a:pPr lvl="0"/>
             <a:r>
-              <a:rPr lang="en-US" altLang="zh-CN" smtClean="0"/>
+              <a:rPr lang="en-US" altLang="zh-CN"/>
               <a:t>Click to edit Master text styles</a:t>
             </a:r>
           </a:p>
           <a:p>
             <a:pPr lvl="1"/>
             <a:r>
-              <a:rPr lang="en-US" altLang="zh-CN" smtClean="0"/>
+              <a:rPr lang="en-US" altLang="zh-CN"/>
               <a:t>Second level</a:t>
             </a:r>
           </a:p>
           <a:p>
             <a:pPr lvl="2"/>
             <a:r>
-              <a:rPr lang="en-US" altLang="zh-CN" smtClean="0"/>
+              <a:rPr lang="en-US" altLang="zh-CN"/>
               <a:t>Third level</a:t>
             </a:r>
           </a:p>
           <a:p>
             <a:pPr lvl="3"/>
             <a:r>
-              <a:rPr lang="en-US" altLang="zh-CN" smtClean="0"/>
+              <a:rPr lang="en-US" altLang="zh-CN"/>
               <a:t>Fourth level</a:t>
             </a:r>
           </a:p>
           <a:p>
             <a:pPr lvl="4"/>
             <a:r>
-              <a:rPr lang="en-US" altLang="zh-CN" smtClean="0"/>
+              <a:rPr lang="en-US" altLang="zh-CN"/>
               <a:t>Fifth level</a:t>
             </a:r>
             <a:endParaRPr lang="en-US" dirty="0"/>
@@ -3540,7 +3533,7 @@
           <a:p>
             <a:pPr lvl="0"/>
             <a:r>
-              <a:rPr lang="en-US" altLang="zh-CN" smtClean="0"/>
+              <a:rPr lang="en-US" altLang="zh-CN"/>
               <a:t>Click to edit Master text styles</a:t>
             </a:r>
           </a:p>
@@ -3568,35 +3561,35 @@
           <a:p>
             <a:pPr lvl="0"/>
             <a:r>
-              <a:rPr lang="en-US" altLang="zh-CN" smtClean="0"/>
+              <a:rPr lang="en-US" altLang="zh-CN"/>
               <a:t>Click to edit Master text styles</a:t>
             </a:r>
           </a:p>
           <a:p>
             <a:pPr lvl="1"/>
             <a:r>
-              <a:rPr lang="en-US" altLang="zh-CN" smtClean="0"/>
+              <a:rPr lang="en-US" altLang="zh-CN"/>
               <a:t>Second level</a:t>
             </a:r>
           </a:p>
           <a:p>
             <a:pPr lvl="2"/>
             <a:r>
-              <a:rPr lang="en-US" altLang="zh-CN" smtClean="0"/>
+              <a:rPr lang="en-US" altLang="zh-CN"/>
               <a:t>Third level</a:t>
             </a:r>
           </a:p>
           <a:p>
             <a:pPr lvl="3"/>
             <a:r>
-              <a:rPr lang="en-US" altLang="zh-CN" smtClean="0"/>
+              <a:rPr lang="en-US" altLang="zh-CN"/>
               <a:t>Fourth level</a:t>
             </a:r>
           </a:p>
           <a:p>
             <a:pPr lvl="4"/>
             <a:r>
-              <a:rPr lang="en-US" altLang="zh-CN" smtClean="0"/>
+              <a:rPr lang="en-US" altLang="zh-CN"/>
               <a:t>Fifth level</a:t>
             </a:r>
             <a:endParaRPr lang="en-US" dirty="0"/>
@@ -3619,7 +3612,7 @@
           <a:lstStyle/>
           <a:p>
             <a:r>
-              <a:rPr lang="en-US" smtClean="0"/>
+              <a:rPr lang="en-US"/>
               <a:t>01/05/16</a:t>
             </a:r>
             <a:endParaRPr lang="en-US" dirty="0"/>
@@ -3642,7 +3635,7 @@
           <a:lstStyle/>
           <a:p>
             <a:r>
-              <a:rPr lang="de-DE" smtClean="0"/>
+              <a:rPr lang="de-DE"/>
               <a:t>CMPT 884 - 2016 Fall - SFU</a:t>
             </a:r>
             <a:endParaRPr lang="en-US" dirty="0"/>
@@ -3713,7 +3706,7 @@
           <a:lstStyle/>
           <a:p>
             <a:r>
-              <a:rPr lang="en-US" altLang="zh-CN" smtClean="0"/>
+              <a:rPr lang="en-US" altLang="zh-CN"/>
               <a:t>Click to edit Master title style</a:t>
             </a:r>
             <a:endParaRPr lang="en-US" dirty="0"/>
@@ -3736,7 +3729,7 @@
           <a:lstStyle/>
           <a:p>
             <a:r>
-              <a:rPr lang="en-US" smtClean="0"/>
+              <a:rPr lang="en-US"/>
               <a:t>01/05/16</a:t>
             </a:r>
             <a:endParaRPr lang="en-US" dirty="0"/>
@@ -3759,7 +3752,7 @@
           <a:lstStyle/>
           <a:p>
             <a:r>
-              <a:rPr lang="de-DE" smtClean="0"/>
+              <a:rPr lang="de-DE"/>
               <a:t>CMPT 884 - 2016 Fall - SFU</a:t>
             </a:r>
             <a:endParaRPr lang="en-US" dirty="0"/>
@@ -3906,7 +3899,7 @@
           <a:lstStyle/>
           <a:p>
             <a:r>
-              <a:rPr lang="en-US" smtClean="0"/>
+              <a:rPr lang="en-US"/>
               <a:t>01/05/16</a:t>
             </a:r>
             <a:endParaRPr lang="en-US" dirty="0"/>
@@ -3937,7 +3930,7 @@
           </a:lstStyle>
           <a:p>
             <a:r>
-              <a:rPr lang="de-DE" smtClean="0"/>
+              <a:rPr lang="de-DE"/>
               <a:t>CMPT 884 - 2016 Fall - SFU</a:t>
             </a:r>
             <a:endParaRPr lang="en-US" dirty="0"/>
@@ -4100,7 +4093,7 @@
           </a:lstStyle>
           <a:p>
             <a:r>
-              <a:rPr lang="en-US" altLang="zh-CN" smtClean="0"/>
+              <a:rPr lang="en-US" altLang="zh-CN"/>
               <a:t>Click to edit Master title style</a:t>
             </a:r>
             <a:endParaRPr lang="en-US" dirty="0"/>
@@ -4129,35 +4122,35 @@
           <a:p>
             <a:pPr lvl="0"/>
             <a:r>
-              <a:rPr lang="en-US" altLang="zh-CN" smtClean="0"/>
+              <a:rPr lang="en-US" altLang="zh-CN"/>
               <a:t>Click to edit Master text styles</a:t>
             </a:r>
           </a:p>
           <a:p>
             <a:pPr lvl="1"/>
             <a:r>
-              <a:rPr lang="en-US" altLang="zh-CN" smtClean="0"/>
+              <a:rPr lang="en-US" altLang="zh-CN"/>
               <a:t>Second level</a:t>
             </a:r>
           </a:p>
           <a:p>
             <a:pPr lvl="2"/>
             <a:r>
-              <a:rPr lang="en-US" altLang="zh-CN" smtClean="0"/>
+              <a:rPr lang="en-US" altLang="zh-CN"/>
               <a:t>Third level</a:t>
             </a:r>
           </a:p>
           <a:p>
             <a:pPr lvl="3"/>
             <a:r>
-              <a:rPr lang="en-US" altLang="zh-CN" smtClean="0"/>
+              <a:rPr lang="en-US" altLang="zh-CN"/>
               <a:t>Fourth level</a:t>
             </a:r>
           </a:p>
           <a:p>
             <a:pPr lvl="4"/>
             <a:r>
-              <a:rPr lang="en-US" altLang="zh-CN" smtClean="0"/>
+              <a:rPr lang="en-US" altLang="zh-CN"/>
               <a:t>Fifth level</a:t>
             </a:r>
             <a:endParaRPr lang="en-US" dirty="0"/>
@@ -4229,7 +4222,7 @@
           <a:p>
             <a:pPr lvl="0"/>
             <a:r>
-              <a:rPr lang="en-US" altLang="zh-CN" smtClean="0"/>
+              <a:rPr lang="en-US" altLang="zh-CN"/>
               <a:t>Click to edit Master text styles</a:t>
             </a:r>
           </a:p>
@@ -4260,7 +4253,7 @@
           </a:lstStyle>
           <a:p>
             <a:r>
-              <a:rPr lang="en-US" smtClean="0"/>
+              <a:rPr lang="en-US"/>
               <a:t>01/05/16</a:t>
             </a:r>
             <a:endParaRPr lang="en-US" dirty="0"/>
@@ -4296,7 +4289,7 @@
           </a:lstStyle>
           <a:p>
             <a:r>
-              <a:rPr lang="de-DE" smtClean="0"/>
+              <a:rPr lang="de-DE"/>
               <a:t>CMPT 884 - 2016 Fall - SFU</a:t>
             </a:r>
             <a:endParaRPr lang="en-US" dirty="0"/>
@@ -4467,7 +4460,7 @@
           </a:lstStyle>
           <a:p>
             <a:r>
-              <a:rPr lang="en-US" altLang="zh-CN" smtClean="0"/>
+              <a:rPr lang="en-US" altLang="zh-CN"/>
               <a:t>Click to edit Master title style</a:t>
             </a:r>
             <a:endParaRPr lang="en-US" dirty="0"/>
@@ -4542,7 +4535,7 @@
           </a:lstStyle>
           <a:p>
             <a:r>
-              <a:rPr lang="en-US" altLang="zh-CN" smtClean="0"/>
+              <a:rPr lang="en-US" altLang="zh-CN"/>
               <a:t>Drag picture to placeholder or click icon to add</a:t>
             </a:r>
             <a:endParaRPr lang="en-US" dirty="0"/>
@@ -4620,7 +4613,7 @@
           <a:p>
             <a:pPr lvl="0"/>
             <a:r>
-              <a:rPr lang="en-US" altLang="zh-CN" smtClean="0"/>
+              <a:rPr lang="en-US" altLang="zh-CN"/>
               <a:t>Click to edit Master text styles</a:t>
             </a:r>
           </a:p>
@@ -4642,7 +4635,7 @@
           <a:lstStyle/>
           <a:p>
             <a:r>
-              <a:rPr lang="en-US" smtClean="0"/>
+              <a:rPr lang="en-US"/>
               <a:t>01/05/16</a:t>
             </a:r>
             <a:endParaRPr lang="en-US" dirty="0"/>
@@ -4665,7 +4658,7 @@
           <a:lstStyle/>
           <a:p>
             <a:r>
-              <a:rPr lang="de-DE" smtClean="0"/>
+              <a:rPr lang="de-DE"/>
               <a:t>CMPT 884 - 2016 Fall - SFU</a:t>
             </a:r>
             <a:endParaRPr lang="en-US" dirty="0"/>
@@ -4827,7 +4820,7 @@
           <a:lstStyle/>
           <a:p>
             <a:r>
-              <a:rPr lang="en-US" altLang="zh-CN" smtClean="0"/>
+              <a:rPr lang="en-US" altLang="zh-CN"/>
               <a:t>Click to edit Master title style</a:t>
             </a:r>
             <a:endParaRPr lang="en-US" dirty="0"/>
@@ -4861,35 +4854,35 @@
           <a:p>
             <a:pPr lvl="0"/>
             <a:r>
-              <a:rPr lang="en-US" altLang="zh-CN" smtClean="0"/>
+              <a:rPr lang="en-US" altLang="zh-CN"/>
               <a:t>Click to edit Master text styles</a:t>
             </a:r>
           </a:p>
           <a:p>
             <a:pPr lvl="1"/>
             <a:r>
-              <a:rPr lang="en-US" altLang="zh-CN" smtClean="0"/>
+              <a:rPr lang="en-US" altLang="zh-CN"/>
               <a:t>Second level</a:t>
             </a:r>
           </a:p>
           <a:p>
             <a:pPr lvl="2"/>
             <a:r>
-              <a:rPr lang="en-US" altLang="zh-CN" smtClean="0"/>
+              <a:rPr lang="en-US" altLang="zh-CN"/>
               <a:t>Third level</a:t>
             </a:r>
           </a:p>
           <a:p>
             <a:pPr lvl="3"/>
             <a:r>
-              <a:rPr lang="en-US" altLang="zh-CN" smtClean="0"/>
+              <a:rPr lang="en-US" altLang="zh-CN"/>
               <a:t>Fourth level</a:t>
             </a:r>
           </a:p>
           <a:p>
             <a:pPr lvl="4"/>
             <a:r>
-              <a:rPr lang="en-US" altLang="zh-CN" smtClean="0"/>
+              <a:rPr lang="en-US" altLang="zh-CN"/>
               <a:t>Fifth level</a:t>
             </a:r>
             <a:endParaRPr lang="en-US" dirty="0"/>
@@ -4928,7 +4921,7 @@
           </a:lstStyle>
           <a:p>
             <a:r>
-              <a:rPr lang="en-US" smtClean="0"/>
+              <a:rPr lang="en-US"/>
               <a:t>01/05/16</a:t>
             </a:r>
             <a:endParaRPr lang="en-US" dirty="0"/>
@@ -4967,7 +4960,7 @@
           </a:lstStyle>
           <a:p>
             <a:r>
-              <a:rPr lang="de-DE" smtClean="0"/>
+              <a:rPr lang="de-DE"/>
               <a:t>CMPT 884 - 2016 Fall - SFU</a:t>
             </a:r>
             <a:endParaRPr lang="en-US" dirty="0"/>
@@ -5477,7 +5470,7 @@
           <a:lstStyle/>
           <a:p>
             <a:r>
-              <a:rPr lang="en-US" altLang="zh-CN" sz="6000" b="1" dirty="0" smtClean="0">
+              <a:rPr lang="en-US" altLang="zh-CN" sz="6000" b="1" dirty="0">
                 <a:latin typeface="Futura Condensed ExtraBold" charset="0"/>
                 <a:ea typeface="Futura Condensed ExtraBold" charset="0"/>
                 <a:cs typeface="Futura Condensed ExtraBold" charset="0"/>
@@ -5485,7 +5478,7 @@
               <a:t>Essential</a:t>
             </a:r>
             <a:r>
-              <a:rPr lang="zh-CN" altLang="en-US" sz="6000" b="1" dirty="0" smtClean="0">
+              <a:rPr lang="zh-CN" altLang="en-US" sz="6000" b="1" dirty="0">
                 <a:latin typeface="Futura Condensed ExtraBold" charset="0"/>
                 <a:ea typeface="Futura Condensed ExtraBold" charset="0"/>
                 <a:cs typeface="Futura Condensed ExtraBold" charset="0"/>
@@ -5493,7 +5486,7 @@
               <a:t> </a:t>
             </a:r>
             <a:r>
-              <a:rPr lang="en-US" altLang="zh-CN" sz="6000" b="1" dirty="0" smtClean="0">
+              <a:rPr lang="en-US" altLang="zh-CN" sz="6000" b="1" dirty="0">
                 <a:latin typeface="Futura Condensed ExtraBold" charset="0"/>
                 <a:ea typeface="Futura Condensed ExtraBold" charset="0"/>
                 <a:cs typeface="Futura Condensed ExtraBold" charset="0"/>
@@ -5501,7 +5494,7 @@
               <a:t>Skills</a:t>
             </a:r>
             <a:r>
-              <a:rPr lang="zh-CN" altLang="en-US" sz="6000" b="1" dirty="0" smtClean="0">
+              <a:rPr lang="zh-CN" altLang="en-US" sz="6000" b="1" dirty="0">
                 <a:latin typeface="Futura Condensed ExtraBold" charset="0"/>
                 <a:ea typeface="Futura Condensed ExtraBold" charset="0"/>
                 <a:cs typeface="Futura Condensed ExtraBold" charset="0"/>
@@ -5509,7 +5502,7 @@
               <a:t> </a:t>
             </a:r>
             <a:r>
-              <a:rPr lang="en-US" altLang="zh-CN" sz="6000" b="1" dirty="0" smtClean="0">
+              <a:rPr lang="en-US" altLang="zh-CN" sz="6000" b="1" dirty="0">
                 <a:latin typeface="Futura Condensed ExtraBold" charset="0"/>
                 <a:ea typeface="Futura Condensed ExtraBold" charset="0"/>
                 <a:cs typeface="Futura Condensed ExtraBold" charset="0"/>
@@ -5517,7 +5510,7 @@
               <a:t>Needed</a:t>
             </a:r>
             <a:r>
-              <a:rPr lang="zh-CN" altLang="en-US" sz="6000" b="1" dirty="0" smtClean="0">
+              <a:rPr lang="zh-CN" altLang="en-US" sz="6000" b="1" dirty="0">
                 <a:latin typeface="Futura Condensed ExtraBold" charset="0"/>
                 <a:ea typeface="Futura Condensed ExtraBold" charset="0"/>
                 <a:cs typeface="Futura Condensed ExtraBold" charset="0"/>
@@ -5525,7 +5518,7 @@
               <a:t> </a:t>
             </a:r>
             <a:r>
-              <a:rPr lang="en-US" altLang="zh-CN" sz="6000" b="1" dirty="0" smtClean="0">
+              <a:rPr lang="en-US" altLang="zh-CN" sz="6000" b="1" dirty="0">
                 <a:latin typeface="Futura Condensed ExtraBold" charset="0"/>
                 <a:ea typeface="Futura Condensed ExtraBold" charset="0"/>
                 <a:cs typeface="Futura Condensed ExtraBold" charset="0"/>
@@ -5533,7 +5526,7 @@
               <a:t>for</a:t>
             </a:r>
             <a:r>
-              <a:rPr lang="zh-CN" altLang="en-US" sz="6000" b="1" dirty="0" smtClean="0">
+              <a:rPr lang="zh-CN" altLang="en-US" sz="6000" b="1" dirty="0">
                 <a:latin typeface="Futura Condensed ExtraBold" charset="0"/>
                 <a:ea typeface="Futura Condensed ExtraBold" charset="0"/>
                 <a:cs typeface="Futura Condensed ExtraBold" charset="0"/>
@@ -5541,7 +5534,7 @@
               <a:t> </a:t>
             </a:r>
             <a:r>
-              <a:rPr lang="en-US" altLang="zh-CN" sz="6000" b="1" dirty="0" smtClean="0">
+              <a:rPr lang="en-US" altLang="zh-CN" sz="6000" b="1" dirty="0">
                 <a:latin typeface="Futura Condensed ExtraBold" charset="0"/>
                 <a:ea typeface="Futura Condensed ExtraBold" charset="0"/>
                 <a:cs typeface="Futura Condensed ExtraBold" charset="0"/>
@@ -5549,7 +5542,7 @@
               <a:t>a</a:t>
             </a:r>
             <a:r>
-              <a:rPr lang="zh-CN" altLang="en-US" sz="6000" b="1" dirty="0" smtClean="0">
+              <a:rPr lang="zh-CN" altLang="en-US" sz="6000" b="1" dirty="0">
                 <a:latin typeface="Futura Condensed ExtraBold" charset="0"/>
                 <a:ea typeface="Futura Condensed ExtraBold" charset="0"/>
                 <a:cs typeface="Futura Condensed ExtraBold" charset="0"/>
@@ -5557,7 +5550,7 @@
               <a:t> </a:t>
             </a:r>
             <a:r>
-              <a:rPr lang="en-US" altLang="zh-CN" sz="6000" b="1" dirty="0" smtClean="0">
+              <a:rPr lang="en-US" altLang="zh-CN" sz="6000" b="1" dirty="0">
                 <a:latin typeface="Futura Condensed ExtraBold" charset="0"/>
                 <a:ea typeface="Futura Condensed ExtraBold" charset="0"/>
                 <a:cs typeface="Futura Condensed ExtraBold" charset="0"/>
@@ -5565,7 +5558,7 @@
               <a:t>PhD</a:t>
             </a:r>
             <a:r>
-              <a:rPr lang="zh-CN" altLang="en-US" sz="6000" b="1" dirty="0" smtClean="0">
+              <a:rPr lang="zh-CN" altLang="en-US" sz="6000" b="1" dirty="0">
                 <a:latin typeface="Futura Condensed ExtraBold" charset="0"/>
                 <a:ea typeface="Futura Condensed ExtraBold" charset="0"/>
                 <a:cs typeface="Futura Condensed ExtraBold" charset="0"/>
@@ -5573,7 +5566,7 @@
               <a:t> </a:t>
             </a:r>
             <a:r>
-              <a:rPr lang="en-US" altLang="zh-CN" sz="6000" b="1" dirty="0" smtClean="0">
+              <a:rPr lang="en-US" altLang="zh-CN" sz="6000" b="1" dirty="0">
                 <a:latin typeface="Futura Condensed ExtraBold" charset="0"/>
                 <a:ea typeface="Futura Condensed ExtraBold" charset="0"/>
                 <a:cs typeface="Futura Condensed ExtraBold" charset="0"/>
@@ -5606,7 +5599,7 @@
           <a:lstStyle/>
           <a:p>
             <a:r>
-              <a:rPr lang="en-US" altLang="zh-CN" dirty="0" smtClean="0">
+              <a:rPr lang="en-US" altLang="zh-CN" dirty="0">
                 <a:latin typeface="Futura Medium" charset="0"/>
                 <a:ea typeface="Futura Medium" charset="0"/>
                 <a:cs typeface="Futura Medium" charset="0"/>
@@ -5614,7 +5607,7 @@
               <a:t>Jiannan</a:t>
             </a:r>
             <a:r>
-              <a:rPr lang="zh-CN" altLang="en-US" dirty="0" smtClean="0">
+              <a:rPr lang="zh-CN" altLang="en-US" dirty="0">
                 <a:latin typeface="Futura Medium" charset="0"/>
                 <a:ea typeface="Futura Medium" charset="0"/>
                 <a:cs typeface="Futura Medium" charset="0"/>
@@ -5622,7 +5615,7 @@
               <a:t> </a:t>
             </a:r>
             <a:r>
-              <a:rPr lang="en-US" altLang="zh-CN" dirty="0" smtClean="0">
+              <a:rPr lang="en-US" altLang="zh-CN" dirty="0">
                 <a:latin typeface="Futura Medium" charset="0"/>
                 <a:ea typeface="Futura Medium" charset="0"/>
                 <a:cs typeface="Futura Medium" charset="0"/>
@@ -5632,7 +5625,7 @@
           </a:p>
           <a:p>
             <a:r>
-              <a:rPr lang="en-US" altLang="zh-CN" dirty="0" smtClean="0">
+              <a:rPr lang="en-US" altLang="zh-CN" dirty="0">
                 <a:latin typeface="Futura Medium" charset="0"/>
                 <a:ea typeface="Futura Medium" charset="0"/>
                 <a:cs typeface="Futura Medium" charset="0"/>
@@ -5640,7 +5633,7 @@
               <a:t>Simon</a:t>
             </a:r>
             <a:r>
-              <a:rPr lang="zh-CN" altLang="en-US" dirty="0" smtClean="0">
+              <a:rPr lang="zh-CN" altLang="en-US" dirty="0">
                 <a:latin typeface="Futura Medium" charset="0"/>
                 <a:ea typeface="Futura Medium" charset="0"/>
                 <a:cs typeface="Futura Medium" charset="0"/>
@@ -5648,7 +5641,7 @@
               <a:t> </a:t>
             </a:r>
             <a:r>
-              <a:rPr lang="en-US" altLang="zh-CN" dirty="0" smtClean="0">
+              <a:rPr lang="en-US" altLang="zh-CN" dirty="0">
                 <a:latin typeface="Futura Medium" charset="0"/>
                 <a:ea typeface="Futura Medium" charset="0"/>
                 <a:cs typeface="Futura Medium" charset="0"/>
@@ -5656,7 +5649,7 @@
               <a:t>Fraser</a:t>
             </a:r>
             <a:r>
-              <a:rPr lang="zh-CN" altLang="en-US" dirty="0" smtClean="0">
+              <a:rPr lang="zh-CN" altLang="en-US" dirty="0">
                 <a:latin typeface="Futura Medium" charset="0"/>
                 <a:ea typeface="Futura Medium" charset="0"/>
                 <a:cs typeface="Futura Medium" charset="0"/>
@@ -5664,14 +5657,14 @@
               <a:t> </a:t>
             </a:r>
             <a:r>
-              <a:rPr lang="en-US" altLang="zh-CN" dirty="0" smtClean="0">
+              <a:rPr lang="en-US" altLang="zh-CN" dirty="0">
                 <a:latin typeface="Futura Medium" charset="0"/>
                 <a:ea typeface="Futura Medium" charset="0"/>
                 <a:cs typeface="Futura Medium" charset="0"/>
               </a:rPr>
               <a:t>University</a:t>
             </a:r>
-            <a:endParaRPr lang="zh-CN" altLang="en-US" dirty="0" smtClean="0">
+            <a:endParaRPr lang="zh-CN" altLang="en-US" dirty="0">
               <a:latin typeface="Futura Medium" charset="0"/>
               <a:ea typeface="Futura Medium" charset="0"/>
               <a:cs typeface="Futura Medium" charset="0"/>
@@ -5712,13 +5705,6 @@
   <p:clrMapOvr>
     <a:masterClrMapping/>
   </p:clrMapOvr>
-  <p:timing>
-    <p:tnLst>
-      <p:par>
-        <p:cTn id="1" dur="indefinite" restart="never" nodeType="tmRoot"/>
-      </p:par>
-    </p:tnLst>
-  </p:timing>
 </p:sld>
 </file>
 
@@ -5824,26 +5810,20 @@
           <a:lstStyle/>
           <a:p>
             <a:r>
-              <a:rPr lang="en-US" altLang="zh-CN" dirty="0" smtClean="0"/>
+              <a:rPr lang="en-US" altLang="zh-CN" dirty="0"/>
               <a:t>From</a:t>
             </a:r>
             <a:r>
-              <a:rPr lang="zh-CN" altLang="en-US" dirty="0" smtClean="0"/>
+              <a:rPr lang="zh-CN" altLang="en-US" dirty="0"/>
               <a:t> </a:t>
             </a:r>
             <a:r>
               <a:rPr lang="en-US" altLang="zh-CN" dirty="0">
                 <a:hlinkClick r:id="rId2"/>
               </a:rPr>
-              <a:t>http://matt.might.net/articles/phd-school-in-pictures</a:t>
-            </a:r>
-            <a:r>
-              <a:rPr lang="en-US" altLang="zh-CN" dirty="0" smtClean="0">
-                <a:hlinkClick r:id="rId2"/>
-              </a:rPr>
-              <a:t>/</a:t>
-            </a:r>
-            <a:endParaRPr lang="zh-CN" altLang="en-US" dirty="0" smtClean="0"/>
+              <a:t>http://matt.might.net/articles/phd-school-in-pictures/</a:t>
+            </a:r>
+            <a:endParaRPr lang="zh-CN" altLang="en-US" dirty="0"/>
           </a:p>
           <a:p>
             <a:endParaRPr lang="en-US" dirty="0"/>
@@ -5939,23 +5919,7 @@
                 <a:ea typeface="Futura Medium" charset="0"/>
                 <a:cs typeface="Futura Medium" charset="0"/>
               </a:rPr>
-              <a:t>for a few </a:t>
-            </a:r>
-            <a:r>
-              <a:rPr lang="en-US" sz="3200" dirty="0" smtClean="0">
-                <a:latin typeface="Futura Medium" charset="0"/>
-                <a:ea typeface="Futura Medium" charset="0"/>
-                <a:cs typeface="Futura Medium" charset="0"/>
-              </a:rPr>
-              <a:t>years</a:t>
-            </a:r>
-            <a:r>
-              <a:rPr lang="en-US" sz="3200" dirty="0">
-                <a:latin typeface="Futura Medium" charset="0"/>
-                <a:ea typeface="Futura Medium" charset="0"/>
-                <a:cs typeface="Futura Medium" charset="0"/>
-              </a:rPr>
-              <a:t>.</a:t>
+              <a:t>for a few years.</a:t>
             </a:r>
             <a:endParaRPr lang="en-US" sz="3200" dirty="0">
               <a:latin typeface="Franklin Gothic Heavy" charset="0"/>
@@ -5975,13 +5939,6 @@
   <p:clrMapOvr>
     <a:masterClrMapping/>
   </p:clrMapOvr>
-  <p:timing>
-    <p:tnLst>
-      <p:par>
-        <p:cTn id="1" dur="indefinite" restart="never" nodeType="tmRoot"/>
-      </p:par>
-    </p:tnLst>
-  </p:timing>
 </p:sld>
 </file>
 
@@ -6087,26 +6044,20 @@
           <a:lstStyle/>
           <a:p>
             <a:r>
-              <a:rPr lang="en-US" altLang="zh-CN" dirty="0" smtClean="0"/>
+              <a:rPr lang="en-US" altLang="zh-CN" dirty="0"/>
               <a:t>From</a:t>
             </a:r>
             <a:r>
-              <a:rPr lang="zh-CN" altLang="en-US" dirty="0" smtClean="0"/>
+              <a:rPr lang="zh-CN" altLang="en-US" dirty="0"/>
               <a:t> </a:t>
             </a:r>
             <a:r>
               <a:rPr lang="en-US" altLang="zh-CN" dirty="0">
                 <a:hlinkClick r:id="rId3"/>
               </a:rPr>
-              <a:t>http://matt.might.net/articles/phd-school-in-pictures</a:t>
-            </a:r>
-            <a:r>
-              <a:rPr lang="en-US" altLang="zh-CN" dirty="0" smtClean="0">
-                <a:hlinkClick r:id="rId3"/>
-              </a:rPr>
-              <a:t>/</a:t>
-            </a:r>
-            <a:endParaRPr lang="zh-CN" altLang="en-US" dirty="0" smtClean="0"/>
+              <a:t>http://matt.might.net/articles/phd-school-in-pictures/</a:t>
+            </a:r>
+            <a:endParaRPr lang="zh-CN" altLang="en-US" dirty="0"/>
           </a:p>
           <a:p>
             <a:endParaRPr lang="en-US" dirty="0"/>
@@ -6193,13 +6144,6 @@
   <p:clrMapOvr>
     <a:masterClrMapping/>
   </p:clrMapOvr>
-  <p:timing>
-    <p:tnLst>
-      <p:par>
-        <p:cTn id="1" dur="indefinite" restart="never" nodeType="tmRoot"/>
-      </p:par>
-    </p:tnLst>
-  </p:timing>
 </p:sld>
 </file>
 
@@ -6305,26 +6249,20 @@
           <a:lstStyle/>
           <a:p>
             <a:r>
-              <a:rPr lang="en-US" altLang="zh-CN" dirty="0" smtClean="0"/>
+              <a:rPr lang="en-US" altLang="zh-CN" dirty="0"/>
               <a:t>From</a:t>
             </a:r>
             <a:r>
-              <a:rPr lang="zh-CN" altLang="en-US" dirty="0" smtClean="0"/>
+              <a:rPr lang="zh-CN" altLang="en-US" dirty="0"/>
               <a:t> </a:t>
             </a:r>
             <a:r>
               <a:rPr lang="en-US" altLang="zh-CN" dirty="0">
                 <a:hlinkClick r:id="rId2"/>
               </a:rPr>
-              <a:t>http://matt.might.net/articles/phd-school-in-pictures</a:t>
-            </a:r>
-            <a:r>
-              <a:rPr lang="en-US" altLang="zh-CN" dirty="0" smtClean="0">
-                <a:hlinkClick r:id="rId2"/>
-              </a:rPr>
-              <a:t>/</a:t>
-            </a:r>
-            <a:endParaRPr lang="zh-CN" altLang="en-US" dirty="0" smtClean="0"/>
+              <a:t>http://matt.might.net/articles/phd-school-in-pictures/</a:t>
+            </a:r>
+            <a:endParaRPr lang="zh-CN" altLang="en-US" dirty="0"/>
           </a:p>
           <a:p>
             <a:endParaRPr lang="en-US" dirty="0"/>
@@ -6420,21 +6358,8 @@
                 <a:ea typeface="Franklin Gothic Heavy" charset="0"/>
                 <a:cs typeface="Franklin Gothic Heavy" charset="0"/>
               </a:rPr>
-              <a:t>Ph.D</a:t>
-            </a:r>
-            <a:r>
-              <a:rPr lang="en-US" sz="4400" dirty="0" smtClean="0">
-                <a:latin typeface="Franklin Gothic Heavy" charset="0"/>
-                <a:ea typeface="Franklin Gothic Heavy" charset="0"/>
-                <a:cs typeface="Franklin Gothic Heavy" charset="0"/>
-              </a:rPr>
-              <a:t>.</a:t>
-            </a:r>
-            <a:endParaRPr lang="en-US" sz="4400" dirty="0">
-              <a:latin typeface="Franklin Gothic Heavy" charset="0"/>
-              <a:ea typeface="Franklin Gothic Heavy" charset="0"/>
-              <a:cs typeface="Franklin Gothic Heavy" charset="0"/>
-            </a:endParaRPr>
+              <a:t>Ph.D.</a:t>
+            </a:r>
           </a:p>
         </p:txBody>
       </p:sp>
@@ -6448,13 +6373,6 @@
   <p:clrMapOvr>
     <a:masterClrMapping/>
   </p:clrMapOvr>
-  <p:timing>
-    <p:tnLst>
-      <p:par>
-        <p:cTn id="1" dur="indefinite" restart="never" nodeType="tmRoot"/>
-      </p:par>
-    </p:tnLst>
-  </p:timing>
 </p:sld>
 </file>
 
@@ -6560,7 +6478,7 @@
           <a:lstStyle/>
           <a:p>
             <a:r>
-              <a:rPr lang="en-US" altLang="zh-CN" sz="3200" dirty="0" smtClean="0">
+              <a:rPr lang="en-US" altLang="zh-CN" sz="3200" dirty="0">
                 <a:latin typeface="Futura Medium" charset="0"/>
                 <a:ea typeface="Futura Medium" charset="0"/>
                 <a:cs typeface="Futura Medium" charset="0"/>
@@ -6568,7 +6486,7 @@
               <a:t>Thanks</a:t>
             </a:r>
             <a:r>
-              <a:rPr lang="zh-CN" altLang="en-US" sz="3200" dirty="0" smtClean="0">
+              <a:rPr lang="zh-CN" altLang="en-US" sz="3200" dirty="0">
                 <a:latin typeface="Futura Medium" charset="0"/>
                 <a:ea typeface="Futura Medium" charset="0"/>
                 <a:cs typeface="Futura Medium" charset="0"/>
@@ -6576,7 +6494,7 @@
               <a:t> </a:t>
             </a:r>
             <a:r>
-              <a:rPr lang="en-US" altLang="zh-CN" sz="3200" dirty="0" smtClean="0">
+              <a:rPr lang="en-US" altLang="zh-CN" sz="3200" dirty="0">
                 <a:latin typeface="Futura Medium" charset="0"/>
                 <a:ea typeface="Futura Medium" charset="0"/>
                 <a:cs typeface="Futura Medium" charset="0"/>
@@ -6584,7 +6502,7 @@
               <a:t>to</a:t>
             </a:r>
             <a:r>
-              <a:rPr lang="zh-CN" altLang="en-US" sz="3200" dirty="0" smtClean="0">
+              <a:rPr lang="zh-CN" altLang="en-US" sz="3200" dirty="0">
                 <a:latin typeface="Futura Medium" charset="0"/>
                 <a:ea typeface="Futura Medium" charset="0"/>
                 <a:cs typeface="Futura Medium" charset="0"/>
@@ -6592,7 +6510,7 @@
               <a:t> </a:t>
             </a:r>
             <a:r>
-              <a:rPr lang="en-US" altLang="zh-CN" sz="3200" dirty="0" smtClean="0">
+              <a:rPr lang="en-US" altLang="zh-CN" sz="3200" dirty="0">
                 <a:latin typeface="Futura Medium" charset="0"/>
                 <a:ea typeface="Futura Medium" charset="0"/>
                 <a:cs typeface="Futura Medium" charset="0"/>
@@ -6600,7 +6518,7 @@
               <a:t>your</a:t>
             </a:r>
             <a:r>
-              <a:rPr lang="zh-CN" altLang="en-US" sz="3200" dirty="0" smtClean="0">
+              <a:rPr lang="zh-CN" altLang="en-US" sz="3200" dirty="0">
                 <a:latin typeface="Futura Medium" charset="0"/>
                 <a:ea typeface="Futura Medium" charset="0"/>
                 <a:cs typeface="Futura Medium" charset="0"/>
@@ -6608,7 +6526,7 @@
               <a:t> </a:t>
             </a:r>
             <a:r>
-              <a:rPr lang="en-US" altLang="zh-CN" sz="3200" dirty="0" smtClean="0">
+              <a:rPr lang="en-US" altLang="zh-CN" sz="3200" dirty="0">
                 <a:latin typeface="Futura Medium" charset="0"/>
                 <a:ea typeface="Futura Medium" charset="0"/>
                 <a:cs typeface="Futura Medium" charset="0"/>
@@ -6663,13 +6581,6 @@
   <p:clrMapOvr>
     <a:masterClrMapping/>
   </p:clrMapOvr>
-  <p:timing>
-    <p:tnLst>
-      <p:par>
-        <p:cTn id="1" dur="indefinite" restart="never" nodeType="tmRoot"/>
-      </p:par>
-    </p:tnLst>
-  </p:timing>
 </p:sld>
 </file>
 
@@ -6706,7 +6617,7 @@
           <a:lstStyle/>
           <a:p>
             <a:r>
-              <a:rPr lang="en-US" altLang="zh-CN" dirty="0" smtClean="0">
+              <a:rPr lang="en-US" altLang="zh-CN" dirty="0">
                 <a:latin typeface="Futura Medium" charset="0"/>
                 <a:ea typeface="Futura Medium" charset="0"/>
                 <a:cs typeface="Futura Medium" charset="0"/>
@@ -6714,7 +6625,7 @@
               <a:t>Essential</a:t>
             </a:r>
             <a:r>
-              <a:rPr lang="zh-CN" altLang="en-US" dirty="0" smtClean="0">
+              <a:rPr lang="zh-CN" altLang="en-US" dirty="0">
                 <a:latin typeface="Futura Medium" charset="0"/>
                 <a:ea typeface="Futura Medium" charset="0"/>
                 <a:cs typeface="Futura Medium" charset="0"/>
@@ -6722,7 +6633,7 @@
               <a:t> </a:t>
             </a:r>
             <a:r>
-              <a:rPr lang="en-US" altLang="zh-CN" dirty="0" smtClean="0">
+              <a:rPr lang="en-US" altLang="zh-CN" dirty="0">
                 <a:latin typeface="Futura Medium" charset="0"/>
                 <a:ea typeface="Futura Medium" charset="0"/>
                 <a:cs typeface="Futura Medium" charset="0"/>
@@ -6765,15 +6676,15 @@
               </a:spcBef>
             </a:pPr>
             <a:r>
-              <a:rPr lang="en-US" altLang="zh-CN" sz="3200" dirty="0" smtClean="0"/>
+              <a:rPr lang="en-US" altLang="zh-CN" sz="3200" dirty="0"/>
               <a:t>Presentation</a:t>
             </a:r>
-            <a:endParaRPr lang="zh-CN" altLang="en-US" sz="3200" dirty="0" smtClean="0"/>
+            <a:endParaRPr lang="zh-CN" altLang="en-US" sz="3200" dirty="0"/>
           </a:p>
           <a:p>
             <a:pPr lvl="2"/>
             <a:r>
-              <a:rPr lang="en-US" altLang="zh-CN" sz="2800" dirty="0" smtClean="0">
+              <a:rPr lang="en-US" altLang="zh-CN" sz="2800" dirty="0">
                 <a:latin typeface="Futura Condensed Medium" charset="0"/>
                 <a:ea typeface="Futura Condensed Medium" charset="0"/>
                 <a:cs typeface="Futura Condensed Medium" charset="0"/>
@@ -6781,7 +6692,7 @@
               <a:t>Giving</a:t>
             </a:r>
             <a:r>
-              <a:rPr lang="zh-CN" altLang="en-US" sz="2800" dirty="0" smtClean="0">
+              <a:rPr lang="zh-CN" altLang="en-US" sz="2800" dirty="0">
                 <a:latin typeface="Futura Condensed Medium" charset="0"/>
                 <a:ea typeface="Futura Condensed Medium" charset="0"/>
                 <a:cs typeface="Futura Condensed Medium" charset="0"/>
@@ -6789,7 +6700,7 @@
               <a:t> </a:t>
             </a:r>
             <a:r>
-              <a:rPr lang="en-US" altLang="zh-CN" sz="2800" dirty="0" smtClean="0">
+              <a:rPr lang="en-US" altLang="zh-CN" sz="2800" dirty="0">
                 <a:latin typeface="Futura Condensed Medium" charset="0"/>
                 <a:ea typeface="Futura Condensed Medium" charset="0"/>
                 <a:cs typeface="Futura Condensed Medium" charset="0"/>
@@ -6800,7 +6711,7 @@
           <a:p>
             <a:pPr lvl="2"/>
             <a:r>
-              <a:rPr lang="is-IS" altLang="zh-CN" sz="2800" dirty="0" smtClean="0">
+              <a:rPr lang="is-IS" altLang="zh-CN" sz="2800" dirty="0">
                 <a:latin typeface="Futura Condensed Medium" charset="0"/>
                 <a:ea typeface="Futura Condensed Medium" charset="0"/>
                 <a:cs typeface="Futura Condensed Medium" charset="0"/>
@@ -6814,7 +6725,7 @@
             </a:endParaRPr>
           </a:p>
           <a:p>
-            <a:endParaRPr lang="zh-CN" altLang="en-US" sz="3200" dirty="0" smtClean="0">
+            <a:endParaRPr lang="zh-CN" altLang="en-US" sz="3200" dirty="0">
               <a:latin typeface="Futura Medium" charset="0"/>
               <a:ea typeface="Futura Medium" charset="0"/>
               <a:cs typeface="Futura Medium" charset="0"/>
@@ -7208,18 +7119,18 @@
           </a:lstStyle>
           <a:p>
             <a:r>
-              <a:rPr lang="en-US" altLang="zh-CN" sz="3200" dirty="0" smtClean="0"/>
+              <a:rPr lang="en-US" altLang="zh-CN" sz="3200" dirty="0"/>
               <a:t>Reading</a:t>
             </a:r>
             <a:r>
-              <a:rPr lang="zh-CN" altLang="en-US" sz="3200" dirty="0" smtClean="0"/>
+              <a:rPr lang="zh-CN" altLang="en-US" sz="3200" dirty="0"/>
               <a:t> </a:t>
             </a:r>
             <a:r>
-              <a:rPr lang="en-US" altLang="zh-CN" sz="3200" dirty="0" smtClean="0"/>
+              <a:rPr lang="en-US" altLang="zh-CN" sz="3200" dirty="0"/>
               <a:t>Papers</a:t>
             </a:r>
-            <a:endParaRPr lang="zh-CN" altLang="en-US" sz="3200" dirty="0" smtClean="0"/>
+            <a:endParaRPr lang="zh-CN" altLang="en-US" sz="3200" dirty="0"/>
           </a:p>
         </p:txBody>
       </p:sp>
@@ -7497,37 +7408,10 @@
               </a:spcBef>
             </a:pPr>
             <a:r>
-              <a:rPr lang="en-US" altLang="zh-CN" sz="3200" dirty="0" smtClean="0"/>
+              <a:rPr lang="en-US" altLang="zh-CN" sz="3200" dirty="0"/>
               <a:t>Critical Thinking</a:t>
             </a:r>
-            <a:endParaRPr lang="zh-CN" altLang="en-US" sz="3200" dirty="0" smtClean="0"/>
-          </a:p>
-          <a:p>
-            <a:pPr lvl="2"/>
-            <a:r>
-              <a:rPr lang="en-US" altLang="zh-CN" sz="2800" dirty="0" smtClean="0">
-                <a:latin typeface="Futura Condensed Medium" charset="0"/>
-                <a:ea typeface="Futura Condensed Medium" charset="0"/>
-                <a:cs typeface="Futura Condensed Medium" charset="0"/>
-              </a:rPr>
-              <a:t>Reviewing</a:t>
-            </a:r>
-            <a:r>
-              <a:rPr lang="zh-CN" altLang="en-US" sz="2800" dirty="0" smtClean="0">
-                <a:latin typeface="Futura Condensed Medium" charset="0"/>
-                <a:ea typeface="Futura Condensed Medium" charset="0"/>
-                <a:cs typeface="Futura Condensed Medium" charset="0"/>
-              </a:rPr>
-              <a:t> </a:t>
-            </a:r>
-            <a:r>
-              <a:rPr lang="en-US" altLang="zh-CN" sz="2800" dirty="0" smtClean="0">
-                <a:latin typeface="Futura Condensed Medium" charset="0"/>
-                <a:ea typeface="Futura Condensed Medium" charset="0"/>
-                <a:cs typeface="Futura Condensed Medium" charset="0"/>
-              </a:rPr>
-              <a:t>Papers</a:t>
-            </a:r>
+            <a:endParaRPr lang="zh-CN" altLang="en-US" sz="3200" dirty="0"/>
           </a:p>
           <a:p>
             <a:pPr lvl="2"/>
@@ -7537,7 +7421,7 @@
                 <a:ea typeface="Futura Condensed Medium" charset="0"/>
                 <a:cs typeface="Futura Condensed Medium" charset="0"/>
               </a:rPr>
-              <a:t>Asking</a:t>
+              <a:t>Reviewing</a:t>
             </a:r>
             <a:r>
               <a:rPr lang="zh-CN" altLang="en-US" sz="2800" dirty="0">
@@ -7548,18 +7432,45 @@
               <a:t> </a:t>
             </a:r>
             <a:r>
-              <a:rPr lang="en-US" altLang="zh-CN" sz="2800" dirty="0" smtClean="0">
+              <a:rPr lang="en-US" altLang="zh-CN" sz="2800" dirty="0">
                 <a:latin typeface="Futura Condensed Medium" charset="0"/>
                 <a:ea typeface="Futura Condensed Medium" charset="0"/>
                 <a:cs typeface="Futura Condensed Medium" charset="0"/>
               </a:rPr>
+              <a:t>Papers</a:t>
+            </a:r>
+          </a:p>
+          <a:p>
+            <a:pPr lvl="2"/>
+            <a:r>
+              <a:rPr lang="en-US" altLang="zh-CN" sz="2800" dirty="0">
+                <a:latin typeface="Futura Condensed Medium" charset="0"/>
+                <a:ea typeface="Futura Condensed Medium" charset="0"/>
+                <a:cs typeface="Futura Condensed Medium" charset="0"/>
+              </a:rPr>
+              <a:t>Asking</a:t>
+            </a:r>
+            <a:r>
+              <a:rPr lang="zh-CN" altLang="en-US" sz="2800" dirty="0">
+                <a:latin typeface="Futura Condensed Medium" charset="0"/>
+                <a:ea typeface="Futura Condensed Medium" charset="0"/>
+                <a:cs typeface="Futura Condensed Medium" charset="0"/>
+              </a:rPr>
+              <a:t> </a:t>
+            </a:r>
+            <a:r>
+              <a:rPr lang="en-US" altLang="zh-CN" sz="2800" dirty="0">
+                <a:latin typeface="Futura Condensed Medium" charset="0"/>
+                <a:ea typeface="Futura Condensed Medium" charset="0"/>
+                <a:cs typeface="Futura Condensed Medium" charset="0"/>
+              </a:rPr>
               <a:t>Questions</a:t>
             </a:r>
           </a:p>
           <a:p>
             <a:pPr lvl="2"/>
             <a:r>
-              <a:rPr lang="is-IS" altLang="zh-CN" sz="2800" dirty="0" smtClean="0">
+              <a:rPr lang="is-IS" altLang="zh-CN" sz="2800" dirty="0">
                 <a:latin typeface="Futura Condensed Medium" charset="0"/>
                 <a:ea typeface="Futura Condensed Medium" charset="0"/>
                 <a:cs typeface="Futura Condensed Medium" charset="0"/>
@@ -7574,7 +7485,7 @@
           </a:p>
           <a:p>
             <a:pPr lvl="2"/>
-            <a:endParaRPr lang="zh-CN" altLang="en-US" sz="2800" dirty="0" smtClean="0">
+            <a:endParaRPr lang="zh-CN" altLang="en-US" sz="2800" dirty="0">
               <a:latin typeface="Futura Condensed Medium" charset="0"/>
               <a:ea typeface="Futura Condensed Medium" charset="0"/>
               <a:cs typeface="Futura Condensed Medium" charset="0"/>
@@ -7961,10 +7872,9 @@
           <a:lstStyle/>
           <a:p>
             <a:r>
-              <a:rPr lang="en-US" dirty="0" smtClean="0"/>
+              <a:rPr lang="en-US" dirty="0"/>
               <a:t>Reading Papers</a:t>
             </a:r>
-            <a:endParaRPr lang="en-US" dirty="0"/>
           </a:p>
         </p:txBody>
       </p:sp>
@@ -7991,14 +7901,14 @@
           <a:lstStyle/>
           <a:p>
             <a:r>
-              <a:rPr lang="en-US" dirty="0" smtClean="0"/>
+              <a:rPr lang="en-US" dirty="0"/>
               <a:t>Top conferences/journals</a:t>
             </a:r>
           </a:p>
           <a:p>
             <a:pPr lvl="2"/>
             <a:r>
-              <a:rPr lang="en-US" sz="3200" dirty="0" smtClean="0">
+              <a:rPr lang="en-US" sz="3200" dirty="0">
                 <a:solidFill>
                   <a:schemeClr val="tx1">
                     <a:lumMod val="65000"/>
@@ -8012,7 +7922,7 @@
               <a:t>E.g., Database: SIGMOD, VLDB, TODS, </a:t>
             </a:r>
             <a:r>
-              <a:rPr lang="is-IS" sz="3200" dirty="0" smtClean="0">
+              <a:rPr lang="is-IS" sz="3200" dirty="0">
                 <a:solidFill>
                   <a:schemeClr val="tx1">
                     <a:lumMod val="65000"/>
@@ -8033,7 +7943,7 @@
               </a:lnSpc>
             </a:pPr>
             <a:r>
-              <a:rPr lang="is-IS" sz="3200" dirty="0" smtClean="0">
+              <a:rPr lang="is-IS" sz="3200" dirty="0">
                 <a:solidFill>
                   <a:schemeClr val="tx1">
                     <a:lumMod val="65000"/>
@@ -8065,16 +7975,8 @@
               </a:spcBef>
             </a:pPr>
             <a:r>
-              <a:rPr lang="en-US" dirty="0" smtClean="0"/>
-              <a:t>The </a:t>
-            </a:r>
-            <a:r>
               <a:rPr lang="en-US" dirty="0"/>
-              <a:t>three-pass </a:t>
-            </a:r>
-            <a:r>
-              <a:rPr lang="en-US" dirty="0" smtClean="0"/>
-              <a:t>approach*</a:t>
+              <a:t>The three-pass approach*</a:t>
             </a:r>
           </a:p>
           <a:p>
@@ -8094,10 +7996,16 @@
                 <a:ea typeface="Futura Condensed Medium" charset="0"/>
                 <a:cs typeface="Futura Condensed Medium" charset="0"/>
               </a:rPr>
-              <a:t> </a:t>
-            </a:r>
-            <a:r>
-              <a:rPr lang="en-US" sz="3200" dirty="0" smtClean="0">
+              <a:t> A quick scan</a:t>
+            </a:r>
+          </a:p>
+          <a:p>
+            <a:pPr marL="898398" lvl="2" indent="-514350">
+              <a:buFont typeface="+mj-lt"/>
+              <a:buAutoNum type="arabicPeriod"/>
+            </a:pPr>
+            <a:r>
+              <a:rPr lang="en-US" sz="3200" dirty="0">
                 <a:solidFill>
                   <a:schemeClr val="tx1">
                     <a:lumMod val="65000"/>
@@ -8108,8 +8016,14 @@
                 <a:ea typeface="Futura Condensed Medium" charset="0"/>
                 <a:cs typeface="Futura Condensed Medium" charset="0"/>
               </a:rPr>
-              <a:t>A </a:t>
-            </a:r>
+              <a:t> With greater care, but ignore details</a:t>
+            </a:r>
+          </a:p>
+          <a:p>
+            <a:pPr marL="898398" lvl="2" indent="-514350">
+              <a:buFont typeface="+mj-lt"/>
+              <a:buAutoNum type="arabicPeriod"/>
+            </a:pPr>
             <a:r>
               <a:rPr lang="en-US" sz="3200" dirty="0">
                 <a:solidFill>
@@ -8122,140 +8036,8 @@
                 <a:ea typeface="Futura Condensed Medium" charset="0"/>
                 <a:cs typeface="Futura Condensed Medium" charset="0"/>
               </a:rPr>
-              <a:t>quick </a:t>
-            </a:r>
-            <a:r>
-              <a:rPr lang="en-US" sz="3200" dirty="0" smtClean="0">
-                <a:solidFill>
-                  <a:schemeClr val="tx1">
-                    <a:lumMod val="65000"/>
-                    <a:lumOff val="35000"/>
-                  </a:schemeClr>
-                </a:solidFill>
-                <a:latin typeface="Futura Condensed Medium" charset="0"/>
-                <a:ea typeface="Futura Condensed Medium" charset="0"/>
-                <a:cs typeface="Futura Condensed Medium" charset="0"/>
-              </a:rPr>
-              <a:t>scan</a:t>
-            </a:r>
-          </a:p>
-          <a:p>
-            <a:pPr marL="898398" lvl="2" indent="-514350">
-              <a:buFont typeface="+mj-lt"/>
-              <a:buAutoNum type="arabicPeriod"/>
-            </a:pPr>
-            <a:r>
-              <a:rPr lang="en-US" sz="3200" dirty="0" smtClean="0">
-                <a:solidFill>
-                  <a:schemeClr val="tx1">
-                    <a:lumMod val="65000"/>
-                    <a:lumOff val="35000"/>
-                  </a:schemeClr>
-                </a:solidFill>
-                <a:latin typeface="Futura Condensed Medium" charset="0"/>
-                <a:ea typeface="Futura Condensed Medium" charset="0"/>
-                <a:cs typeface="Futura Condensed Medium" charset="0"/>
-              </a:rPr>
-              <a:t> With greater care, but ignore details</a:t>
-            </a:r>
-            <a:endParaRPr lang="en-US" sz="3200" dirty="0">
-              <a:solidFill>
-                <a:schemeClr val="tx1">
-                  <a:lumMod val="65000"/>
-                  <a:lumOff val="35000"/>
-                </a:schemeClr>
-              </a:solidFill>
-              <a:latin typeface="Futura Condensed Medium" charset="0"/>
-              <a:ea typeface="Futura Condensed Medium" charset="0"/>
-              <a:cs typeface="Futura Condensed Medium" charset="0"/>
-            </a:endParaRPr>
-          </a:p>
-          <a:p>
-            <a:pPr marL="898398" lvl="2" indent="-514350">
-              <a:buFont typeface="+mj-lt"/>
-              <a:buAutoNum type="arabicPeriod"/>
-            </a:pPr>
-            <a:r>
-              <a:rPr lang="en-US" sz="3200" dirty="0" smtClean="0">
-                <a:solidFill>
-                  <a:schemeClr val="tx1">
-                    <a:lumMod val="65000"/>
-                    <a:lumOff val="35000"/>
-                  </a:schemeClr>
-                </a:solidFill>
-                <a:latin typeface="Futura Condensed Medium" charset="0"/>
-                <a:ea typeface="Futura Condensed Medium" charset="0"/>
-                <a:cs typeface="Futura Condensed Medium" charset="0"/>
-              </a:rPr>
-              <a:t> </a:t>
-            </a:r>
-            <a:r>
-              <a:rPr lang="en-US" sz="3200" dirty="0">
-                <a:solidFill>
-                  <a:schemeClr val="tx1">
-                    <a:lumMod val="65000"/>
-                    <a:lumOff val="35000"/>
-                  </a:schemeClr>
-                </a:solidFill>
-                <a:latin typeface="Futura Condensed Medium" charset="0"/>
-                <a:ea typeface="Futura Condensed Medium" charset="0"/>
-                <a:cs typeface="Futura Condensed Medium" charset="0"/>
-              </a:rPr>
-              <a:t>V</a:t>
-            </a:r>
-            <a:r>
-              <a:rPr lang="en-US" sz="3200" dirty="0" smtClean="0">
-                <a:solidFill>
-                  <a:schemeClr val="tx1">
-                    <a:lumMod val="65000"/>
-                    <a:lumOff val="35000"/>
-                  </a:schemeClr>
-                </a:solidFill>
-                <a:latin typeface="Futura Condensed Medium" charset="0"/>
-                <a:ea typeface="Futura Condensed Medium" charset="0"/>
-                <a:cs typeface="Futura Condensed Medium" charset="0"/>
-              </a:rPr>
-              <a:t>irtually </a:t>
-            </a:r>
-            <a:r>
-              <a:rPr lang="en-US" sz="3200" dirty="0">
-                <a:solidFill>
-                  <a:schemeClr val="tx1">
-                    <a:lumMod val="65000"/>
-                    <a:lumOff val="35000"/>
-                  </a:schemeClr>
-                </a:solidFill>
-                <a:latin typeface="Futura Condensed Medium" charset="0"/>
-                <a:ea typeface="Futura Condensed Medium" charset="0"/>
-                <a:cs typeface="Futura Condensed Medium" charset="0"/>
-              </a:rPr>
-              <a:t>re-implement the </a:t>
-            </a:r>
-            <a:r>
-              <a:rPr lang="en-US" sz="3200" dirty="0" smtClean="0">
-                <a:solidFill>
-                  <a:schemeClr val="tx1">
-                    <a:lumMod val="65000"/>
-                    <a:lumOff val="35000"/>
-                  </a:schemeClr>
-                </a:solidFill>
-                <a:latin typeface="Futura Condensed Medium" charset="0"/>
-                <a:ea typeface="Futura Condensed Medium" charset="0"/>
-                <a:cs typeface="Futura Condensed Medium" charset="0"/>
-              </a:rPr>
-              <a:t>paper</a:t>
-            </a:r>
-            <a:endParaRPr lang="en-US" sz="3200" dirty="0">
-              <a:solidFill>
-                <a:schemeClr val="tx1">
-                  <a:lumMod val="65000"/>
-                  <a:lumOff val="35000"/>
-                </a:schemeClr>
-              </a:solidFill>
-              <a:latin typeface="Futura Condensed Medium" charset="0"/>
-              <a:ea typeface="Futura Condensed Medium" charset="0"/>
-              <a:cs typeface="Futura Condensed Medium" charset="0"/>
-            </a:endParaRPr>
+              <a:t> Virtually re-implement the paper</a:t>
+            </a:r>
           </a:p>
         </p:txBody>
       </p:sp>
@@ -8338,38 +8120,24 @@
           <a:lstStyle/>
           <a:p>
             <a:r>
-              <a:rPr lang="en-US" dirty="0" smtClean="0"/>
-              <a:t>* S</a:t>
-            </a:r>
-            <a:r>
               <a:rPr lang="en-US" dirty="0"/>
-              <a:t>. </a:t>
-            </a:r>
-            <a:r>
-              <a:rPr lang="en-US" dirty="0" err="1" smtClean="0"/>
+              <a:t>* S. </a:t>
+            </a:r>
+            <a:r>
+              <a:rPr lang="en-US" dirty="0" err="1"/>
               <a:t>Keshav</a:t>
             </a:r>
             <a:r>
-              <a:rPr lang="en-US" dirty="0" smtClean="0"/>
-              <a:t>. How to read a </a:t>
-            </a:r>
-            <a:r>
               <a:rPr lang="en-US" dirty="0"/>
-              <a:t>paper? </a:t>
+              <a:t>. How to read a paper? </a:t>
             </a:r>
             <a:r>
               <a:rPr lang="en-US" dirty="0">
                 <a:hlinkClick r:id="rId3"/>
               </a:rPr>
-              <a:t>http://</a:t>
-            </a:r>
-            <a:r>
-              <a:rPr lang="en-US" dirty="0" smtClean="0">
-                <a:hlinkClick r:id="rId3"/>
-              </a:rPr>
-              <a:t>blizzard.cs.uwaterloo.ca/keshav/home/Papers/data/07/paper-reading.pdf</a:t>
-            </a:r>
-            <a:endParaRPr lang="en-US" dirty="0" smtClean="0"/>
+              <a:t>http://blizzard.cs.uwaterloo.ca/keshav/home/Papers/data/07/paper-reading.pdf</a:t>
+            </a:r>
+            <a:endParaRPr lang="en-US" dirty="0"/>
           </a:p>
           <a:p>
             <a:endParaRPr lang="en-US" dirty="0"/>
@@ -8788,10 +8556,9 @@
           <a:lstStyle/>
           <a:p>
             <a:r>
-              <a:rPr lang="en-US" dirty="0" smtClean="0"/>
+              <a:rPr lang="en-US" dirty="0"/>
               <a:t>The First Pass</a:t>
             </a:r>
-            <a:endParaRPr lang="en-US" dirty="0"/>
           </a:p>
         </p:txBody>
       </p:sp>
@@ -8841,7 +8608,7 @@
           <a:lstStyle/>
           <a:p>
             <a:r>
-              <a:rPr lang="en-US" sz="3200" i="1" dirty="0" smtClean="0">
+              <a:rPr lang="en-US" sz="3200" i="1" dirty="0">
                 <a:latin typeface="Futura Medium" charset="0"/>
                 <a:ea typeface="Futura Medium" charset="0"/>
                 <a:cs typeface="Futura Medium" charset="0"/>
@@ -8849,7 +8616,7 @@
               <a:t>A quick scan   </a:t>
             </a:r>
             <a:r>
-              <a:rPr lang="en-US" sz="3200" dirty="0" smtClean="0">
+              <a:rPr lang="en-US" sz="3200" dirty="0">
                 <a:latin typeface="Futura Medium" charset="0"/>
                 <a:ea typeface="Futura Medium" charset="0"/>
                 <a:cs typeface="Futura Medium" charset="0"/>
@@ -8863,7 +8630,7 @@
               <a:buChar char="•"/>
             </a:pPr>
             <a:r>
-              <a:rPr lang="en-US" sz="3200" dirty="0" smtClean="0">
+              <a:rPr lang="en-US" sz="3200" dirty="0">
                 <a:solidFill>
                   <a:schemeClr val="tx1">
                     <a:lumMod val="65000"/>
@@ -8877,7 +8644,7 @@
               <a:t>Carefully read the </a:t>
             </a:r>
             <a:r>
-              <a:rPr lang="en-US" sz="3200" dirty="0" smtClean="0">
+              <a:rPr lang="en-US" sz="3200" dirty="0">
                 <a:solidFill>
                   <a:srgbClr val="E57254"/>
                 </a:solidFill>
@@ -8888,7 +8655,7 @@
               <a:t>Title, Abstract, Introduction, </a:t>
             </a:r>
             <a:r>
-              <a:rPr lang="en-US" altLang="zh-CN" sz="3200" dirty="0" smtClean="0">
+              <a:rPr lang="en-US" altLang="zh-CN" sz="3200" dirty="0">
                 <a:solidFill>
                   <a:srgbClr val="E57254"/>
                 </a:solidFill>
@@ -8899,7 +8666,7 @@
               <a:t>Section</a:t>
             </a:r>
             <a:r>
-              <a:rPr lang="zh-CN" altLang="en-US" sz="3200" dirty="0" smtClean="0">
+              <a:rPr lang="zh-CN" altLang="en-US" sz="3200" dirty="0">
                 <a:solidFill>
                   <a:srgbClr val="E57254"/>
                 </a:solidFill>
@@ -8910,7 +8677,7 @@
               <a:t> </a:t>
             </a:r>
             <a:r>
-              <a:rPr lang="en-US" altLang="zh-CN" sz="3200" dirty="0" smtClean="0">
+              <a:rPr lang="en-US" altLang="zh-CN" sz="3200" dirty="0">
                 <a:solidFill>
                   <a:srgbClr val="E57254"/>
                 </a:solidFill>
@@ -8921,7 +8688,7 @@
               <a:t>headings,</a:t>
             </a:r>
             <a:r>
-              <a:rPr lang="zh-CN" altLang="en-US" sz="3200" dirty="0" smtClean="0">
+              <a:rPr lang="zh-CN" altLang="en-US" sz="3200" dirty="0">
                 <a:solidFill>
                   <a:srgbClr val="E57254"/>
                 </a:solidFill>
@@ -8932,7 +8699,7 @@
               <a:t> </a:t>
             </a:r>
             <a:r>
-              <a:rPr lang="en-US" sz="3200" dirty="0" smtClean="0">
+              <a:rPr lang="en-US" sz="3200" dirty="0">
                 <a:solidFill>
                   <a:srgbClr val="E57254"/>
                 </a:solidFill>
@@ -8942,7 +8709,7 @@
               </a:rPr>
               <a:t>Conclusion</a:t>
             </a:r>
-            <a:endParaRPr lang="en-US" altLang="zh-CN" sz="3200" dirty="0" smtClean="0">
+            <a:endParaRPr lang="en-US" altLang="zh-CN" sz="3200" dirty="0">
               <a:solidFill>
                 <a:srgbClr val="E57254"/>
               </a:solidFill>
@@ -8957,7 +8724,7 @@
               <a:buChar char="•"/>
             </a:pPr>
             <a:r>
-              <a:rPr lang="en-US" sz="3200" dirty="0" smtClean="0">
+              <a:rPr lang="en-US" sz="3200" dirty="0">
                 <a:solidFill>
                   <a:schemeClr val="tx1">
                     <a:lumMod val="65000"/>
@@ -8970,17 +8737,6 @@
               </a:rPr>
               <a:t>Glance over the mathematical content (if any) and the references </a:t>
             </a:r>
-            <a:endParaRPr lang="en-US" sz="3200" dirty="0">
-              <a:solidFill>
-                <a:schemeClr val="tx1">
-                  <a:lumMod val="65000"/>
-                  <a:lumOff val="35000"/>
-                </a:schemeClr>
-              </a:solidFill>
-              <a:latin typeface="Futura Condensed Medium" charset="0"/>
-              <a:ea typeface="Futura Condensed Medium" charset="0"/>
-              <a:cs typeface="Futura Condensed Medium" charset="0"/>
-            </a:endParaRPr>
           </a:p>
         </p:txBody>
       </p:sp>
@@ -9007,23 +8763,15 @@
           <a:lstStyle/>
           <a:p>
             <a:r>
-              <a:rPr lang="en-US" sz="3200" dirty="0" smtClean="0">
-                <a:latin typeface="Futura Medium" charset="0"/>
-                <a:ea typeface="Futura Medium" charset="0"/>
-                <a:cs typeface="Futura Medium" charset="0"/>
-              </a:rPr>
-              <a:t>You </a:t>
-            </a:r>
-            <a:r>
               <a:rPr lang="en-US" sz="3200" dirty="0">
                 <a:latin typeface="Futura Medium" charset="0"/>
                 <a:ea typeface="Futura Medium" charset="0"/>
                 <a:cs typeface="Futura Medium" charset="0"/>
               </a:rPr>
-              <a:t>should be able to </a:t>
-            </a:r>
-            <a:r>
-              <a:rPr lang="en-US" altLang="zh-CN" sz="3200" dirty="0" smtClean="0">
+              <a:t>You should be able to </a:t>
+            </a:r>
+            <a:r>
+              <a:rPr lang="en-US" altLang="zh-CN" sz="3200" dirty="0">
                 <a:latin typeface="Futura Medium" charset="0"/>
                 <a:ea typeface="Futura Medium" charset="0"/>
                 <a:cs typeface="Futura Medium" charset="0"/>
@@ -9031,18 +8779,13 @@
               <a:t>answer</a:t>
             </a:r>
             <a:r>
-              <a:rPr lang="en-US" sz="3200" dirty="0" smtClean="0">
+              <a:rPr lang="en-US" sz="3200" dirty="0">
                 <a:latin typeface="Futura Medium" charset="0"/>
                 <a:ea typeface="Futura Medium" charset="0"/>
                 <a:cs typeface="Futura Medium" charset="0"/>
               </a:rPr>
               <a:t>:</a:t>
             </a:r>
-            <a:endParaRPr lang="en-US" sz="3200" dirty="0" smtClean="0">
-              <a:latin typeface="Futura Medium" charset="0"/>
-              <a:ea typeface="Futura Medium" charset="0"/>
-              <a:cs typeface="Futura Medium" charset="0"/>
-            </a:endParaRPr>
           </a:p>
           <a:p>
             <a:pPr marL="914400" lvl="1" indent="-457200">
@@ -9050,7 +8793,7 @@
               <a:buChar char="•"/>
             </a:pPr>
             <a:r>
-              <a:rPr lang="en-US" altLang="zh-CN" sz="3200" dirty="0" smtClean="0">
+              <a:rPr lang="en-US" altLang="zh-CN" sz="3200" dirty="0">
                 <a:solidFill>
                   <a:schemeClr val="tx1">
                     <a:lumMod val="75000"/>
@@ -9064,7 +8807,7 @@
               <a:t>What’s</a:t>
             </a:r>
             <a:r>
-              <a:rPr lang="zh-CN" altLang="en-US" sz="3200" dirty="0" smtClean="0">
+              <a:rPr lang="zh-CN" altLang="en-US" sz="3200" dirty="0">
                 <a:solidFill>
                   <a:schemeClr val="tx1">
                     <a:lumMod val="75000"/>
@@ -9078,7 +8821,7 @@
               <a:t> </a:t>
             </a:r>
             <a:r>
-              <a:rPr lang="en-US" altLang="zh-CN" sz="3200" dirty="0" smtClean="0">
+              <a:rPr lang="en-US" altLang="zh-CN" sz="3200" dirty="0">
                 <a:solidFill>
                   <a:schemeClr val="tx1">
                     <a:lumMod val="75000"/>
@@ -9092,7 +8835,7 @@
               <a:t>the</a:t>
             </a:r>
             <a:r>
-              <a:rPr lang="zh-CN" altLang="en-US" sz="3200" dirty="0" smtClean="0">
+              <a:rPr lang="zh-CN" altLang="en-US" sz="3200" dirty="0">
                 <a:solidFill>
                   <a:schemeClr val="tx1">
                     <a:lumMod val="75000"/>
@@ -9106,7 +8849,7 @@
               <a:t> </a:t>
             </a:r>
             <a:r>
-              <a:rPr lang="en-US" altLang="zh-CN" sz="3200" dirty="0" smtClean="0">
+              <a:rPr lang="en-US" altLang="zh-CN" sz="3200" dirty="0">
                 <a:solidFill>
                   <a:srgbClr val="E57254"/>
                 </a:solidFill>
@@ -9117,7 +8860,7 @@
               <a:t>motivation</a:t>
             </a:r>
             <a:r>
-              <a:rPr lang="zh-CN" altLang="en-US" sz="3200" dirty="0" smtClean="0">
+              <a:rPr lang="zh-CN" altLang="en-US" sz="3200" dirty="0">
                 <a:solidFill>
                   <a:srgbClr val="E57254"/>
                 </a:solidFill>
@@ -9128,7 +8871,7 @@
               <a:t> </a:t>
             </a:r>
             <a:r>
-              <a:rPr lang="en-US" altLang="zh-CN" sz="3200" dirty="0" smtClean="0">
+              <a:rPr lang="en-US" altLang="zh-CN" sz="3200" dirty="0">
                 <a:solidFill>
                   <a:schemeClr val="tx1">
                     <a:lumMod val="75000"/>
@@ -9142,7 +8885,7 @@
               <a:t>of</a:t>
             </a:r>
             <a:r>
-              <a:rPr lang="zh-CN" altLang="en-US" sz="3200" dirty="0" smtClean="0">
+              <a:rPr lang="zh-CN" altLang="en-US" sz="3200" dirty="0">
                 <a:solidFill>
                   <a:schemeClr val="tx1">
                     <a:lumMod val="75000"/>
@@ -9156,7 +8899,7 @@
               <a:t> </a:t>
             </a:r>
             <a:r>
-              <a:rPr lang="en-US" altLang="zh-CN" sz="3200" dirty="0" smtClean="0">
+              <a:rPr lang="en-US" altLang="zh-CN" sz="3200" dirty="0">
                 <a:solidFill>
                   <a:schemeClr val="tx1">
                     <a:lumMod val="75000"/>
@@ -9170,7 +8913,7 @@
               <a:t>the</a:t>
             </a:r>
             <a:r>
-              <a:rPr lang="zh-CN" altLang="en-US" sz="3200" dirty="0" smtClean="0">
+              <a:rPr lang="zh-CN" altLang="en-US" sz="3200" dirty="0">
                 <a:solidFill>
                   <a:schemeClr val="tx1">
                     <a:lumMod val="75000"/>
@@ -9184,7 +8927,7 @@
               <a:t> </a:t>
             </a:r>
             <a:r>
-              <a:rPr lang="en-US" altLang="zh-CN" sz="3200" dirty="0" smtClean="0">
+              <a:rPr lang="en-US" altLang="zh-CN" sz="3200" dirty="0">
                 <a:solidFill>
                   <a:schemeClr val="tx1">
                     <a:lumMod val="75000"/>
@@ -9195,10 +8938,16 @@
                 <a:ea typeface="Futura Condensed Medium" charset="0"/>
                 <a:cs typeface="Futura Condensed Medium" charset="0"/>
               </a:rPr>
-              <a:t>paper</a:t>
-            </a:r>
-            <a:r>
-              <a:rPr lang="en-US" altLang="zh-CN" sz="3200" dirty="0" smtClean="0">
+              <a:t>paper?</a:t>
+            </a:r>
+          </a:p>
+          <a:p>
+            <a:pPr marL="914400" lvl="1" indent="-457200">
+              <a:buFont typeface="Arial" charset="0"/>
+              <a:buChar char="•"/>
+            </a:pPr>
+            <a:r>
+              <a:rPr lang="en-US" altLang="zh-CN" sz="3200" dirty="0">
                 <a:solidFill>
                   <a:schemeClr val="tx1">
                     <a:lumMod val="75000"/>
@@ -9209,19 +8958,167 @@
                 <a:ea typeface="Futura Condensed Medium" charset="0"/>
                 <a:cs typeface="Futura Condensed Medium" charset="0"/>
               </a:rPr>
-              <a:t>?</a:t>
-            </a:r>
-            <a:endParaRPr lang="en-US" altLang="zh-CN" sz="3200" dirty="0" smtClean="0">
-              <a:solidFill>
-                <a:schemeClr val="tx1">
-                  <a:lumMod val="75000"/>
-                  <a:lumOff val="25000"/>
-                </a:schemeClr>
-              </a:solidFill>
-              <a:latin typeface="Futura Condensed Medium" charset="0"/>
-              <a:ea typeface="Futura Condensed Medium" charset="0"/>
-              <a:cs typeface="Futura Condensed Medium" charset="0"/>
-            </a:endParaRPr>
+              <a:t>What’s</a:t>
+            </a:r>
+            <a:r>
+              <a:rPr lang="zh-CN" altLang="en-US" sz="3200" dirty="0">
+                <a:solidFill>
+                  <a:schemeClr val="tx1">
+                    <a:lumMod val="75000"/>
+                    <a:lumOff val="25000"/>
+                  </a:schemeClr>
+                </a:solidFill>
+                <a:latin typeface="Futura Condensed Medium" charset="0"/>
+                <a:ea typeface="Futura Condensed Medium" charset="0"/>
+                <a:cs typeface="Futura Condensed Medium" charset="0"/>
+              </a:rPr>
+              <a:t> </a:t>
+            </a:r>
+            <a:r>
+              <a:rPr lang="en-US" altLang="zh-CN" sz="3200" dirty="0">
+                <a:solidFill>
+                  <a:schemeClr val="tx1">
+                    <a:lumMod val="75000"/>
+                    <a:lumOff val="25000"/>
+                  </a:schemeClr>
+                </a:solidFill>
+                <a:latin typeface="Futura Condensed Medium" charset="0"/>
+                <a:ea typeface="Futura Condensed Medium" charset="0"/>
+                <a:cs typeface="Futura Condensed Medium" charset="0"/>
+              </a:rPr>
+              <a:t>the</a:t>
+            </a:r>
+            <a:r>
+              <a:rPr lang="zh-CN" altLang="en-US" sz="3200" dirty="0">
+                <a:solidFill>
+                  <a:schemeClr val="tx1">
+                    <a:lumMod val="75000"/>
+                    <a:lumOff val="25000"/>
+                  </a:schemeClr>
+                </a:solidFill>
+                <a:latin typeface="Futura Condensed Medium" charset="0"/>
+                <a:ea typeface="Futura Condensed Medium" charset="0"/>
+                <a:cs typeface="Futura Condensed Medium" charset="0"/>
+              </a:rPr>
+              <a:t> </a:t>
+            </a:r>
+            <a:r>
+              <a:rPr lang="en-US" altLang="zh-CN" sz="3200" dirty="0">
+                <a:solidFill>
+                  <a:srgbClr val="E57254"/>
+                </a:solidFill>
+                <a:latin typeface="Futura Condensed Medium" charset="0"/>
+                <a:ea typeface="Futura Condensed Medium" charset="0"/>
+                <a:cs typeface="Futura Condensed Medium" charset="0"/>
+              </a:rPr>
+              <a:t>key</a:t>
+            </a:r>
+            <a:r>
+              <a:rPr lang="zh-CN" altLang="en-US" sz="3200" dirty="0">
+                <a:solidFill>
+                  <a:srgbClr val="E57254"/>
+                </a:solidFill>
+                <a:latin typeface="Futura Condensed Medium" charset="0"/>
+                <a:ea typeface="Futura Condensed Medium" charset="0"/>
+                <a:cs typeface="Futura Condensed Medium" charset="0"/>
+              </a:rPr>
+              <a:t> </a:t>
+            </a:r>
+            <a:r>
+              <a:rPr lang="en-US" altLang="zh-CN" sz="3200" dirty="0">
+                <a:solidFill>
+                  <a:srgbClr val="E57254"/>
+                </a:solidFill>
+                <a:latin typeface="Futura Condensed Medium" charset="0"/>
+                <a:ea typeface="Futura Condensed Medium" charset="0"/>
+                <a:cs typeface="Futura Condensed Medium" charset="0"/>
+              </a:rPr>
+              <a:t>idea</a:t>
+            </a:r>
+            <a:r>
+              <a:rPr lang="zh-CN" altLang="en-US" sz="3200" dirty="0">
+                <a:solidFill>
+                  <a:schemeClr val="tx1">
+                    <a:lumMod val="75000"/>
+                    <a:lumOff val="25000"/>
+                  </a:schemeClr>
+                </a:solidFill>
+                <a:latin typeface="Futura Condensed Medium" charset="0"/>
+                <a:ea typeface="Futura Condensed Medium" charset="0"/>
+                <a:cs typeface="Futura Condensed Medium" charset="0"/>
+              </a:rPr>
+              <a:t> </a:t>
+            </a:r>
+            <a:r>
+              <a:rPr lang="en-US" altLang="zh-CN" sz="3200" dirty="0">
+                <a:solidFill>
+                  <a:schemeClr val="tx1">
+                    <a:lumMod val="75000"/>
+                    <a:lumOff val="25000"/>
+                  </a:schemeClr>
+                </a:solidFill>
+                <a:latin typeface="Futura Condensed Medium" charset="0"/>
+                <a:ea typeface="Futura Condensed Medium" charset="0"/>
+                <a:cs typeface="Futura Condensed Medium" charset="0"/>
+              </a:rPr>
+              <a:t>of</a:t>
+            </a:r>
+            <a:r>
+              <a:rPr lang="zh-CN" altLang="en-US" sz="3200" dirty="0">
+                <a:solidFill>
+                  <a:schemeClr val="tx1">
+                    <a:lumMod val="75000"/>
+                    <a:lumOff val="25000"/>
+                  </a:schemeClr>
+                </a:solidFill>
+                <a:latin typeface="Futura Condensed Medium" charset="0"/>
+                <a:ea typeface="Futura Condensed Medium" charset="0"/>
+                <a:cs typeface="Futura Condensed Medium" charset="0"/>
+              </a:rPr>
+              <a:t> </a:t>
+            </a:r>
+            <a:r>
+              <a:rPr lang="en-US" altLang="zh-CN" sz="3200" dirty="0">
+                <a:solidFill>
+                  <a:schemeClr val="tx1">
+                    <a:lumMod val="75000"/>
+                    <a:lumOff val="25000"/>
+                  </a:schemeClr>
+                </a:solidFill>
+                <a:latin typeface="Futura Condensed Medium" charset="0"/>
+                <a:ea typeface="Futura Condensed Medium" charset="0"/>
+                <a:cs typeface="Futura Condensed Medium" charset="0"/>
+              </a:rPr>
+              <a:t>the</a:t>
+            </a:r>
+            <a:r>
+              <a:rPr lang="zh-CN" altLang="en-US" sz="3200" dirty="0">
+                <a:solidFill>
+                  <a:schemeClr val="tx1">
+                    <a:lumMod val="75000"/>
+                    <a:lumOff val="25000"/>
+                  </a:schemeClr>
+                </a:solidFill>
+                <a:latin typeface="Futura Condensed Medium" charset="0"/>
+                <a:ea typeface="Futura Condensed Medium" charset="0"/>
+                <a:cs typeface="Futura Condensed Medium" charset="0"/>
+              </a:rPr>
+              <a:t> </a:t>
+            </a:r>
+            <a:r>
+              <a:rPr lang="en-US" altLang="zh-CN" sz="3200" dirty="0">
+                <a:solidFill>
+                  <a:schemeClr val="tx1">
+                    <a:lumMod val="75000"/>
+                    <a:lumOff val="25000"/>
+                  </a:schemeClr>
+                </a:solidFill>
+                <a:latin typeface="Futura Condensed Medium" charset="0"/>
+                <a:ea typeface="Futura Condensed Medium" charset="0"/>
+                <a:cs typeface="Futura Condensed Medium" charset="0"/>
+              </a:rPr>
+              <a:t>paper?</a:t>
+            </a:r>
           </a:p>
           <a:p>
             <a:pPr marL="914400" lvl="1" indent="-457200">
@@ -9229,7 +9126,7 @@
               <a:buChar char="•"/>
             </a:pPr>
             <a:r>
-              <a:rPr lang="en-US" altLang="zh-CN" sz="3200" dirty="0" smtClean="0">
+              <a:rPr lang="en-US" altLang="zh-CN" sz="3200" dirty="0">
                 <a:solidFill>
                   <a:schemeClr val="tx1">
                     <a:lumMod val="75000"/>
@@ -9240,10 +9137,10 @@
                 <a:ea typeface="Futura Condensed Medium" charset="0"/>
                 <a:cs typeface="Futura Condensed Medium" charset="0"/>
               </a:rPr>
-              <a:t>What’s</a:t>
-            </a:r>
-            <a:r>
-              <a:rPr lang="zh-CN" altLang="en-US" sz="3200" dirty="0" smtClean="0">
+              <a:t>What</a:t>
+            </a:r>
+            <a:r>
+              <a:rPr lang="zh-CN" altLang="en-US" sz="3200" dirty="0">
                 <a:solidFill>
                   <a:schemeClr val="tx1">
                     <a:lumMod val="75000"/>
@@ -9257,7 +9154,7 @@
               <a:t> </a:t>
             </a:r>
             <a:r>
-              <a:rPr lang="en-US" altLang="zh-CN" sz="3200" dirty="0" smtClean="0">
+              <a:rPr lang="en-US" altLang="zh-CN" sz="3200" dirty="0">
                 <a:solidFill>
                   <a:schemeClr val="tx1">
                     <a:lumMod val="75000"/>
@@ -9268,10 +9165,10 @@
                 <a:ea typeface="Futura Condensed Medium" charset="0"/>
                 <a:cs typeface="Futura Condensed Medium" charset="0"/>
               </a:rPr>
-              <a:t>the</a:t>
-            </a:r>
-            <a:r>
-              <a:rPr lang="zh-CN" altLang="en-US" sz="3200" dirty="0" smtClean="0">
+              <a:t>can</a:t>
+            </a:r>
+            <a:r>
+              <a:rPr lang="zh-CN" altLang="en-US" sz="3200" dirty="0">
                 <a:solidFill>
                   <a:schemeClr val="tx1">
                     <a:lumMod val="75000"/>
@@ -9285,7 +9182,7 @@
               <a:t> </a:t>
             </a:r>
             <a:r>
-              <a:rPr lang="en-US" altLang="zh-CN" sz="3200" dirty="0" smtClean="0">
+              <a:rPr lang="en-US" altLang="zh-CN" sz="3200" dirty="0">
                 <a:solidFill>
                   <a:srgbClr val="E57254"/>
                 </a:solidFill>
@@ -9293,10 +9190,10 @@
                 <a:ea typeface="Futura Condensed Medium" charset="0"/>
                 <a:cs typeface="Futura Condensed Medium" charset="0"/>
               </a:rPr>
-              <a:t>key</a:t>
-            </a:r>
-            <a:r>
-              <a:rPr lang="zh-CN" altLang="en-US" sz="3200" dirty="0" smtClean="0">
+              <a:t>be</a:t>
+            </a:r>
+            <a:r>
+              <a:rPr lang="zh-CN" altLang="en-US" sz="3200" dirty="0">
                 <a:solidFill>
                   <a:srgbClr val="E57254"/>
                 </a:solidFill>
@@ -9307,7 +9204,7 @@
               <a:t> </a:t>
             </a:r>
             <a:r>
-              <a:rPr lang="en-US" altLang="zh-CN" sz="3200" dirty="0" smtClean="0">
+              <a:rPr lang="en-US" altLang="zh-CN" sz="3200" dirty="0">
                 <a:solidFill>
                   <a:srgbClr val="E57254"/>
                 </a:solidFill>
@@ -9315,10 +9212,43 @@
                 <a:ea typeface="Futura Condensed Medium" charset="0"/>
                 <a:cs typeface="Futura Condensed Medium" charset="0"/>
               </a:rPr>
-              <a:t>idea</a:t>
-            </a:r>
-            <a:r>
-              <a:rPr lang="zh-CN" altLang="en-US" sz="3200" dirty="0" smtClean="0">
+              <a:t>learnt</a:t>
+            </a:r>
+            <a:r>
+              <a:rPr lang="zh-CN" altLang="en-US" sz="3200" dirty="0">
+                <a:solidFill>
+                  <a:srgbClr val="E57254"/>
+                </a:solidFill>
+                <a:latin typeface="Futura Condensed Medium" charset="0"/>
+                <a:ea typeface="Futura Condensed Medium" charset="0"/>
+                <a:cs typeface="Futura Condensed Medium" charset="0"/>
+              </a:rPr>
+              <a:t> </a:t>
+            </a:r>
+            <a:r>
+              <a:rPr lang="en-US" altLang="zh-CN" sz="3200" dirty="0">
+                <a:solidFill>
+                  <a:srgbClr val="E57254"/>
+                </a:solidFill>
+                <a:latin typeface="Futura Condensed Medium" charset="0"/>
+                <a:ea typeface="Futura Condensed Medium" charset="0"/>
+                <a:cs typeface="Futura Condensed Medium" charset="0"/>
+              </a:rPr>
+              <a:t>from</a:t>
+            </a:r>
+            <a:r>
+              <a:rPr lang="zh-CN" altLang="en-US" sz="3200" dirty="0">
+                <a:solidFill>
+                  <a:srgbClr val="E57254"/>
+                </a:solidFill>
+                <a:latin typeface="Futura Condensed Medium" charset="0"/>
+                <a:ea typeface="Futura Condensed Medium" charset="0"/>
+                <a:cs typeface="Futura Condensed Medium" charset="0"/>
+              </a:rPr>
+              <a:t> </a:t>
+            </a:r>
+            <a:r>
+              <a:rPr lang="en-US" altLang="zh-CN" sz="3200" dirty="0">
                 <a:solidFill>
                   <a:schemeClr val="tx1">
                     <a:lumMod val="75000"/>
@@ -9329,10 +9259,10 @@
                 <a:ea typeface="Futura Condensed Medium" charset="0"/>
                 <a:cs typeface="Futura Condensed Medium" charset="0"/>
               </a:rPr>
-              <a:t> </a:t>
-            </a:r>
-            <a:r>
-              <a:rPr lang="en-US" altLang="zh-CN" sz="3200" dirty="0" smtClean="0">
+              <a:t>the</a:t>
+            </a:r>
+            <a:r>
+              <a:rPr lang="zh-CN" altLang="en-US" sz="3200" dirty="0">
                 <a:solidFill>
                   <a:schemeClr val="tx1">
                     <a:lumMod val="75000"/>
@@ -9343,233 +9273,10 @@
                 <a:ea typeface="Futura Condensed Medium" charset="0"/>
                 <a:cs typeface="Futura Condensed Medium" charset="0"/>
               </a:rPr>
-              <a:t>of</a:t>
-            </a:r>
-            <a:r>
-              <a:rPr lang="zh-CN" altLang="en-US" sz="3200" dirty="0" smtClean="0">
-                <a:solidFill>
-                  <a:schemeClr val="tx1">
-                    <a:lumMod val="75000"/>
-                    <a:lumOff val="25000"/>
-                  </a:schemeClr>
-                </a:solidFill>
-                <a:latin typeface="Futura Condensed Medium" charset="0"/>
-                <a:ea typeface="Futura Condensed Medium" charset="0"/>
-                <a:cs typeface="Futura Condensed Medium" charset="0"/>
-              </a:rPr>
               <a:t> </a:t>
             </a:r>
             <a:r>
-              <a:rPr lang="en-US" altLang="zh-CN" sz="3200" dirty="0" smtClean="0">
-                <a:solidFill>
-                  <a:schemeClr val="tx1">
-                    <a:lumMod val="75000"/>
-                    <a:lumOff val="25000"/>
-                  </a:schemeClr>
-                </a:solidFill>
-                <a:latin typeface="Futura Condensed Medium" charset="0"/>
-                <a:ea typeface="Futura Condensed Medium" charset="0"/>
-                <a:cs typeface="Futura Condensed Medium" charset="0"/>
-              </a:rPr>
-              <a:t>the</a:t>
-            </a:r>
-            <a:r>
-              <a:rPr lang="zh-CN" altLang="en-US" sz="3200" dirty="0" smtClean="0">
-                <a:solidFill>
-                  <a:schemeClr val="tx1">
-                    <a:lumMod val="75000"/>
-                    <a:lumOff val="25000"/>
-                  </a:schemeClr>
-                </a:solidFill>
-                <a:latin typeface="Futura Condensed Medium" charset="0"/>
-                <a:ea typeface="Futura Condensed Medium" charset="0"/>
-                <a:cs typeface="Futura Condensed Medium" charset="0"/>
-              </a:rPr>
-              <a:t> </a:t>
-            </a:r>
-            <a:r>
-              <a:rPr lang="en-US" altLang="zh-CN" sz="3200" dirty="0" smtClean="0">
-                <a:solidFill>
-                  <a:schemeClr val="tx1">
-                    <a:lumMod val="75000"/>
-                    <a:lumOff val="25000"/>
-                  </a:schemeClr>
-                </a:solidFill>
-                <a:latin typeface="Futura Condensed Medium" charset="0"/>
-                <a:ea typeface="Futura Condensed Medium" charset="0"/>
-                <a:cs typeface="Futura Condensed Medium" charset="0"/>
-              </a:rPr>
-              <a:t>paper?</a:t>
-            </a:r>
-            <a:endParaRPr lang="en-US" altLang="zh-CN" sz="3200" dirty="0" smtClean="0">
-              <a:solidFill>
-                <a:schemeClr val="tx1">
-                  <a:lumMod val="75000"/>
-                  <a:lumOff val="25000"/>
-                </a:schemeClr>
-              </a:solidFill>
-              <a:latin typeface="Futura Condensed Medium" charset="0"/>
-              <a:ea typeface="Futura Condensed Medium" charset="0"/>
-              <a:cs typeface="Futura Condensed Medium" charset="0"/>
-            </a:endParaRPr>
-          </a:p>
-          <a:p>
-            <a:pPr marL="914400" lvl="1" indent="-457200">
-              <a:buFont typeface="Arial" charset="0"/>
-              <a:buChar char="•"/>
-            </a:pPr>
-            <a:r>
-              <a:rPr lang="en-US" altLang="zh-CN" sz="3200" dirty="0" smtClean="0">
-                <a:solidFill>
-                  <a:schemeClr val="tx1">
-                    <a:lumMod val="75000"/>
-                    <a:lumOff val="25000"/>
-                  </a:schemeClr>
-                </a:solidFill>
-                <a:latin typeface="Futura Condensed Medium" charset="0"/>
-                <a:ea typeface="Futura Condensed Medium" charset="0"/>
-                <a:cs typeface="Futura Condensed Medium" charset="0"/>
-              </a:rPr>
-              <a:t>What</a:t>
-            </a:r>
-            <a:r>
-              <a:rPr lang="zh-CN" altLang="en-US" sz="3200" dirty="0" smtClean="0">
-                <a:solidFill>
-                  <a:schemeClr val="tx1">
-                    <a:lumMod val="75000"/>
-                    <a:lumOff val="25000"/>
-                  </a:schemeClr>
-                </a:solidFill>
-                <a:latin typeface="Futura Condensed Medium" charset="0"/>
-                <a:ea typeface="Futura Condensed Medium" charset="0"/>
-                <a:cs typeface="Futura Condensed Medium" charset="0"/>
-              </a:rPr>
-              <a:t> </a:t>
-            </a:r>
-            <a:r>
-              <a:rPr lang="en-US" altLang="zh-CN" sz="3200" dirty="0" smtClean="0">
-                <a:solidFill>
-                  <a:schemeClr val="tx1">
-                    <a:lumMod val="75000"/>
-                    <a:lumOff val="25000"/>
-                  </a:schemeClr>
-                </a:solidFill>
-                <a:latin typeface="Futura Condensed Medium" charset="0"/>
-                <a:ea typeface="Futura Condensed Medium" charset="0"/>
-                <a:cs typeface="Futura Condensed Medium" charset="0"/>
-              </a:rPr>
-              <a:t>can</a:t>
-            </a:r>
-            <a:r>
-              <a:rPr lang="zh-CN" altLang="en-US" sz="3200" dirty="0" smtClean="0">
-                <a:solidFill>
-                  <a:schemeClr val="tx1">
-                    <a:lumMod val="75000"/>
-                    <a:lumOff val="25000"/>
-                  </a:schemeClr>
-                </a:solidFill>
-                <a:latin typeface="Futura Condensed Medium" charset="0"/>
-                <a:ea typeface="Futura Condensed Medium" charset="0"/>
-                <a:cs typeface="Futura Condensed Medium" charset="0"/>
-              </a:rPr>
-              <a:t> </a:t>
-            </a:r>
-            <a:r>
-              <a:rPr lang="en-US" altLang="zh-CN" sz="3200" dirty="0" smtClean="0">
-                <a:solidFill>
-                  <a:srgbClr val="E57254"/>
-                </a:solidFill>
-                <a:latin typeface="Futura Condensed Medium" charset="0"/>
-                <a:ea typeface="Futura Condensed Medium" charset="0"/>
-                <a:cs typeface="Futura Condensed Medium" charset="0"/>
-              </a:rPr>
-              <a:t>be</a:t>
-            </a:r>
-            <a:r>
-              <a:rPr lang="zh-CN" altLang="en-US" sz="3200" dirty="0" smtClean="0">
-                <a:solidFill>
-                  <a:srgbClr val="E57254"/>
-                </a:solidFill>
-                <a:latin typeface="Futura Condensed Medium" charset="0"/>
-                <a:ea typeface="Futura Condensed Medium" charset="0"/>
-                <a:cs typeface="Futura Condensed Medium" charset="0"/>
-              </a:rPr>
-              <a:t> </a:t>
-            </a:r>
-            <a:r>
-              <a:rPr lang="en-US" altLang="zh-CN" sz="3200" dirty="0" smtClean="0">
-                <a:solidFill>
-                  <a:srgbClr val="E57254"/>
-                </a:solidFill>
-                <a:latin typeface="Futura Condensed Medium" charset="0"/>
-                <a:ea typeface="Futura Condensed Medium" charset="0"/>
-                <a:cs typeface="Futura Condensed Medium" charset="0"/>
-              </a:rPr>
-              <a:t>learnt</a:t>
-            </a:r>
-            <a:r>
-              <a:rPr lang="zh-CN" altLang="en-US" sz="3200" dirty="0" smtClean="0">
-                <a:solidFill>
-                  <a:srgbClr val="E57254"/>
-                </a:solidFill>
-                <a:latin typeface="Futura Condensed Medium" charset="0"/>
-                <a:ea typeface="Futura Condensed Medium" charset="0"/>
-                <a:cs typeface="Futura Condensed Medium" charset="0"/>
-              </a:rPr>
-              <a:t> </a:t>
-            </a:r>
-            <a:r>
-              <a:rPr lang="en-US" altLang="zh-CN" sz="3200" dirty="0" smtClean="0">
-                <a:solidFill>
-                  <a:srgbClr val="E57254"/>
-                </a:solidFill>
-                <a:latin typeface="Futura Condensed Medium" charset="0"/>
-                <a:ea typeface="Futura Condensed Medium" charset="0"/>
-                <a:cs typeface="Futura Condensed Medium" charset="0"/>
-              </a:rPr>
-              <a:t>from</a:t>
-            </a:r>
-            <a:r>
-              <a:rPr lang="zh-CN" altLang="en-US" sz="3200" dirty="0" smtClean="0">
-                <a:solidFill>
-                  <a:srgbClr val="E57254"/>
-                </a:solidFill>
-                <a:latin typeface="Futura Condensed Medium" charset="0"/>
-                <a:ea typeface="Futura Condensed Medium" charset="0"/>
-                <a:cs typeface="Futura Condensed Medium" charset="0"/>
-              </a:rPr>
-              <a:t> </a:t>
-            </a:r>
-            <a:r>
-              <a:rPr lang="en-US" altLang="zh-CN" sz="3200" dirty="0" smtClean="0">
-                <a:solidFill>
-                  <a:schemeClr val="tx1">
-                    <a:lumMod val="75000"/>
-                    <a:lumOff val="25000"/>
-                  </a:schemeClr>
-                </a:solidFill>
-                <a:latin typeface="Futura Condensed Medium" charset="0"/>
-                <a:ea typeface="Futura Condensed Medium" charset="0"/>
-                <a:cs typeface="Futura Condensed Medium" charset="0"/>
-              </a:rPr>
-              <a:t>the</a:t>
-            </a:r>
-            <a:r>
-              <a:rPr lang="zh-CN" altLang="en-US" sz="3200" dirty="0" smtClean="0">
-                <a:solidFill>
-                  <a:schemeClr val="tx1">
-                    <a:lumMod val="75000"/>
-                    <a:lumOff val="25000"/>
-                  </a:schemeClr>
-                </a:solidFill>
-                <a:latin typeface="Futura Condensed Medium" charset="0"/>
-                <a:ea typeface="Futura Condensed Medium" charset="0"/>
-                <a:cs typeface="Futura Condensed Medium" charset="0"/>
-              </a:rPr>
-              <a:t> </a:t>
-            </a:r>
-            <a:r>
-              <a:rPr lang="en-US" altLang="zh-CN" sz="3200" dirty="0" smtClean="0">
+              <a:rPr lang="en-US" altLang="zh-CN" sz="3200" dirty="0">
                 <a:solidFill>
                   <a:schemeClr val="tx1">
                     <a:lumMod val="75000"/>
@@ -9642,91 +9349,16 @@
           <a:lstStyle/>
           <a:p>
             <a:r>
-              <a:rPr lang="en-US" sz="8000" dirty="0" smtClean="0">
+              <a:rPr lang="en-US" sz="8000" dirty="0">
                 <a:latin typeface="Helvetica" charset="0"/>
                 <a:ea typeface="Helvetica" charset="0"/>
                 <a:cs typeface="Helvetica" charset="0"/>
               </a:rPr>
               <a:t>”</a:t>
             </a:r>
-            <a:endParaRPr lang="en-US" sz="8000" dirty="0">
-              <a:latin typeface="Helvetica" charset="0"/>
-              <a:ea typeface="Helvetica" charset="0"/>
-              <a:cs typeface="Helvetica" charset="0"/>
-            </a:endParaRPr>
           </a:p>
         </p:txBody>
       </p:sp>
-      <p:sp>
-        <p:nvSpPr>
-          <p:cNvPr id="4" name="Rectangle 3"/>
-          <p:cNvSpPr/>
-          <p:nvPr/>
-        </p:nvSpPr>
-        <p:spPr>
-          <a:xfrm>
-            <a:off x="9007839" y="4619404"/>
-            <a:ext cx="2653923" cy="923330"/>
-          </a:xfrm>
-          <a:prstGeom prst="rect">
-            <a:avLst/>
-          </a:prstGeom>
-        </p:spPr>
-        <p:txBody>
-          <a:bodyPr wrap="square">
-            <a:spAutoFit/>
-          </a:bodyPr>
-          <a:lstStyle/>
-          <a:p>
-            <a:r>
-              <a:rPr lang="en-US" dirty="0">
-                <a:hlinkClick r:id="rId2"/>
-              </a:rPr>
-              <a:t>https://</a:t>
-            </a:r>
-            <a:r>
-              <a:rPr lang="en-US" dirty="0" smtClean="0">
-                <a:hlinkClick r:id="rId2"/>
-              </a:rPr>
-              <a:t>goo.gl/forms/ValSvKdrHd9CAa032</a:t>
-            </a:r>
-            <a:endParaRPr lang="en-US" dirty="0" smtClean="0"/>
-          </a:p>
-          <a:p>
-            <a:endParaRPr lang="en-US" dirty="0"/>
-          </a:p>
-        </p:txBody>
-      </p:sp>
-      <p:pic>
-        <p:nvPicPr>
-          <p:cNvPr id="6" name="Picture 5"/>
-          <p:cNvPicPr>
-            <a:picLocks noChangeAspect="1"/>
-          </p:cNvPicPr>
-          <p:nvPr/>
-        </p:nvPicPr>
-        <p:blipFill>
-          <a:blip r:embed="rId3">
-            <a:extLst>
-              <a:ext uri="{28A0092B-C50C-407E-A947-70E740481C1C}">
-                <a14:useLocalDpi xmlns:a14="http://schemas.microsoft.com/office/drawing/2010/main" val="0"/>
-              </a:ext>
-            </a:extLst>
-          </a:blip>
-          <a:stretch>
-            <a:fillRect/>
-          </a:stretch>
-        </p:blipFill>
-        <p:spPr>
-          <a:xfrm>
-            <a:off x="7129580" y="3517220"/>
-            <a:ext cx="1718598" cy="2947182"/>
-          </a:xfrm>
-          <a:prstGeom prst="rect">
-            <a:avLst/>
-          </a:prstGeom>
-        </p:spPr>
-      </p:pic>
     </p:spTree>
     <p:extLst>
       <p:ext uri="{BB962C8B-B14F-4D97-AF65-F5344CB8AC3E}">
@@ -10021,78 +9653,6 @@
                       </p:childTnLst>
                     </p:cTn>
                   </p:par>
-                  <p:par>
-                    <p:cTn id="25" fill="hold">
-                      <p:stCondLst>
-                        <p:cond delay="indefinite"/>
-                      </p:stCondLst>
-                      <p:childTnLst>
-                        <p:par>
-                          <p:cTn id="26" fill="hold">
-                            <p:stCondLst>
-                              <p:cond delay="0"/>
-                            </p:stCondLst>
-                            <p:childTnLst>
-                              <p:par>
-                                <p:cTn id="27" presetID="1" presetClass="entr" presetSubtype="0" fill="hold" nodeType="clickEffect">
-                                  <p:stCondLst>
-                                    <p:cond delay="0"/>
-                                  </p:stCondLst>
-                                  <p:childTnLst>
-                                    <p:set>
-                                      <p:cBhvr>
-                                        <p:cTn id="28" dur="1" fill="hold">
-                                          <p:stCondLst>
-                                            <p:cond delay="0"/>
-                                          </p:stCondLst>
-                                        </p:cTn>
-                                        <p:tgtEl>
-                                          <p:spTgt spid="6"/>
-                                        </p:tgtEl>
-                                        <p:attrNameLst>
-                                          <p:attrName>style.visibility</p:attrName>
-                                        </p:attrNameLst>
-                                      </p:cBhvr>
-                                      <p:to>
-                                        <p:strVal val="visible"/>
-                                      </p:to>
-                                    </p:set>
-                                  </p:childTnLst>
-                                </p:cTn>
-                              </p:par>
-                              <p:par>
-                                <p:cTn id="29" presetID="1" presetClass="entr" presetSubtype="0" fill="hold" grpId="0" nodeType="withEffect">
-                                  <p:stCondLst>
-                                    <p:cond delay="0"/>
-                                  </p:stCondLst>
-                                  <p:childTnLst>
-                                    <p:set>
-                                      <p:cBhvr>
-                                        <p:cTn id="30" dur="1" fill="hold">
-                                          <p:stCondLst>
-                                            <p:cond delay="0"/>
-                                          </p:stCondLst>
-                                        </p:cTn>
-                                        <p:tgtEl>
-                                          <p:spTgt spid="4"/>
-                                        </p:tgtEl>
-                                        <p:attrNameLst>
-                                          <p:attrName>style.visibility</p:attrName>
-                                        </p:attrNameLst>
-                                      </p:cBhvr>
-                                      <p:to>
-                                        <p:strVal val="visible"/>
-                                      </p:to>
-                                    </p:set>
-                                  </p:childTnLst>
-                                </p:cTn>
-                              </p:par>
-                            </p:childTnLst>
-                          </p:cTn>
-                        </p:par>
-                      </p:childTnLst>
-                    </p:cTn>
-                  </p:par>
                 </p:childTnLst>
               </p:cTn>
               <p:prevCondLst>
@@ -10114,9 +9674,6 @@
         </p:cTn>
       </p:par>
     </p:tnLst>
-    <p:bldLst>
-      <p:bldP spid="4" grpId="0"/>
-    </p:bldLst>
   </p:timing>
 </p:sld>
 </file>
@@ -10155,13 +9712,8 @@
           <a:p>
             <a:r>
               <a:rPr lang="en-US" dirty="0"/>
-              <a:t>The </a:t>
-            </a:r>
-            <a:r>
-              <a:rPr lang="en-US" dirty="0" smtClean="0"/>
-              <a:t>Second Pass</a:t>
-            </a:r>
-            <a:endParaRPr lang="en-US" dirty="0"/>
+              <a:t>The Second Pass</a:t>
+            </a:r>
           </a:p>
         </p:txBody>
       </p:sp>
@@ -10211,11 +9763,11 @@
           <a:lstStyle/>
           <a:p>
             <a:r>
-              <a:rPr lang="en-US" i="1" dirty="0" smtClean="0"/>
+              <a:rPr lang="en-US" i="1" dirty="0"/>
               <a:t>With greater care, but ignore details   </a:t>
             </a:r>
             <a:r>
-              <a:rPr lang="en-US" dirty="0" smtClean="0"/>
+              <a:rPr lang="en-US" dirty="0"/>
               <a:t>means that:</a:t>
             </a:r>
           </a:p>
@@ -10244,24 +9796,13 @@
                 <a:ea typeface="Futura Condensed Medium" charset="0"/>
                 <a:cs typeface="Futura Condensed Medium" charset="0"/>
               </a:rPr>
-              <a:t>figures, diagrams and </a:t>
-            </a:r>
-            <a:r>
-              <a:rPr lang="en-US" sz="3200" dirty="0" smtClean="0">
-                <a:solidFill>
-                  <a:srgbClr val="E57254"/>
-                </a:solidFill>
-                <a:latin typeface="Futura Condensed Medium" charset="0"/>
-                <a:ea typeface="Futura Condensed Medium" charset="0"/>
-                <a:cs typeface="Futura Condensed Medium" charset="0"/>
-              </a:rPr>
-              <a:t>examples </a:t>
+              <a:t>figures, diagrams and examples </a:t>
             </a:r>
           </a:p>
           <a:p>
             <a:pPr lvl="2"/>
             <a:r>
-              <a:rPr lang="en-US" sz="3200" dirty="0" smtClean="0">
+              <a:rPr lang="en-US" sz="3200" dirty="0">
                 <a:solidFill>
                   <a:schemeClr val="tx1">
                     <a:lumMod val="65000"/>
@@ -10272,8 +9813,11 @@
                 <a:ea typeface="Futura Condensed Medium" charset="0"/>
                 <a:cs typeface="Futura Condensed Medium" charset="0"/>
               </a:rPr>
-              <a:t>Mark relevant </a:t>
-            </a:r>
+              <a:t>Mark relevant unread references for further reading</a:t>
+            </a:r>
+          </a:p>
+          <a:p>
+            <a:pPr lvl="2"/>
             <a:r>
               <a:rPr lang="en-US" sz="3200" dirty="0">
                 <a:solidFill>
@@ -10286,24 +9830,19 @@
                 <a:ea typeface="Futura Condensed Medium" charset="0"/>
                 <a:cs typeface="Futura Condensed Medium" charset="0"/>
               </a:rPr>
-              <a:t>unread references for further reading</a:t>
-            </a:r>
-            <a:endParaRPr lang="en-US" sz="3200" dirty="0" smtClean="0">
-              <a:solidFill>
-                <a:schemeClr val="tx1">
-                  <a:lumMod val="65000"/>
-                  <a:lumOff val="35000"/>
-                </a:schemeClr>
-              </a:solidFill>
-              <a:latin typeface="Futura Condensed Medium" charset="0"/>
-              <a:ea typeface="Futura Condensed Medium" charset="0"/>
-              <a:cs typeface="Futura Condensed Medium" charset="0"/>
-            </a:endParaRPr>
+              <a:t>Ignore proofs, extensions, and appendix</a:t>
+            </a:r>
+          </a:p>
+          <a:p>
+            <a:r>
+              <a:rPr lang="en-US" dirty="0"/>
+              <a:t>You should be able to</a:t>
+            </a:r>
           </a:p>
           <a:p>
             <a:pPr lvl="2"/>
             <a:r>
-              <a:rPr lang="en-US" sz="3200" dirty="0" smtClean="0">
+              <a:rPr lang="en-US" sz="3200" dirty="0">
                 <a:solidFill>
                   <a:schemeClr val="tx1">
                     <a:lumMod val="65000"/>
@@ -10314,20 +9853,13 @@
                 <a:ea typeface="Futura Condensed Medium" charset="0"/>
                 <a:cs typeface="Futura Condensed Medium" charset="0"/>
               </a:rPr>
-              <a:t>Ignore proofs, extensions, and appendix</a:t>
-            </a:r>
-          </a:p>
-          <a:p>
-            <a:r>
-              <a:rPr lang="en-US" dirty="0" smtClean="0"/>
-              <a:t>You should be able to</a:t>
-            </a:r>
-            <a:endParaRPr lang="en-US" dirty="0"/>
+              <a:t>Summarize the content of the paper</a:t>
+            </a:r>
           </a:p>
           <a:p>
             <a:pPr lvl="2"/>
             <a:r>
-              <a:rPr lang="en-US" sz="3200" dirty="0" smtClean="0">
+              <a:rPr lang="en-US" sz="3200" dirty="0">
                 <a:solidFill>
                   <a:schemeClr val="tx1">
                     <a:lumMod val="65000"/>
@@ -10338,13 +9870,21 @@
                 <a:ea typeface="Futura Condensed Medium" charset="0"/>
                 <a:cs typeface="Futura Condensed Medium" charset="0"/>
               </a:rPr>
-              <a:t>Summarize the content of the paper</a:t>
-            </a:r>
-          </a:p>
-          <a:p>
-            <a:pPr lvl="2"/>
-            <a:r>
-              <a:rPr lang="en-US" sz="3200" dirty="0" smtClean="0">
+              <a:t>Explain the main objective of the paper, with supporting evidence, </a:t>
+            </a:r>
+            <a:r>
+              <a:rPr lang="en-US" sz="3200" dirty="0">
+                <a:solidFill>
+                  <a:srgbClr val="E57254"/>
+                </a:solidFill>
+                <a:latin typeface="Futura Condensed Medium" charset="0"/>
+                <a:ea typeface="Futura Condensed Medium" charset="0"/>
+                <a:cs typeface="Futura Condensed Medium" charset="0"/>
+              </a:rPr>
+              <a:t>to somebody else</a:t>
+            </a:r>
+            <a:r>
+              <a:rPr lang="en-US" sz="3200" dirty="0">
                 <a:solidFill>
                   <a:schemeClr val="tx1">
                     <a:lumMod val="65000"/>
@@ -10355,44 +9895,8 @@
                 <a:ea typeface="Futura Condensed Medium" charset="0"/>
                 <a:cs typeface="Futura Condensed Medium" charset="0"/>
               </a:rPr>
-              <a:t>Explain the main objective of the paper, with supporting evidence, </a:t>
-            </a:r>
-            <a:r>
-              <a:rPr lang="en-US" sz="3200" dirty="0" smtClean="0">
-                <a:solidFill>
-                  <a:srgbClr val="E57254"/>
-                </a:solidFill>
-                <a:latin typeface="Futura Condensed Medium" charset="0"/>
-                <a:ea typeface="Futura Condensed Medium" charset="0"/>
-                <a:cs typeface="Futura Condensed Medium" charset="0"/>
-              </a:rPr>
-              <a:t>to somebody else</a:t>
-            </a:r>
-            <a:r>
-              <a:rPr lang="en-US" sz="3200" dirty="0" smtClean="0">
-                <a:solidFill>
-                  <a:schemeClr val="tx1">
-                    <a:lumMod val="65000"/>
-                    <a:lumOff val="35000"/>
-                  </a:schemeClr>
-                </a:solidFill>
-                <a:latin typeface="Futura Condensed Medium" charset="0"/>
-                <a:ea typeface="Futura Condensed Medium" charset="0"/>
-                <a:cs typeface="Futura Condensed Medium" charset="0"/>
-              </a:rPr>
               <a:t>  </a:t>
             </a:r>
-            <a:endParaRPr lang="en-US" sz="3200" dirty="0">
-              <a:solidFill>
-                <a:schemeClr val="tx1">
-                  <a:lumMod val="65000"/>
-                  <a:lumOff val="35000"/>
-                </a:schemeClr>
-              </a:solidFill>
-              <a:latin typeface="Futura Condensed Medium" charset="0"/>
-              <a:ea typeface="Futura Condensed Medium" charset="0"/>
-              <a:cs typeface="Futura Condensed Medium" charset="0"/>
-            </a:endParaRPr>
           </a:p>
           <a:p>
             <a:pPr lvl="1"/>
@@ -10467,18 +9971,13 @@
           <a:lstStyle/>
           <a:p>
             <a:r>
-              <a:rPr lang="en-US" sz="8000" dirty="0" smtClean="0">
+              <a:rPr lang="en-US" sz="8000" dirty="0">
                 <a:latin typeface="Helvetica" charset="0"/>
                 <a:ea typeface="Helvetica" charset="0"/>
                 <a:cs typeface="Helvetica" charset="0"/>
               </a:rPr>
               <a:t>”</a:t>
             </a:r>
-            <a:endParaRPr lang="en-US" sz="8000" dirty="0">
-              <a:latin typeface="Helvetica" charset="0"/>
-              <a:ea typeface="Helvetica" charset="0"/>
-              <a:cs typeface="Helvetica" charset="0"/>
-            </a:endParaRPr>
           </a:p>
         </p:txBody>
       </p:sp>
@@ -10817,13 +10316,8 @@
           <a:p>
             <a:r>
               <a:rPr lang="en-US" dirty="0"/>
-              <a:t>The </a:t>
-            </a:r>
-            <a:r>
-              <a:rPr lang="en-US" dirty="0" smtClean="0"/>
-              <a:t>Third Pass</a:t>
-            </a:r>
-            <a:endParaRPr lang="en-US" dirty="0"/>
+              <a:t>The Third Pass</a:t>
+            </a:r>
           </a:p>
         </p:txBody>
       </p:sp>
@@ -10866,29 +10360,21 @@
                   <a:schemeClr val="tx1"/>
                 </a:solidFill>
               </a:rPr>
-              <a:t>Virtually re-implement the </a:t>
-            </a:r>
-            <a:r>
-              <a:rPr lang="en-US" sz="3600" i="1" dirty="0" smtClean="0">
+              <a:t>Virtually re-implement the paper    </a:t>
+            </a:r>
+            <a:r>
+              <a:rPr lang="en-US" sz="3600" dirty="0">
                 <a:solidFill>
                   <a:schemeClr val="tx1"/>
                 </a:solidFill>
               </a:rPr>
-              <a:t>paper    </a:t>
-            </a:r>
-            <a:r>
-              <a:rPr lang="en-US" sz="3600" dirty="0" smtClean="0">
-                <a:solidFill>
-                  <a:schemeClr val="tx1"/>
-                </a:solidFill>
-              </a:rPr>
               <a:t>means that</a:t>
             </a:r>
           </a:p>
           <a:p>
             <a:pPr lvl="2"/>
             <a:r>
-              <a:rPr lang="en-US" sz="3200" dirty="0" smtClean="0">
+              <a:rPr lang="en-US" sz="3200" dirty="0">
                 <a:solidFill>
                   <a:schemeClr val="tx1">
                     <a:lumMod val="65000"/>
@@ -10899,8 +10385,22 @@
                 <a:ea typeface="Futura Condensed Medium" charset="0"/>
                 <a:cs typeface="Futura Condensed Medium" charset="0"/>
               </a:rPr>
-              <a:t>Challenge </a:t>
-            </a:r>
+              <a:t>Challenge every assumption</a:t>
+            </a:r>
+            <a:r>
+              <a:rPr lang="en-US" sz="3200" dirty="0">
+                <a:solidFill>
+                  <a:srgbClr val="E57254"/>
+                </a:solidFill>
+                <a:latin typeface="Futura Condensed Medium" charset="0"/>
+                <a:ea typeface="Futura Condensed Medium" charset="0"/>
+                <a:cs typeface="Futura Condensed Medium" charset="0"/>
+              </a:rPr>
+              <a:t> </a:t>
+            </a:r>
+          </a:p>
+          <a:p>
+            <a:pPr lvl="2"/>
             <a:r>
               <a:rPr lang="en-US" sz="3200" dirty="0">
                 <a:solidFill>
@@ -10913,32 +10413,13 @@
                 <a:ea typeface="Futura Condensed Medium" charset="0"/>
                 <a:cs typeface="Futura Condensed Medium" charset="0"/>
               </a:rPr>
-              <a:t>every assumption</a:t>
-            </a:r>
-            <a:r>
-              <a:rPr lang="en-US" sz="3200" dirty="0" smtClean="0">
-                <a:solidFill>
-                  <a:srgbClr val="E57254"/>
-                </a:solidFill>
-                <a:latin typeface="Futura Condensed Medium" charset="0"/>
-                <a:ea typeface="Futura Condensed Medium" charset="0"/>
-                <a:cs typeface="Futura Condensed Medium" charset="0"/>
-              </a:rPr>
-              <a:t> </a:t>
-            </a:r>
-            <a:endParaRPr lang="en-US" sz="3200" dirty="0">
-              <a:solidFill>
-                <a:srgbClr val="E57254"/>
-              </a:solidFill>
-              <a:latin typeface="Futura Condensed Medium" charset="0"/>
-              <a:ea typeface="Futura Condensed Medium" charset="0"/>
-              <a:cs typeface="Futura Condensed Medium" charset="0"/>
-            </a:endParaRPr>
+              <a:t>Think about how you yourself would present a particular idea</a:t>
+            </a:r>
           </a:p>
           <a:p>
             <a:pPr lvl="2"/>
             <a:r>
-              <a:rPr lang="en-US" sz="3200" dirty="0" smtClean="0">
+              <a:rPr lang="en-US" sz="3200" dirty="0">
                 <a:solidFill>
                   <a:schemeClr val="tx1">
                     <a:lumMod val="65000"/>
@@ -10949,80 +10430,7 @@
                 <a:ea typeface="Futura Condensed Medium" charset="0"/>
                 <a:cs typeface="Futura Condensed Medium" charset="0"/>
               </a:rPr>
-              <a:t>Think </a:t>
-            </a:r>
-            <a:r>
-              <a:rPr lang="en-US" sz="3200" dirty="0">
-                <a:solidFill>
-                  <a:schemeClr val="tx1">
-                    <a:lumMod val="65000"/>
-                    <a:lumOff val="35000"/>
-                  </a:schemeClr>
-                </a:solidFill>
-                <a:latin typeface="Futura Condensed Medium" charset="0"/>
-                <a:ea typeface="Futura Condensed Medium" charset="0"/>
-                <a:cs typeface="Futura Condensed Medium" charset="0"/>
-              </a:rPr>
-              <a:t>about how you yourself would present a </a:t>
-            </a:r>
-            <a:r>
-              <a:rPr lang="en-US" sz="3200" dirty="0" smtClean="0">
-                <a:solidFill>
-                  <a:schemeClr val="tx1">
-                    <a:lumMod val="65000"/>
-                    <a:lumOff val="35000"/>
-                  </a:schemeClr>
-                </a:solidFill>
-                <a:latin typeface="Futura Condensed Medium" charset="0"/>
-                <a:ea typeface="Futura Condensed Medium" charset="0"/>
-                <a:cs typeface="Futura Condensed Medium" charset="0"/>
-              </a:rPr>
-              <a:t>particular idea</a:t>
-            </a:r>
-          </a:p>
-          <a:p>
-            <a:pPr lvl="2"/>
-            <a:r>
-              <a:rPr lang="en-US" sz="3200" dirty="0" smtClean="0">
-                <a:solidFill>
-                  <a:schemeClr val="tx1">
-                    <a:lumMod val="65000"/>
-                    <a:lumOff val="35000"/>
-                  </a:schemeClr>
-                </a:solidFill>
-                <a:latin typeface="Futura Condensed Medium" charset="0"/>
-                <a:ea typeface="Futura Condensed Medium" charset="0"/>
-                <a:cs typeface="Futura Condensed Medium" charset="0"/>
-              </a:rPr>
-              <a:t>Compare </a:t>
-            </a:r>
-            <a:r>
-              <a:rPr lang="en-US" sz="3200" dirty="0">
-                <a:solidFill>
-                  <a:schemeClr val="tx1">
-                    <a:lumMod val="65000"/>
-                    <a:lumOff val="35000"/>
-                  </a:schemeClr>
-                </a:solidFill>
-                <a:latin typeface="Futura Condensed Medium" charset="0"/>
-                <a:ea typeface="Futura Condensed Medium" charset="0"/>
-                <a:cs typeface="Futura Condensed Medium" charset="0"/>
-              </a:rPr>
-              <a:t>this re-creation with the actual </a:t>
-            </a:r>
-            <a:r>
-              <a:rPr lang="en-US" sz="3200" dirty="0" smtClean="0">
-                <a:solidFill>
-                  <a:schemeClr val="tx1">
-                    <a:lumMod val="65000"/>
-                    <a:lumOff val="35000"/>
-                  </a:schemeClr>
-                </a:solidFill>
-                <a:latin typeface="Futura Condensed Medium" charset="0"/>
-                <a:ea typeface="Futura Condensed Medium" charset="0"/>
-                <a:cs typeface="Futura Condensed Medium" charset="0"/>
-              </a:rPr>
-              <a:t>paper</a:t>
+              <a:t>Compare this re-creation with the actual paper</a:t>
             </a:r>
           </a:p>
           <a:p>
@@ -11038,23 +10446,18 @@
               <a:buChar char=" "/>
             </a:pPr>
             <a:r>
-              <a:rPr lang="en-US" sz="3600" dirty="0" smtClean="0">
+              <a:rPr lang="en-US" sz="3600" dirty="0">
                 <a:solidFill>
                   <a:schemeClr val="tx1"/>
                 </a:solidFill>
               </a:rPr>
               <a:t>You should be able to </a:t>
             </a:r>
-            <a:endParaRPr lang="en-US" sz="3600" dirty="0">
-              <a:solidFill>
-                <a:schemeClr val="tx1"/>
-              </a:solidFill>
-            </a:endParaRPr>
           </a:p>
           <a:p>
             <a:pPr lvl="2"/>
             <a:r>
-              <a:rPr lang="en-US" sz="3600" dirty="0" smtClean="0">
+              <a:rPr lang="en-US" sz="3600" dirty="0">
                 <a:solidFill>
                   <a:schemeClr val="tx1">
                     <a:lumMod val="65000"/>
@@ -11068,7 +10471,7 @@
               <a:t> </a:t>
             </a:r>
             <a:r>
-              <a:rPr lang="en-US" sz="3200" dirty="0" smtClean="0">
+              <a:rPr lang="en-US" sz="3200" dirty="0">
                 <a:solidFill>
                   <a:schemeClr val="tx1">
                     <a:lumMod val="65000"/>
@@ -11085,7 +10488,7 @@
           <a:p>
             <a:pPr lvl="2"/>
             <a:r>
-              <a:rPr lang="en-US" sz="3200" dirty="0" smtClean="0">
+              <a:rPr lang="en-US" sz="3200" dirty="0">
                 <a:solidFill>
                   <a:schemeClr val="tx1">
                     <a:lumMod val="65000"/>
@@ -11101,7 +10504,7 @@
           </a:p>
           <a:p>
             <a:pPr lvl="2"/>
-            <a:endParaRPr lang="en-US" sz="3600" dirty="0" smtClean="0">
+            <a:endParaRPr lang="en-US" sz="3600" dirty="0">
               <a:solidFill>
                 <a:schemeClr val="tx1">
                   <a:lumMod val="65000"/>
@@ -11209,18 +10612,13 @@
           <a:lstStyle/>
           <a:p>
             <a:r>
-              <a:rPr lang="en-US" sz="8000" dirty="0" smtClean="0">
+              <a:rPr lang="en-US" sz="8000" dirty="0">
                 <a:latin typeface="Helvetica" charset="0"/>
                 <a:ea typeface="Helvetica" charset="0"/>
                 <a:cs typeface="Helvetica" charset="0"/>
               </a:rPr>
               <a:t>”</a:t>
             </a:r>
-            <a:endParaRPr lang="en-US" sz="8000" dirty="0">
-              <a:latin typeface="Helvetica" charset="0"/>
-              <a:ea typeface="Helvetica" charset="0"/>
-              <a:cs typeface="Helvetica" charset="0"/>
-            </a:endParaRPr>
           </a:p>
         </p:txBody>
       </p:sp>
@@ -11558,10 +10956,9 @@
           <a:lstStyle/>
           <a:p>
             <a:r>
-              <a:rPr lang="en-US" dirty="0" smtClean="0"/>
+              <a:rPr lang="en-US" dirty="0"/>
               <a:t>When to use which</a:t>
             </a:r>
-            <a:endParaRPr lang="en-US" dirty="0"/>
           </a:p>
         </p:txBody>
       </p:sp>
@@ -11703,7 +11100,7 @@
             <a:lstStyle/>
             <a:p>
               <a:r>
-                <a:rPr lang="en-US" dirty="0" smtClean="0">
+                <a:rPr lang="en-US" dirty="0">
                   <a:latin typeface="Futura Medium" charset="0"/>
                   <a:ea typeface="Futura Medium" charset="0"/>
                   <a:cs typeface="Futura Medium" charset="0"/>
@@ -11711,7 +11108,7 @@
                 <a:t>The </a:t>
               </a:r>
               <a:r>
-                <a:rPr lang="en-US" sz="2800" dirty="0" smtClean="0">
+                <a:rPr lang="en-US" sz="2800" dirty="0">
                   <a:latin typeface="Futura Medium" charset="0"/>
                   <a:ea typeface="Futura Medium" charset="0"/>
                   <a:cs typeface="Futura Medium" charset="0"/>
@@ -11719,7 +11116,7 @@
                 <a:t>1</a:t>
               </a:r>
               <a:r>
-                <a:rPr lang="en-US" sz="2800" baseline="30000" dirty="0" smtClean="0">
+                <a:rPr lang="en-US" sz="2800" baseline="30000" dirty="0">
                   <a:latin typeface="Futura Medium" charset="0"/>
                   <a:ea typeface="Futura Medium" charset="0"/>
                   <a:cs typeface="Futura Medium" charset="0"/>
@@ -11727,7 +11124,7 @@
                 <a:t>st</a:t>
               </a:r>
               <a:r>
-                <a:rPr lang="en-US" sz="2800" dirty="0" smtClean="0">
+                <a:rPr lang="en-US" sz="2800" dirty="0">
                   <a:latin typeface="Futura Medium" charset="0"/>
                   <a:ea typeface="Futura Medium" charset="0"/>
                   <a:cs typeface="Futura Medium" charset="0"/>
@@ -11735,18 +11132,13 @@
                 <a:t> </a:t>
               </a:r>
               <a:r>
-                <a:rPr lang="en-US" dirty="0" smtClean="0">
+                <a:rPr lang="en-US" dirty="0">
                   <a:latin typeface="Futura Medium" charset="0"/>
                   <a:ea typeface="Futura Medium" charset="0"/>
                   <a:cs typeface="Futura Medium" charset="0"/>
                 </a:rPr>
                 <a:t>Pass</a:t>
               </a:r>
-              <a:endParaRPr lang="en-US" dirty="0">
-                <a:latin typeface="Futura Medium" charset="0"/>
-                <a:ea typeface="Futura Medium" charset="0"/>
-                <a:cs typeface="Futura Medium" charset="0"/>
-              </a:endParaRPr>
             </a:p>
           </p:txBody>
         </p:sp>
@@ -11775,7 +11167,7 @@
           <a:p>
             <a:pPr algn="ctr"/>
             <a:r>
-              <a:rPr lang="en-US" sz="2800" dirty="0" smtClean="0">
+              <a:rPr lang="en-US" sz="2800" dirty="0">
                 <a:latin typeface="Futura Medium" charset="0"/>
                 <a:ea typeface="Futura Medium" charset="0"/>
                 <a:cs typeface="Futura Medium" charset="0"/>
@@ -11786,18 +11178,13 @@
           <a:p>
             <a:pPr algn="ctr"/>
             <a:r>
-              <a:rPr lang="en-US" sz="2800" dirty="0" smtClean="0">
+              <a:rPr lang="en-US" sz="2800" dirty="0">
                 <a:latin typeface="Futura Medium" charset="0"/>
                 <a:ea typeface="Futura Medium" charset="0"/>
                 <a:cs typeface="Futura Medium" charset="0"/>
               </a:rPr>
               <a:t>not interesting</a:t>
             </a:r>
-            <a:endParaRPr lang="en-US" sz="2800" dirty="0">
-              <a:latin typeface="Futura Medium" charset="0"/>
-              <a:ea typeface="Futura Medium" charset="0"/>
-              <a:cs typeface="Futura Medium" charset="0"/>
-            </a:endParaRPr>
           </a:p>
         </p:txBody>
       </p:sp>
@@ -12008,18 +11395,13 @@
           <a:lstStyle/>
           <a:p>
             <a:r>
-              <a:rPr lang="en-US" sz="3600" dirty="0" smtClean="0">
+              <a:rPr lang="en-US" sz="3600" dirty="0">
                 <a:latin typeface="Franklin Gothic Heavy" charset="0"/>
                 <a:ea typeface="Franklin Gothic Heavy" charset="0"/>
                 <a:cs typeface="Franklin Gothic Heavy" charset="0"/>
               </a:rPr>
               <a:t>5 more years of learning new knowledge</a:t>
             </a:r>
-            <a:endParaRPr lang="en-US" sz="3600" dirty="0">
-              <a:latin typeface="Franklin Gothic Heavy" charset="0"/>
-              <a:ea typeface="Franklin Gothic Heavy" charset="0"/>
-              <a:cs typeface="Franklin Gothic Heavy" charset="0"/>
-            </a:endParaRPr>
           </a:p>
         </p:txBody>
       </p:sp>
@@ -12074,31 +11456,31 @@
           <a:lstStyle/>
           <a:p>
             <a:r>
-              <a:rPr lang="en-US" altLang="zh-CN" dirty="0" smtClean="0"/>
+              <a:rPr lang="en-US" altLang="zh-CN" dirty="0"/>
               <a:t>What</a:t>
             </a:r>
             <a:r>
-              <a:rPr lang="zh-CN" altLang="en-US" dirty="0" smtClean="0"/>
+              <a:rPr lang="zh-CN" altLang="en-US" dirty="0"/>
               <a:t> </a:t>
             </a:r>
             <a:r>
-              <a:rPr lang="en-US" altLang="zh-CN" dirty="0" smtClean="0"/>
+              <a:rPr lang="en-US" altLang="zh-CN" dirty="0"/>
               <a:t>is</a:t>
             </a:r>
             <a:r>
-              <a:rPr lang="zh-CN" altLang="en-US" dirty="0" smtClean="0"/>
+              <a:rPr lang="zh-CN" altLang="en-US" dirty="0"/>
               <a:t> </a:t>
             </a:r>
             <a:r>
-              <a:rPr lang="en-US" altLang="zh-CN" dirty="0" smtClean="0"/>
+              <a:rPr lang="en-US" altLang="zh-CN" dirty="0"/>
               <a:t>a</a:t>
             </a:r>
             <a:r>
-              <a:rPr lang="zh-CN" altLang="en-US" dirty="0" smtClean="0"/>
+              <a:rPr lang="zh-CN" altLang="en-US" dirty="0"/>
               <a:t> </a:t>
             </a:r>
             <a:r>
-              <a:rPr lang="en-US" altLang="zh-CN" dirty="0" smtClean="0"/>
+              <a:rPr lang="en-US" altLang="zh-CN" dirty="0"/>
               <a:t>PhD?</a:t>
             </a:r>
             <a:endParaRPr lang="en-US" dirty="0"/>
@@ -12234,10 +11616,9 @@
           <a:lstStyle/>
           <a:p>
             <a:r>
-              <a:rPr lang="en-US" dirty="0" smtClean="0"/>
+              <a:rPr lang="en-US" dirty="0"/>
               <a:t>When to use which</a:t>
             </a:r>
-            <a:endParaRPr lang="en-US" dirty="0"/>
           </a:p>
         </p:txBody>
       </p:sp>
@@ -12446,7 +11827,7 @@
           <a:p>
             <a:pPr algn="ctr"/>
             <a:r>
-              <a:rPr lang="en-US" sz="2800" dirty="0" smtClean="0">
+              <a:rPr lang="en-US" sz="2800" dirty="0">
                 <a:latin typeface="Futura Medium" charset="0"/>
                 <a:ea typeface="Futura Medium" charset="0"/>
                 <a:cs typeface="Futura Medium" charset="0"/>
@@ -12454,7 +11835,7 @@
               <a:t>Stop here if </a:t>
             </a:r>
             <a:r>
-              <a:rPr lang="en-US" altLang="zh-CN" sz="2800" dirty="0" smtClean="0">
+              <a:rPr lang="en-US" altLang="zh-CN" sz="2800" dirty="0">
                 <a:latin typeface="Futura Medium" charset="0"/>
                 <a:ea typeface="Futura Medium" charset="0"/>
                 <a:cs typeface="Futura Medium" charset="0"/>
@@ -12462,7 +11843,7 @@
               <a:t>not</a:t>
             </a:r>
             <a:r>
-              <a:rPr lang="zh-CN" altLang="en-US" sz="2800" dirty="0" smtClean="0">
+              <a:rPr lang="zh-CN" altLang="en-US" sz="2800" dirty="0">
                 <a:latin typeface="Futura Medium" charset="0"/>
                 <a:ea typeface="Futura Medium" charset="0"/>
                 <a:cs typeface="Futura Medium" charset="0"/>
@@ -12470,7 +11851,7 @@
               <a:t> </a:t>
             </a:r>
             <a:r>
-              <a:rPr lang="en-US" altLang="zh-CN" sz="2800" dirty="0" smtClean="0">
+              <a:rPr lang="en-US" altLang="zh-CN" sz="2800" dirty="0">
                 <a:latin typeface="Futura Medium" charset="0"/>
                 <a:ea typeface="Futura Medium" charset="0"/>
                 <a:cs typeface="Futura Medium" charset="0"/>
@@ -12478,7 +11859,7 @@
               <a:t>useful</a:t>
             </a:r>
             <a:r>
-              <a:rPr lang="zh-CN" altLang="en-US" sz="2800" dirty="0" smtClean="0">
+              <a:rPr lang="zh-CN" altLang="en-US" sz="2800" dirty="0">
                 <a:latin typeface="Futura Medium" charset="0"/>
                 <a:ea typeface="Futura Medium" charset="0"/>
                 <a:cs typeface="Futura Medium" charset="0"/>
@@ -12486,7 +11867,7 @@
               <a:t> </a:t>
             </a:r>
             <a:r>
-              <a:rPr lang="en-US" altLang="zh-CN" sz="2800" dirty="0" smtClean="0">
+              <a:rPr lang="en-US" altLang="zh-CN" sz="2800" dirty="0">
                 <a:latin typeface="Futura Medium" charset="0"/>
                 <a:ea typeface="Futura Medium" charset="0"/>
                 <a:cs typeface="Futura Medium" charset="0"/>
@@ -12494,7 +11875,7 @@
               <a:t>to</a:t>
             </a:r>
             <a:r>
-              <a:rPr lang="zh-CN" altLang="en-US" sz="2800" dirty="0" smtClean="0">
+              <a:rPr lang="zh-CN" altLang="en-US" sz="2800" dirty="0">
                 <a:latin typeface="Futura Medium" charset="0"/>
                 <a:ea typeface="Futura Medium" charset="0"/>
                 <a:cs typeface="Futura Medium" charset="0"/>
@@ -12502,7 +11883,7 @@
               <a:t> </a:t>
             </a:r>
             <a:r>
-              <a:rPr lang="en-US" altLang="zh-CN" sz="2800" dirty="0" smtClean="0">
+              <a:rPr lang="en-US" altLang="zh-CN" sz="2800" dirty="0">
                 <a:latin typeface="Futura Medium" charset="0"/>
                 <a:ea typeface="Futura Medium" charset="0"/>
                 <a:cs typeface="Futura Medium" charset="0"/>
@@ -12510,7 +11891,7 @@
               <a:t>your</a:t>
             </a:r>
             <a:r>
-              <a:rPr lang="zh-CN" altLang="en-US" sz="2800" dirty="0" smtClean="0">
+              <a:rPr lang="zh-CN" altLang="en-US" sz="2800" dirty="0">
                 <a:latin typeface="Futura Medium" charset="0"/>
                 <a:ea typeface="Futura Medium" charset="0"/>
                 <a:cs typeface="Futura Medium" charset="0"/>
@@ -12518,7 +11899,7 @@
               <a:t> </a:t>
             </a:r>
             <a:r>
-              <a:rPr lang="en-US" altLang="zh-CN" sz="2800" dirty="0" smtClean="0">
+              <a:rPr lang="en-US" altLang="zh-CN" sz="2800" dirty="0">
                 <a:latin typeface="Futura Medium" charset="0"/>
                 <a:ea typeface="Futura Medium" charset="0"/>
                 <a:cs typeface="Futura Medium" charset="0"/>
@@ -12713,10 +12094,9 @@
           <a:lstStyle/>
           <a:p>
             <a:r>
-              <a:rPr lang="en-US" dirty="0" smtClean="0"/>
+              <a:rPr lang="en-US" dirty="0"/>
               <a:t>When to use which</a:t>
             </a:r>
-            <a:endParaRPr lang="en-US" dirty="0"/>
           </a:p>
         </p:txBody>
       </p:sp>
@@ -12925,18 +12305,13 @@
           <a:p>
             <a:pPr algn="ctr"/>
             <a:r>
-              <a:rPr lang="en-US" sz="2800" dirty="0" smtClean="0">
+              <a:rPr lang="en-US" sz="2800" dirty="0">
                 <a:latin typeface="Futura Medium" charset="0"/>
                 <a:ea typeface="Futura Medium" charset="0"/>
                 <a:cs typeface="Futura Medium" charset="0"/>
               </a:rPr>
               <a:t>Fully understand the paper</a:t>
             </a:r>
-            <a:endParaRPr lang="en-US" sz="2800" dirty="0">
-              <a:latin typeface="Futura Medium" charset="0"/>
-              <a:ea typeface="Futura Medium" charset="0"/>
-              <a:cs typeface="Futura Medium" charset="0"/>
-            </a:endParaRPr>
           </a:p>
         </p:txBody>
       </p:sp>
@@ -13120,7 +12495,7 @@
           <a:lstStyle/>
           <a:p>
             <a:r>
-              <a:rPr lang="en-US" altLang="zh-CN" dirty="0" smtClean="0">
+              <a:rPr lang="en-US" altLang="zh-CN" dirty="0">
                 <a:latin typeface="Futura Medium" charset="0"/>
                 <a:ea typeface="Futura Medium" charset="0"/>
                 <a:cs typeface="Futura Medium" charset="0"/>
@@ -13128,7 +12503,7 @@
               <a:t>Essential</a:t>
             </a:r>
             <a:r>
-              <a:rPr lang="zh-CN" altLang="en-US" dirty="0" smtClean="0">
+              <a:rPr lang="zh-CN" altLang="en-US" dirty="0">
                 <a:latin typeface="Futura Medium" charset="0"/>
                 <a:ea typeface="Futura Medium" charset="0"/>
                 <a:cs typeface="Futura Medium" charset="0"/>
@@ -13136,7 +12511,7 @@
               <a:t> </a:t>
             </a:r>
             <a:r>
-              <a:rPr lang="en-US" altLang="zh-CN" dirty="0" smtClean="0">
+              <a:rPr lang="en-US" altLang="zh-CN" dirty="0">
                 <a:latin typeface="Futura Medium" charset="0"/>
                 <a:ea typeface="Futura Medium" charset="0"/>
                 <a:cs typeface="Futura Medium" charset="0"/>
@@ -13530,18 +12905,18 @@
           </a:lstStyle>
           <a:p>
             <a:r>
-              <a:rPr lang="en-US" altLang="zh-CN" sz="3200" dirty="0" smtClean="0"/>
+              <a:rPr lang="en-US" altLang="zh-CN" sz="3200" dirty="0"/>
               <a:t>Reading</a:t>
             </a:r>
             <a:r>
-              <a:rPr lang="zh-CN" altLang="en-US" sz="3200" dirty="0" smtClean="0"/>
+              <a:rPr lang="zh-CN" altLang="en-US" sz="3200" dirty="0"/>
               <a:t> </a:t>
             </a:r>
             <a:r>
-              <a:rPr lang="en-US" altLang="zh-CN" sz="3200" dirty="0" smtClean="0"/>
+              <a:rPr lang="en-US" altLang="zh-CN" sz="3200" dirty="0"/>
               <a:t>Papers</a:t>
             </a:r>
-            <a:endParaRPr lang="zh-CN" altLang="en-US" sz="3200" dirty="0" smtClean="0"/>
+            <a:endParaRPr lang="zh-CN" altLang="en-US" sz="3200" dirty="0"/>
           </a:p>
         </p:txBody>
       </p:sp>
@@ -13867,15 +13242,15 @@
               </a:spcBef>
             </a:pPr>
             <a:r>
-              <a:rPr lang="en-US" altLang="zh-CN" sz="3200" smtClean="0"/>
+              <a:rPr lang="en-US" altLang="zh-CN" sz="3200"/>
               <a:t>Presentation</a:t>
             </a:r>
-            <a:endParaRPr lang="zh-CN" altLang="en-US" sz="3200" smtClean="0"/>
+            <a:endParaRPr lang="zh-CN" altLang="en-US" sz="3200"/>
           </a:p>
           <a:p>
             <a:pPr lvl="2"/>
             <a:r>
-              <a:rPr lang="en-US" altLang="zh-CN" sz="2800" smtClean="0">
+              <a:rPr lang="en-US" altLang="zh-CN" sz="2800">
                 <a:latin typeface="Futura Condensed Medium" charset="0"/>
                 <a:ea typeface="Futura Condensed Medium" charset="0"/>
                 <a:cs typeface="Futura Condensed Medium" charset="0"/>
@@ -13883,7 +13258,7 @@
               <a:t>Giving</a:t>
             </a:r>
             <a:r>
-              <a:rPr lang="zh-CN" altLang="en-US" sz="2800" smtClean="0">
+              <a:rPr lang="zh-CN" altLang="en-US" sz="2800">
                 <a:latin typeface="Futura Condensed Medium" charset="0"/>
                 <a:ea typeface="Futura Condensed Medium" charset="0"/>
                 <a:cs typeface="Futura Condensed Medium" charset="0"/>
@@ -13891,7 +13266,7 @@
               <a:t> </a:t>
             </a:r>
             <a:r>
-              <a:rPr lang="en-US" altLang="zh-CN" sz="2800" smtClean="0">
+              <a:rPr lang="en-US" altLang="zh-CN" sz="2800">
                 <a:latin typeface="Futura Condensed Medium" charset="0"/>
                 <a:ea typeface="Futura Condensed Medium" charset="0"/>
                 <a:cs typeface="Futura Condensed Medium" charset="0"/>
@@ -13902,21 +13277,21 @@
           <a:p>
             <a:pPr lvl="2"/>
             <a:r>
-              <a:rPr lang="is-IS" altLang="zh-CN" sz="2800" smtClean="0">
+              <a:rPr lang="is-IS" altLang="zh-CN" sz="2800">
                 <a:latin typeface="Futura Condensed Medium" charset="0"/>
                 <a:ea typeface="Futura Condensed Medium" charset="0"/>
                 <a:cs typeface="Futura Condensed Medium" charset="0"/>
               </a:rPr>
               <a:t>…</a:t>
             </a:r>
-            <a:endParaRPr lang="zh-CN" altLang="en-US" sz="2800" smtClean="0">
+            <a:endParaRPr lang="zh-CN" altLang="en-US" sz="2800">
               <a:latin typeface="Futura Condensed Medium" charset="0"/>
               <a:ea typeface="Futura Condensed Medium" charset="0"/>
               <a:cs typeface="Futura Condensed Medium" charset="0"/>
             </a:endParaRPr>
           </a:p>
           <a:p>
-            <a:endParaRPr lang="zh-CN" altLang="en-US" sz="3200" smtClean="0"/>
+            <a:endParaRPr lang="zh-CN" altLang="en-US" sz="3200"/>
           </a:p>
           <a:p>
             <a:endParaRPr lang="en-US" sz="3200" dirty="0"/>
@@ -14197,37 +13572,10 @@
               </a:spcBef>
             </a:pPr>
             <a:r>
-              <a:rPr lang="en-US" altLang="zh-CN" sz="3200" dirty="0" smtClean="0"/>
+              <a:rPr lang="en-US" altLang="zh-CN" sz="3200" dirty="0"/>
               <a:t>Critical Thinking</a:t>
             </a:r>
-            <a:endParaRPr lang="zh-CN" altLang="en-US" sz="3200" dirty="0" smtClean="0"/>
-          </a:p>
-          <a:p>
-            <a:pPr lvl="2"/>
-            <a:r>
-              <a:rPr lang="en-US" altLang="zh-CN" sz="2800" dirty="0" smtClean="0">
-                <a:latin typeface="Futura Condensed Medium" charset="0"/>
-                <a:ea typeface="Futura Condensed Medium" charset="0"/>
-                <a:cs typeface="Futura Condensed Medium" charset="0"/>
-              </a:rPr>
-              <a:t>Reviewing</a:t>
-            </a:r>
-            <a:r>
-              <a:rPr lang="zh-CN" altLang="en-US" sz="2800" dirty="0" smtClean="0">
-                <a:latin typeface="Futura Condensed Medium" charset="0"/>
-                <a:ea typeface="Futura Condensed Medium" charset="0"/>
-                <a:cs typeface="Futura Condensed Medium" charset="0"/>
-              </a:rPr>
-              <a:t> </a:t>
-            </a:r>
-            <a:r>
-              <a:rPr lang="en-US" altLang="zh-CN" sz="2800" dirty="0" smtClean="0">
-                <a:latin typeface="Futura Condensed Medium" charset="0"/>
-                <a:ea typeface="Futura Condensed Medium" charset="0"/>
-                <a:cs typeface="Futura Condensed Medium" charset="0"/>
-              </a:rPr>
-              <a:t>Papers</a:t>
-            </a:r>
+            <a:endParaRPr lang="zh-CN" altLang="en-US" sz="3200" dirty="0"/>
           </a:p>
           <a:p>
             <a:pPr lvl="2"/>
@@ -14237,7 +13585,7 @@
                 <a:ea typeface="Futura Condensed Medium" charset="0"/>
                 <a:cs typeface="Futura Condensed Medium" charset="0"/>
               </a:rPr>
-              <a:t>Asking</a:t>
+              <a:t>Reviewing</a:t>
             </a:r>
             <a:r>
               <a:rPr lang="zh-CN" altLang="en-US" sz="2800" dirty="0">
@@ -14248,18 +13596,45 @@
               <a:t> </a:t>
             </a:r>
             <a:r>
-              <a:rPr lang="en-US" altLang="zh-CN" sz="2800" dirty="0" smtClean="0">
+              <a:rPr lang="en-US" altLang="zh-CN" sz="2800" dirty="0">
                 <a:latin typeface="Futura Condensed Medium" charset="0"/>
                 <a:ea typeface="Futura Condensed Medium" charset="0"/>
                 <a:cs typeface="Futura Condensed Medium" charset="0"/>
               </a:rPr>
+              <a:t>Papers</a:t>
+            </a:r>
+          </a:p>
+          <a:p>
+            <a:pPr lvl="2"/>
+            <a:r>
+              <a:rPr lang="en-US" altLang="zh-CN" sz="2800" dirty="0">
+                <a:latin typeface="Futura Condensed Medium" charset="0"/>
+                <a:ea typeface="Futura Condensed Medium" charset="0"/>
+                <a:cs typeface="Futura Condensed Medium" charset="0"/>
+              </a:rPr>
+              <a:t>Asking</a:t>
+            </a:r>
+            <a:r>
+              <a:rPr lang="zh-CN" altLang="en-US" sz="2800" dirty="0">
+                <a:latin typeface="Futura Condensed Medium" charset="0"/>
+                <a:ea typeface="Futura Condensed Medium" charset="0"/>
+                <a:cs typeface="Futura Condensed Medium" charset="0"/>
+              </a:rPr>
+              <a:t> </a:t>
+            </a:r>
+            <a:r>
+              <a:rPr lang="en-US" altLang="zh-CN" sz="2800" dirty="0">
+                <a:latin typeface="Futura Condensed Medium" charset="0"/>
+                <a:ea typeface="Futura Condensed Medium" charset="0"/>
+                <a:cs typeface="Futura Condensed Medium" charset="0"/>
+              </a:rPr>
               <a:t>Questions</a:t>
             </a:r>
           </a:p>
           <a:p>
             <a:pPr lvl="2"/>
             <a:r>
-              <a:rPr lang="is-IS" altLang="zh-CN" sz="2800" dirty="0" smtClean="0">
+              <a:rPr lang="is-IS" altLang="zh-CN" sz="2800" dirty="0">
                 <a:latin typeface="Futura Condensed Medium" charset="0"/>
                 <a:ea typeface="Futura Condensed Medium" charset="0"/>
                 <a:cs typeface="Futura Condensed Medium" charset="0"/>
@@ -14274,7 +13649,7 @@
           </a:p>
           <a:p>
             <a:pPr lvl="2"/>
-            <a:endParaRPr lang="zh-CN" altLang="en-US" sz="2800" dirty="0" smtClean="0">
+            <a:endParaRPr lang="zh-CN" altLang="en-US" sz="2800" dirty="0">
               <a:latin typeface="Futura Condensed Medium" charset="0"/>
               <a:ea typeface="Futura Condensed Medium" charset="0"/>
               <a:cs typeface="Futura Condensed Medium" charset="0"/>
@@ -14404,10 +13779,9 @@
           <a:lstStyle/>
           <a:p>
             <a:r>
-              <a:rPr lang="en-US" dirty="0" smtClean="0"/>
+              <a:rPr lang="en-US" dirty="0"/>
               <a:t>Why Paper Review</a:t>
             </a:r>
-            <a:endParaRPr lang="en-US" dirty="0"/>
           </a:p>
         </p:txBody>
       </p:sp>
@@ -14427,11 +13801,11 @@
           <a:lstStyle/>
           <a:p>
             <a:r>
-              <a:rPr lang="en-US" dirty="0" smtClean="0"/>
+              <a:rPr lang="en-US" dirty="0"/>
               <a:t>The </a:t>
             </a:r>
             <a:r>
-              <a:rPr lang="en-US" dirty="0" smtClean="0">
+              <a:rPr lang="en-US" dirty="0">
                 <a:solidFill>
                   <a:srgbClr val="E57254"/>
                 </a:solidFill>
@@ -14439,20 +13813,20 @@
               <a:t>Peer Review </a:t>
             </a:r>
             <a:r>
-              <a:rPr lang="en-US" dirty="0" smtClean="0"/>
+              <a:rPr lang="en-US" dirty="0"/>
               <a:t>Process</a:t>
             </a:r>
           </a:p>
           <a:p>
-            <a:endParaRPr lang="en-US" sz="2400" dirty="0" smtClean="0"/>
-          </a:p>
-          <a:p>
-            <a:r>
-              <a:rPr lang="en-US" dirty="0" smtClean="0"/>
+            <a:endParaRPr lang="en-US" sz="2400" dirty="0"/>
+          </a:p>
+          <a:p>
+            <a:r>
+              <a:rPr lang="en-US" dirty="0"/>
               <a:t>What’s a review for</a:t>
             </a:r>
             <a:r>
-              <a:rPr lang="en-US" dirty="0" smtClean="0">
+              <a:rPr lang="en-US" dirty="0">
                 <a:latin typeface="Helvetica" charset="0"/>
                 <a:ea typeface="Helvetica" charset="0"/>
                 <a:cs typeface="Helvetica" charset="0"/>
@@ -14463,7 +13837,7 @@
           <a:p>
             <a:pPr lvl="2"/>
             <a:r>
-              <a:rPr lang="en-US" sz="3600" dirty="0" smtClean="0">
+              <a:rPr lang="en-US" sz="3600" dirty="0">
                 <a:solidFill>
                   <a:schemeClr val="tx1">
                     <a:lumMod val="65000"/>
@@ -14477,7 +13851,7 @@
               <a:t> </a:t>
             </a:r>
             <a:r>
-              <a:rPr lang="en-US" sz="3200" dirty="0" smtClean="0">
+              <a:rPr lang="en-US" sz="3200" dirty="0">
                 <a:solidFill>
                   <a:srgbClr val="E57254"/>
                 </a:solidFill>
@@ -14488,7 +13862,7 @@
               <a:t>Quality Control: </a:t>
             </a:r>
             <a:r>
-              <a:rPr lang="en-US" sz="3200" dirty="0" smtClean="0">
+              <a:rPr lang="en-US" sz="3200" dirty="0">
                 <a:solidFill>
                   <a:schemeClr val="tx1">
                     <a:lumMod val="65000"/>
@@ -14519,7 +13893,7 @@
               <a:t> </a:t>
             </a:r>
             <a:r>
-              <a:rPr lang="en-US" sz="3200" dirty="0" smtClean="0">
+              <a:rPr lang="en-US" sz="3200" dirty="0">
                 <a:solidFill>
                   <a:srgbClr val="E57254"/>
                 </a:solidFill>
@@ -14530,7 +13904,7 @@
               <a:t>Constructive Criticism: </a:t>
             </a:r>
             <a:r>
-              <a:rPr lang="en-US" sz="3200" dirty="0" smtClean="0">
+              <a:rPr lang="en-US" sz="3200" dirty="0">
                 <a:solidFill>
                   <a:schemeClr val="tx1">
                     <a:lumMod val="65000"/>
@@ -14543,7 +13917,7 @@
               </a:rPr>
               <a:t>How to improve?</a:t>
             </a:r>
-            <a:endParaRPr lang="en-US" sz="3200" dirty="0" smtClean="0"/>
+            <a:endParaRPr lang="en-US" sz="3200" dirty="0"/>
           </a:p>
           <a:p>
             <a:endParaRPr lang="en-US" dirty="0"/>
@@ -14790,10 +14164,9 @@
           <a:lstStyle/>
           <a:p>
             <a:r>
-              <a:rPr lang="en-US" dirty="0" smtClean="0"/>
+              <a:rPr lang="en-US" dirty="0"/>
               <a:t>Structure of a Review</a:t>
             </a:r>
-            <a:endParaRPr lang="en-US" dirty="0"/>
           </a:p>
         </p:txBody>
       </p:sp>
@@ -14822,16 +14195,8 @@
               <a:buAutoNum type="arabicPeriod"/>
             </a:pPr>
             <a:r>
-              <a:rPr lang="en-US" dirty="0" smtClean="0"/>
-              <a:t>Summarize </a:t>
-            </a:r>
-            <a:r>
               <a:rPr lang="en-US" dirty="0"/>
-              <a:t>the </a:t>
-            </a:r>
-            <a:r>
-              <a:rPr lang="en-US" dirty="0" smtClean="0"/>
-              <a:t>paper (1-2 paras)</a:t>
+              <a:t>Summarize the paper (1-2 paras)</a:t>
             </a:r>
           </a:p>
           <a:p>
@@ -14840,10 +14205,9 @@
               <a:buAutoNum type="arabicPeriod"/>
             </a:pPr>
             <a:r>
-              <a:rPr lang="en-US" dirty="0" smtClean="0"/>
+              <a:rPr lang="en-US" dirty="0"/>
               <a:t>State the contributions (1 para)</a:t>
             </a:r>
-            <a:endParaRPr lang="en-US" dirty="0"/>
           </a:p>
           <a:p>
             <a:pPr marL="514350" indent="-514350">
@@ -14851,58 +14215,41 @@
               <a:buAutoNum type="arabicPeriod"/>
             </a:pPr>
             <a:r>
-              <a:rPr lang="en-US" dirty="0" smtClean="0"/>
-              <a:t>Strong/Weak </a:t>
-            </a:r>
-            <a:r>
               <a:rPr lang="en-US" dirty="0"/>
-              <a:t>Points </a:t>
-            </a:r>
-            <a:r>
-              <a:rPr lang="en-US" dirty="0" smtClean="0"/>
-              <a:t>(in </a:t>
+              <a:t>Strong/Weak Points (in bullet form</a:t>
+            </a:r>
+            <a:r>
+              <a:rPr lang="en-US" altLang="zh-CN" dirty="0"/>
+              <a:t>,</a:t>
+            </a:r>
+            <a:r>
+              <a:rPr lang="zh-CN" altLang="en-US" dirty="0"/>
+              <a:t> </a:t>
+            </a:r>
+            <a:r>
+              <a:rPr lang="en-US" altLang="zh-CN" dirty="0"/>
+              <a:t>3+</a:t>
+            </a:r>
+            <a:r>
+              <a:rPr lang="zh-CN" altLang="en-US" dirty="0"/>
+              <a:t> </a:t>
+            </a:r>
+            <a:r>
+              <a:rPr lang="en-US" altLang="zh-CN" dirty="0"/>
+              <a:t>for</a:t>
+            </a:r>
+            <a:r>
+              <a:rPr lang="zh-CN" altLang="en-US" dirty="0"/>
+              <a:t> </a:t>
+            </a:r>
+            <a:r>
+              <a:rPr lang="en-US" altLang="zh-CN" dirty="0"/>
+              <a:t>each</a:t>
             </a:r>
             <a:r>
               <a:rPr lang="en-US" dirty="0"/>
-              <a:t>bullet </a:t>
-            </a:r>
-            <a:r>
-              <a:rPr lang="en-US" dirty="0" smtClean="0"/>
-              <a:t>form</a:t>
-            </a:r>
-            <a:r>
-              <a:rPr lang="en-US" altLang="zh-CN" dirty="0" smtClean="0"/>
-              <a:t>,</a:t>
-            </a:r>
-            <a:r>
-              <a:rPr lang="zh-CN" altLang="en-US" dirty="0" smtClean="0"/>
-              <a:t> </a:t>
-            </a:r>
-            <a:r>
-              <a:rPr lang="en-US" altLang="zh-CN" dirty="0" smtClean="0"/>
-              <a:t>3+</a:t>
-            </a:r>
-            <a:r>
-              <a:rPr lang="zh-CN" altLang="en-US" dirty="0" smtClean="0"/>
-              <a:t> </a:t>
-            </a:r>
-            <a:r>
-              <a:rPr lang="en-US" altLang="zh-CN" dirty="0" smtClean="0"/>
-              <a:t>for</a:t>
-            </a:r>
-            <a:r>
-              <a:rPr lang="zh-CN" altLang="en-US" dirty="0" smtClean="0"/>
-              <a:t> </a:t>
-            </a:r>
-            <a:r>
-              <a:rPr lang="en-US" altLang="zh-CN" dirty="0" smtClean="0"/>
-              <a:t>each</a:t>
-            </a:r>
-            <a:r>
-              <a:rPr lang="en-US" dirty="0" smtClean="0"/>
               <a:t>)</a:t>
             </a:r>
-            <a:endParaRPr lang="en-US" dirty="0" smtClean="0"/>
           </a:p>
           <a:p>
             <a:pPr marL="514350" indent="-514350">
@@ -14911,17 +14258,13 @@
             </a:pPr>
             <a:r>
               <a:rPr lang="en-US" dirty="0"/>
-              <a:t>Detailed Comments (as long as </a:t>
-            </a:r>
-            <a:r>
-              <a:rPr lang="en-US" dirty="0" smtClean="0"/>
-              <a:t>necessary)</a:t>
+              <a:t>Detailed Comments (as long as necessary)</a:t>
             </a:r>
           </a:p>
           <a:p>
             <a:pPr marL="806958" lvl="1" indent="-514350"/>
             <a:r>
-              <a:rPr lang="en-US" sz="3200" dirty="0" smtClean="0">
+              <a:rPr lang="en-US" sz="3200" dirty="0">
                 <a:solidFill>
                   <a:schemeClr val="tx1">
                     <a:lumMod val="65000"/>
@@ -14932,8 +14275,11 @@
                 <a:ea typeface="Futura Condensed Medium" charset="0"/>
                 <a:cs typeface="Futura Condensed Medium" charset="0"/>
               </a:rPr>
-              <a:t>Novelty, Presentation</a:t>
-            </a:r>
+              <a:t>Novelty, Presentation, Significance, Technical Depth, Related Work</a:t>
+            </a:r>
+          </a:p>
+          <a:p>
+            <a:pPr marL="806958" lvl="1" indent="-514350"/>
             <a:r>
               <a:rPr lang="en-US" sz="3200" dirty="0">
                 <a:solidFill>
@@ -14946,122 +14292,7 @@
                 <a:ea typeface="Futura Condensed Medium" charset="0"/>
                 <a:cs typeface="Futura Condensed Medium" charset="0"/>
               </a:rPr>
-              <a:t>, </a:t>
-            </a:r>
-            <a:r>
-              <a:rPr lang="en-US" sz="3200" dirty="0" smtClean="0">
-                <a:solidFill>
-                  <a:schemeClr val="tx1">
-                    <a:lumMod val="65000"/>
-                    <a:lumOff val="35000"/>
-                  </a:schemeClr>
-                </a:solidFill>
-                <a:latin typeface="Futura Condensed Medium" charset="0"/>
-                <a:ea typeface="Futura Condensed Medium" charset="0"/>
-                <a:cs typeface="Futura Condensed Medium" charset="0"/>
-              </a:rPr>
-              <a:t>Significance, Technical Depth, Related Work</a:t>
-            </a:r>
-          </a:p>
-          <a:p>
-            <a:pPr marL="806958" lvl="1" indent="-514350"/>
-            <a:r>
-              <a:rPr lang="en-US" sz="3200" dirty="0" smtClean="0">
-                <a:solidFill>
-                  <a:schemeClr val="tx1">
-                    <a:lumMod val="65000"/>
-                    <a:lumOff val="35000"/>
-                  </a:schemeClr>
-                </a:solidFill>
-                <a:latin typeface="Futura Condensed Medium" charset="0"/>
-                <a:ea typeface="Futura Condensed Medium" charset="0"/>
-                <a:cs typeface="Futura Condensed Medium" charset="0"/>
-              </a:rPr>
-              <a:t>Technical flaws</a:t>
-            </a:r>
-            <a:r>
-              <a:rPr lang="en-US" sz="3200" dirty="0">
-                <a:solidFill>
-                  <a:schemeClr val="tx1">
-                    <a:lumMod val="65000"/>
-                    <a:lumOff val="35000"/>
-                  </a:schemeClr>
-                </a:solidFill>
-                <a:latin typeface="Futura Condensed Medium" charset="0"/>
-                <a:ea typeface="Futura Condensed Medium" charset="0"/>
-                <a:cs typeface="Futura Condensed Medium" charset="0"/>
-              </a:rPr>
-              <a:t>? </a:t>
-            </a:r>
-            <a:r>
-              <a:rPr lang="en-US" sz="3200" dirty="0" smtClean="0">
-                <a:solidFill>
-                  <a:schemeClr val="tx1">
-                    <a:lumMod val="65000"/>
-                    <a:lumOff val="35000"/>
-                  </a:schemeClr>
-                </a:solidFill>
-                <a:latin typeface="Futura Condensed Medium" charset="0"/>
-                <a:ea typeface="Futura Condensed Medium" charset="0"/>
-                <a:cs typeface="Futura Condensed Medium" charset="0"/>
-              </a:rPr>
-              <a:t>Unaddressed </a:t>
-            </a:r>
-            <a:r>
-              <a:rPr lang="en-US" sz="3200" dirty="0">
-                <a:solidFill>
-                  <a:schemeClr val="tx1">
-                    <a:lumMod val="65000"/>
-                    <a:lumOff val="35000"/>
-                  </a:schemeClr>
-                </a:solidFill>
-                <a:latin typeface="Futura Condensed Medium" charset="0"/>
-                <a:ea typeface="Futura Condensed Medium" charset="0"/>
-                <a:cs typeface="Futura Condensed Medium" charset="0"/>
-              </a:rPr>
-              <a:t>issues? A</a:t>
-            </a:r>
-            <a:r>
-              <a:rPr lang="en-US" sz="3200" dirty="0" smtClean="0">
-                <a:solidFill>
-                  <a:schemeClr val="tx1">
-                    <a:lumMod val="65000"/>
-                    <a:lumOff val="35000"/>
-                  </a:schemeClr>
-                </a:solidFill>
-                <a:latin typeface="Futura Condensed Medium" charset="0"/>
-                <a:ea typeface="Futura Condensed Medium" charset="0"/>
-                <a:cs typeface="Futura Condensed Medium" charset="0"/>
-              </a:rPr>
-              <a:t>ppropriate </a:t>
-            </a:r>
-            <a:r>
-              <a:rPr lang="en-US" sz="3200" dirty="0">
-                <a:solidFill>
-                  <a:schemeClr val="tx1">
-                    <a:lumMod val="65000"/>
-                    <a:lumOff val="35000"/>
-                  </a:schemeClr>
-                </a:solidFill>
-                <a:latin typeface="Futura Condensed Medium" charset="0"/>
-                <a:ea typeface="Futura Condensed Medium" charset="0"/>
-                <a:cs typeface="Futura Condensed Medium" charset="0"/>
-              </a:rPr>
-              <a:t>for the </a:t>
-            </a:r>
-            <a:r>
-              <a:rPr lang="en-US" sz="3200" dirty="0" smtClean="0">
-                <a:solidFill>
-                  <a:schemeClr val="tx1">
-                    <a:lumMod val="65000"/>
-                    <a:lumOff val="35000"/>
-                  </a:schemeClr>
-                </a:solidFill>
-                <a:latin typeface="Futura Condensed Medium" charset="0"/>
-                <a:ea typeface="Futura Condensed Medium" charset="0"/>
-                <a:cs typeface="Futura Condensed Medium" charset="0"/>
-              </a:rPr>
-              <a:t>venue?</a:t>
+              <a:t>Technical flaws? Unaddressed issues? Appropriate for the venue?</a:t>
             </a:r>
           </a:p>
           <a:p>
@@ -15076,7 +14307,7 @@
               <a:buFont typeface="+mj-lt"/>
               <a:buAutoNum type="arabicPeriod"/>
             </a:pPr>
-            <a:endParaRPr lang="en-US" dirty="0" smtClean="0"/>
+            <a:endParaRPr lang="en-US" dirty="0"/>
           </a:p>
           <a:p>
             <a:pPr marL="514350" indent="-514350">
@@ -15144,95 +14375,15 @@
               <a:t>Timothy Roscoe. </a:t>
             </a:r>
             <a:r>
-              <a:rPr lang="en-US" dirty="0" smtClean="0">
+              <a:rPr lang="en-US" dirty="0">
                 <a:hlinkClick r:id="rId2"/>
               </a:rPr>
               <a:t>Writing reviews for systems conferences</a:t>
             </a:r>
             <a:r>
-              <a:rPr lang="en-US" dirty="0" smtClean="0"/>
-              <a:t>. </a:t>
-            </a:r>
-            <a:r>
               <a:rPr lang="en-US" dirty="0"/>
-              <a:t>March 2007</a:t>
-            </a:r>
-          </a:p>
-        </p:txBody>
-      </p:sp>
-      <p:sp>
-        <p:nvSpPr>
-          <p:cNvPr id="4" name="Explosion 2 3"/>
-          <p:cNvSpPr/>
-          <p:nvPr/>
-        </p:nvSpPr>
-        <p:spPr>
-          <a:xfrm>
-            <a:off x="8744840" y="1476402"/>
-            <a:ext cx="2467643" cy="1534084"/>
-          </a:xfrm>
-          <a:prstGeom prst="irregularSeal2">
-            <a:avLst/>
-          </a:prstGeom>
-          <a:solidFill>
-            <a:srgbClr val="FFC000"/>
-          </a:solidFill>
-          <a:ln>
-            <a:solidFill>
-              <a:srgbClr val="FF0000"/>
-            </a:solidFill>
-          </a:ln>
-        </p:spPr>
-        <p:style>
-          <a:lnRef idx="2">
-            <a:schemeClr val="accent1">
-              <a:shade val="50000"/>
-            </a:schemeClr>
-          </a:lnRef>
-          <a:fillRef idx="1">
-            <a:schemeClr val="accent1"/>
-          </a:fillRef>
-          <a:effectRef idx="0">
-            <a:schemeClr val="accent1"/>
-          </a:effectRef>
-          <a:fontRef idx="minor">
-            <a:schemeClr val="lt1"/>
-          </a:fontRef>
-        </p:style>
-        <p:txBody>
-          <a:bodyPr rtlCol="0" anchor="ctr"/>
-          <a:lstStyle/>
-          <a:p>
-            <a:pPr algn="ctr"/>
-            <a:r>
-              <a:rPr lang="en-US" altLang="zh-CN" b="1" dirty="0" smtClean="0">
-                <a:solidFill>
-                  <a:srgbClr val="FF0000"/>
-                </a:solidFill>
-              </a:rPr>
-              <a:t>Long</a:t>
-            </a:r>
-            <a:r>
-              <a:rPr lang="zh-CN" altLang="en-US" b="1" dirty="0" smtClean="0">
-                <a:solidFill>
-                  <a:srgbClr val="FF0000"/>
-                </a:solidFill>
-              </a:rPr>
-              <a:t> </a:t>
-            </a:r>
-            <a:r>
-              <a:rPr lang="en-US" altLang="zh-CN" b="1" dirty="0" smtClean="0">
-                <a:solidFill>
-                  <a:srgbClr val="FF0000"/>
-                </a:solidFill>
-              </a:rPr>
-              <a:t>Review</a:t>
-            </a:r>
-            <a:endParaRPr lang="en-US" b="1" dirty="0">
-              <a:solidFill>
-                <a:srgbClr val="FF0000"/>
-              </a:solidFill>
-            </a:endParaRPr>
+              <a:t>. March 2007</a:t>
+            </a:r>
           </a:p>
         </p:txBody>
       </p:sp>
@@ -15246,84 +14397,6 @@
   <p:clrMapOvr>
     <a:masterClrMapping/>
   </p:clrMapOvr>
-  <p:timing>
-    <p:tnLst>
-      <p:par>
-        <p:cTn id="1" dur="indefinite" restart="never" nodeType="tmRoot">
-          <p:childTnLst>
-            <p:seq concurrent="1" nextAc="seek">
-              <p:cTn id="2" dur="indefinite" nodeType="mainSeq">
-                <p:childTnLst>
-                  <p:par>
-                    <p:cTn id="3" fill="hold">
-                      <p:stCondLst>
-                        <p:cond delay="indefinite"/>
-                      </p:stCondLst>
-                      <p:childTnLst>
-                        <p:par>
-                          <p:cTn id="4" fill="hold">
-                            <p:stCondLst>
-                              <p:cond delay="0"/>
-                            </p:stCondLst>
-                            <p:childTnLst>
-                              <p:par>
-                                <p:cTn id="5" presetID="1" presetClass="entr" presetSubtype="0" fill="hold" grpId="0" nodeType="clickEffect">
-                                  <p:stCondLst>
-                                    <p:cond delay="0"/>
-                                  </p:stCondLst>
-                                  <p:childTnLst>
-                                    <p:set>
-                                      <p:cBhvr>
-                                        <p:cTn id="6" dur="1" fill="hold">
-                                          <p:stCondLst>
-                                            <p:cond delay="0"/>
-                                          </p:stCondLst>
-                                        </p:cTn>
-                                        <p:tgtEl>
-                                          <p:spTgt spid="4"/>
-                                        </p:tgtEl>
-                                        <p:attrNameLst>
-                                          <p:attrName>style.visibility</p:attrName>
-                                        </p:attrNameLst>
-                                      </p:cBhvr>
-                                      <p:to>
-                                        <p:strVal val="visible"/>
-                                      </p:to>
-                                    </p:set>
-                                  </p:childTnLst>
-                                </p:cTn>
-                              </p:par>
-                            </p:childTnLst>
-                          </p:cTn>
-                        </p:par>
-                      </p:childTnLst>
-                    </p:cTn>
-                  </p:par>
-                </p:childTnLst>
-              </p:cTn>
-              <p:prevCondLst>
-                <p:cond evt="onPrev" delay="0">
-                  <p:tgtEl>
-                    <p:sldTgt/>
-                  </p:tgtEl>
-                </p:cond>
-              </p:prevCondLst>
-              <p:nextCondLst>
-                <p:cond evt="onNext" delay="0">
-                  <p:tgtEl>
-                    <p:sldTgt/>
-                  </p:tgtEl>
-                </p:cond>
-              </p:nextCondLst>
-            </p:seq>
-          </p:childTnLst>
-        </p:cTn>
-      </p:par>
-    </p:tnLst>
-    <p:bldLst>
-      <p:bldP spid="4" grpId="0" animBg="1"/>
-    </p:bldLst>
-  </p:timing>
 </p:sld>
 </file>
 
@@ -15360,10 +14433,9 @@
           <a:lstStyle/>
           <a:p>
             <a:r>
-              <a:rPr lang="en-US" dirty="0" smtClean="0"/>
+              <a:rPr lang="en-US" dirty="0"/>
               <a:t>Advice on writing reviews</a:t>
             </a:r>
-            <a:endParaRPr lang="en-US" dirty="0"/>
           </a:p>
         </p:txBody>
       </p:sp>
@@ -15390,20 +14462,20 @@
           <a:lstStyle/>
           <a:p>
             <a:r>
-              <a:rPr lang="en-US" dirty="0" smtClean="0"/>
+              <a:rPr lang="en-US" dirty="0"/>
               <a:t>Take notes while reading the paper</a:t>
             </a:r>
           </a:p>
           <a:p>
             <a:r>
-              <a:rPr lang="en-US" dirty="0" smtClean="0"/>
+              <a:rPr lang="en-US" dirty="0"/>
               <a:t>Make the review constructive</a:t>
             </a:r>
           </a:p>
           <a:p>
             <a:pPr lvl="2"/>
             <a:r>
-              <a:rPr lang="en-US" sz="3200" dirty="0" smtClean="0">
+              <a:rPr lang="en-US" sz="3200" dirty="0">
                 <a:solidFill>
                   <a:schemeClr val="tx1">
                     <a:lumMod val="65000"/>
@@ -15417,7 +14489,7 @@
               <a:t>The system doesn’t deal with </a:t>
             </a:r>
             <a:r>
-              <a:rPr lang="is-IS" sz="3200" dirty="0" smtClean="0">
+              <a:rPr lang="is-IS" sz="3200" dirty="0">
                 <a:solidFill>
                   <a:schemeClr val="tx1">
                     <a:lumMod val="65000"/>
@@ -15431,7 +14503,7 @@
               <a:t>…  </a:t>
             </a:r>
             <a:r>
-              <a:rPr lang="is-IS" sz="3200" dirty="0" smtClean="0">
+              <a:rPr lang="is-IS" sz="3200" dirty="0">
                 <a:solidFill>
                   <a:schemeClr val="tx1">
                     <a:lumMod val="65000"/>
@@ -15445,7 +14517,7 @@
               </a:rPr>
               <a:t> The paper would be much stronger if ...</a:t>
             </a:r>
-            <a:endParaRPr lang="en-US" sz="3200" dirty="0" smtClean="0">
+            <a:endParaRPr lang="en-US" sz="3200" dirty="0">
               <a:solidFill>
                 <a:schemeClr val="tx1">
                   <a:lumMod val="65000"/>
@@ -15460,26 +14532,13 @@
           <a:p>
             <a:r>
               <a:rPr lang="en-US" dirty="0"/>
-              <a:t>Criticize the paper, not </a:t>
-            </a:r>
-            <a:r>
-              <a:rPr lang="en-US" dirty="0" smtClean="0"/>
-              <a:t>the authors or the </a:t>
-            </a:r>
-            <a:r>
-              <a:rPr lang="en-US" dirty="0"/>
-              <a:t>work </a:t>
-            </a:r>
-            <a:r>
-              <a:rPr lang="en-US" dirty="0" smtClean="0"/>
-              <a:t>itself</a:t>
-            </a:r>
-            <a:endParaRPr lang="en-US" dirty="0"/>
+              <a:t>Criticize the paper, not the authors or the work itself</a:t>
+            </a:r>
           </a:p>
           <a:p>
             <a:pPr lvl="2"/>
             <a:r>
-              <a:rPr lang="en-US" sz="3200" dirty="0" smtClean="0">
+              <a:rPr lang="en-US" sz="3200" dirty="0">
                 <a:solidFill>
                   <a:schemeClr val="tx1">
                     <a:lumMod val="65000"/>
@@ -15493,7 +14552,7 @@
               <a:t>You should cite [1] </a:t>
             </a:r>
             <a:r>
-              <a:rPr lang="en-US" sz="3200" dirty="0" smtClean="0">
+              <a:rPr lang="en-US" sz="3200" dirty="0">
                 <a:solidFill>
                   <a:schemeClr val="tx1">
                     <a:lumMod val="65000"/>
@@ -15519,26 +14578,12 @@
                 <a:ea typeface="Futura Condensed Medium" charset="0"/>
                 <a:cs typeface="Futura Condensed Medium" charset="0"/>
               </a:rPr>
-              <a:t>which seems quite </a:t>
-            </a:r>
-            <a:r>
-              <a:rPr lang="en-US" sz="3200" dirty="0" smtClean="0">
-                <a:solidFill>
-                  <a:schemeClr val="tx1">
-                    <a:lumMod val="65000"/>
-                    <a:lumOff val="35000"/>
-                  </a:schemeClr>
-                </a:solidFill>
-                <a:latin typeface="Futura Condensed Medium" charset="0"/>
-                <a:ea typeface="Futura Condensed Medium" charset="0"/>
-                <a:cs typeface="Futura Condensed Medium" charset="0"/>
-              </a:rPr>
-              <a:t>similar</a:t>
-            </a:r>
-          </a:p>
-          <a:p>
-            <a:r>
-              <a:rPr lang="en-US" dirty="0" smtClean="0"/>
+              <a:t>which seems quite similar</a:t>
+            </a:r>
+          </a:p>
+          <a:p>
+            <a:r>
+              <a:rPr lang="en-US" dirty="0"/>
               <a:t>Avoid flat assertions</a:t>
             </a:r>
           </a:p>
@@ -15549,7 +14594,7 @@
               </a:buClr>
             </a:pPr>
             <a:r>
-              <a:rPr lang="en-US" sz="3200" dirty="0" smtClean="0">
+              <a:rPr lang="en-US" sz="3200" dirty="0">
                 <a:solidFill>
                   <a:schemeClr val="tx1">
                     <a:lumMod val="65000"/>
@@ -15575,10 +14620,10 @@
                 <a:cs typeface="Futura Condensed Medium" charset="0"/>
                 <a:sym typeface="Wingdings"/>
               </a:rPr>
-              <a:t> The description in the paper left me worried that </a:t>
-            </a:r>
-            <a:r>
-              <a:rPr lang="en-US" sz="3200" dirty="0" smtClean="0">
+              <a:t> The description in the paper left me worried that the algorithm breaks </a:t>
+            </a:r>
+            <a:r>
+              <a:rPr lang="en-US" sz="3200" dirty="0">
                 <a:solidFill>
                   <a:schemeClr val="tx1">
                     <a:lumMod val="65000"/>
@@ -15588,12 +14633,11 @@
                 <a:latin typeface="Futura Condensed Medium" charset="0"/>
                 <a:ea typeface="Futura Condensed Medium" charset="0"/>
                 <a:cs typeface="Futura Condensed Medium" charset="0"/>
-                <a:sym typeface="Wingdings"/>
-              </a:rPr>
-              <a:t>the algorithm </a:t>
-            </a:r>
-            <a:r>
-              <a:rPr lang="en-US" sz="3200" dirty="0">
+              </a:rPr>
+              <a:t>when n=1. For example, suppose </a:t>
+            </a:r>
+            <a:r>
+              <a:rPr lang="is-IS" sz="3200" dirty="0">
                 <a:solidFill>
                   <a:schemeClr val="tx1">
                     <a:lumMod val="65000"/>
@@ -15603,53 +14647,10 @@
                 <a:latin typeface="Futura Condensed Medium" charset="0"/>
                 <a:ea typeface="Futura Condensed Medium" charset="0"/>
                 <a:cs typeface="Futura Condensed Medium" charset="0"/>
-                <a:sym typeface="Wingdings"/>
-              </a:rPr>
-              <a:t>breaks </a:t>
-            </a:r>
-            <a:r>
-              <a:rPr lang="en-US" sz="3200" dirty="0">
-                <a:solidFill>
-                  <a:schemeClr val="tx1">
-                    <a:lumMod val="65000"/>
-                    <a:lumOff val="35000"/>
-                  </a:schemeClr>
-                </a:solidFill>
-                <a:latin typeface="Futura Condensed Medium" charset="0"/>
-                <a:ea typeface="Futura Condensed Medium" charset="0"/>
-                <a:cs typeface="Futura Condensed Medium" charset="0"/>
-              </a:rPr>
-              <a:t>when </a:t>
-            </a:r>
-            <a:r>
-              <a:rPr lang="en-US" sz="3200" dirty="0" smtClean="0">
-                <a:solidFill>
-                  <a:schemeClr val="tx1">
-                    <a:lumMod val="65000"/>
-                    <a:lumOff val="35000"/>
-                  </a:schemeClr>
-                </a:solidFill>
-                <a:latin typeface="Futura Condensed Medium" charset="0"/>
-                <a:ea typeface="Futura Condensed Medium" charset="0"/>
-                <a:cs typeface="Futura Condensed Medium" charset="0"/>
-              </a:rPr>
-              <a:t>n=1. For example, suppose </a:t>
-            </a:r>
-            <a:r>
-              <a:rPr lang="is-IS" sz="3200" dirty="0" smtClean="0">
-                <a:solidFill>
-                  <a:schemeClr val="tx1">
-                    <a:lumMod val="65000"/>
-                    <a:lumOff val="35000"/>
-                  </a:schemeClr>
-                </a:solidFill>
-                <a:latin typeface="Futura Condensed Medium" charset="0"/>
-                <a:ea typeface="Futura Condensed Medium" charset="0"/>
-                <a:cs typeface="Futura Condensed Medium" charset="0"/>
               </a:rPr>
               <a:t>…</a:t>
             </a:r>
-            <a:endParaRPr lang="en-US" dirty="0" smtClean="0">
+            <a:endParaRPr lang="en-US" dirty="0">
               <a:solidFill>
                 <a:schemeClr val="tx1">
                   <a:lumMod val="65000"/>
@@ -16106,10 +15107,9 @@
           <a:lstStyle/>
           <a:p>
             <a:r>
-              <a:rPr lang="en-US" dirty="0" smtClean="0"/>
+              <a:rPr lang="en-US" dirty="0"/>
               <a:t>Asking Questions at Talks</a:t>
             </a:r>
-            <a:endParaRPr lang="en-US" dirty="0"/>
           </a:p>
         </p:txBody>
       </p:sp>
@@ -16129,11 +15129,11 @@
           <a:lstStyle/>
           <a:p>
             <a:r>
-              <a:rPr lang="en-US" dirty="0" smtClean="0"/>
+              <a:rPr lang="en-US" dirty="0"/>
               <a:t>Why to ask</a:t>
             </a:r>
             <a:r>
-              <a:rPr lang="en-US" dirty="0" smtClean="0">
+              <a:rPr lang="en-US" dirty="0">
                 <a:latin typeface="Rockwell" charset="0"/>
                 <a:ea typeface="Rockwell" charset="0"/>
                 <a:cs typeface="Rockwell" charset="0"/>
@@ -16144,7 +15144,7 @@
           <a:p>
             <a:pPr lvl="2"/>
             <a:r>
-              <a:rPr lang="en-US" sz="3200" dirty="0" smtClean="0">
+              <a:rPr lang="en-US" sz="3200" dirty="0">
                 <a:solidFill>
                   <a:schemeClr val="tx1">
                     <a:lumMod val="65000"/>
@@ -16161,7 +15161,7 @@
           <a:p>
             <a:pPr lvl="2"/>
             <a:r>
-              <a:rPr lang="en-US" sz="3200" dirty="0" smtClean="0">
+              <a:rPr lang="en-US" sz="3200" dirty="0">
                 <a:solidFill>
                   <a:schemeClr val="tx1">
                     <a:lumMod val="65000"/>
@@ -16178,7 +15178,7 @@
           <a:p>
             <a:pPr lvl="2"/>
             <a:r>
-              <a:rPr lang="en-US" sz="3200" dirty="0" smtClean="0">
+              <a:rPr lang="en-US" sz="3200" dirty="0">
                 <a:solidFill>
                   <a:schemeClr val="tx1">
                     <a:lumMod val="65000"/>
@@ -16195,7 +15195,7 @@
           <a:p>
             <a:pPr lvl="2"/>
             <a:r>
-              <a:rPr lang="en-US" sz="3200" dirty="0" smtClean="0">
+              <a:rPr lang="en-US" sz="3200" dirty="0">
                 <a:solidFill>
                   <a:schemeClr val="tx1">
                     <a:lumMod val="65000"/>
@@ -16212,7 +15212,7 @@
           <a:p>
             <a:pPr lvl="2"/>
             <a:r>
-              <a:rPr lang="en-US" sz="3200" dirty="0" smtClean="0">
+              <a:rPr lang="en-US" sz="3200" dirty="0">
                 <a:solidFill>
                   <a:schemeClr val="tx1">
                     <a:lumMod val="65000"/>
@@ -16223,21 +15223,7 @@
                 <a:ea typeface="Futura Condensed Medium" charset="0"/>
                 <a:cs typeface="Futura Condensed Medium" charset="0"/>
               </a:rPr>
-              <a:t> Show </a:t>
-            </a:r>
-            <a:r>
-              <a:rPr lang="en-US" sz="3200" dirty="0">
-                <a:solidFill>
-                  <a:schemeClr val="tx1">
-                    <a:lumMod val="65000"/>
-                    <a:lumOff val="35000"/>
-                  </a:schemeClr>
-                </a:solidFill>
-                <a:latin typeface="Futura Condensed Medium" charset="0"/>
-                <a:ea typeface="Futura Condensed Medium" charset="0"/>
-                <a:cs typeface="Futura Condensed Medium" charset="0"/>
-              </a:rPr>
-              <a:t>respect to a speaker</a:t>
+              <a:t> Show respect to a speaker</a:t>
             </a:r>
           </a:p>
           <a:p>
@@ -16611,10 +15597,9 @@
           <a:lstStyle/>
           <a:p>
             <a:r>
-              <a:rPr lang="en-US" dirty="0" smtClean="0"/>
+              <a:rPr lang="en-US" dirty="0"/>
               <a:t>Guidance</a:t>
             </a:r>
-            <a:endParaRPr lang="en-US" dirty="0"/>
           </a:p>
         </p:txBody>
       </p:sp>
@@ -16636,101 +15621,8 @@
           <a:lstStyle/>
           <a:p>
             <a:r>
-              <a:rPr lang="en-US" dirty="0" smtClean="0"/>
+              <a:rPr lang="en-US" dirty="0"/>
               <a:t>What to ask</a:t>
-            </a:r>
-            <a:r>
-              <a:rPr lang="en-US" dirty="0" smtClean="0">
-                <a:latin typeface="Rockwell" charset="0"/>
-                <a:ea typeface="Rockwell" charset="0"/>
-                <a:cs typeface="Rockwell" charset="0"/>
-              </a:rPr>
-              <a:t>?</a:t>
-            </a:r>
-            <a:endParaRPr lang="en-US" sz="3200" dirty="0" smtClean="0">
-              <a:latin typeface="Futura Condensed Medium" charset="0"/>
-              <a:ea typeface="Futura Condensed Medium" charset="0"/>
-              <a:cs typeface="Futura Condensed Medium" charset="0"/>
-            </a:endParaRPr>
-          </a:p>
-          <a:p>
-            <a:pPr lvl="2"/>
-            <a:r>
-              <a:rPr lang="en-US" sz="3200" dirty="0">
-                <a:latin typeface="Futura Condensed Medium" charset="0"/>
-                <a:ea typeface="Futura Condensed Medium" charset="0"/>
-                <a:cs typeface="Futura Condensed Medium" charset="0"/>
-              </a:rPr>
-              <a:t> </a:t>
-            </a:r>
-            <a:r>
-              <a:rPr lang="en-US" sz="3200" dirty="0" smtClean="0">
-                <a:solidFill>
-                  <a:schemeClr val="tx1">
-                    <a:lumMod val="65000"/>
-                    <a:lumOff val="35000"/>
-                  </a:schemeClr>
-                </a:solidFill>
-                <a:latin typeface="Futura Condensed Medium" charset="0"/>
-                <a:ea typeface="Futura Condensed Medium" charset="0"/>
-                <a:cs typeface="Futura Condensed Medium" charset="0"/>
-              </a:rPr>
-              <a:t>Asking </a:t>
-            </a:r>
-            <a:r>
-              <a:rPr lang="en-US" sz="3200" dirty="0">
-                <a:solidFill>
-                  <a:schemeClr val="tx1">
-                    <a:lumMod val="65000"/>
-                    <a:lumOff val="35000"/>
-                  </a:schemeClr>
-                </a:solidFill>
-                <a:latin typeface="Futura Condensed Medium" charset="0"/>
-                <a:ea typeface="Futura Condensed Medium" charset="0"/>
-                <a:cs typeface="Futura Condensed Medium" charset="0"/>
-              </a:rPr>
-              <a:t>Questions ≈ </a:t>
-            </a:r>
-            <a:r>
-              <a:rPr lang="en-US" sz="3200" dirty="0" smtClean="0">
-                <a:solidFill>
-                  <a:schemeClr val="tx1">
-                    <a:lumMod val="65000"/>
-                    <a:lumOff val="35000"/>
-                  </a:schemeClr>
-                </a:solidFill>
-                <a:latin typeface="Futura Condensed Medium" charset="0"/>
-                <a:ea typeface="Futura Condensed Medium" charset="0"/>
-                <a:cs typeface="Futura Condensed Medium" charset="0"/>
-              </a:rPr>
-              <a:t>Online Paper Review</a:t>
-            </a:r>
-          </a:p>
-          <a:p>
-            <a:pPr lvl="2"/>
-            <a:r>
-              <a:rPr lang="en-US" sz="3200" dirty="0" smtClean="0">
-                <a:solidFill>
-                  <a:schemeClr val="tx1">
-                    <a:lumMod val="65000"/>
-                    <a:lumOff val="35000"/>
-                  </a:schemeClr>
-                </a:solidFill>
-                <a:latin typeface="Futura Condensed Medium" charset="0"/>
-                <a:ea typeface="Futura Condensed Medium" charset="0"/>
-                <a:cs typeface="Futura Condensed Medium" charset="0"/>
-              </a:rPr>
-              <a:t> Critical Thinking* </a:t>
-            </a:r>
-          </a:p>
-          <a:p>
-            <a:r>
-              <a:rPr lang="en-US" dirty="0" smtClean="0"/>
-              <a:t>How to </a:t>
-            </a:r>
-            <a:r>
-              <a:rPr lang="en-US" dirty="0"/>
-              <a:t>ask</a:t>
             </a:r>
             <a:r>
               <a:rPr lang="en-US" dirty="0">
@@ -16757,7 +15649,7 @@
               <a:t> </a:t>
             </a:r>
             <a:r>
-              <a:rPr lang="en-US" sz="3200" dirty="0" smtClean="0">
+              <a:rPr lang="en-US" sz="3200" dirty="0">
                 <a:solidFill>
                   <a:schemeClr val="tx1">
                     <a:lumMod val="65000"/>
@@ -16768,13 +15660,13 @@
                 <a:ea typeface="Futura Condensed Medium" charset="0"/>
                 <a:cs typeface="Futura Condensed Medium" charset="0"/>
               </a:rPr>
-              <a:t>Be clear about what you want to know</a:t>
+              <a:t>Asking Questions ≈ Online Paper Review</a:t>
             </a:r>
           </a:p>
           <a:p>
             <a:pPr lvl="2"/>
             <a:r>
-              <a:rPr lang="en-US" sz="3200" dirty="0" smtClean="0">
+              <a:rPr lang="en-US" sz="3200" dirty="0">
                 <a:solidFill>
                   <a:schemeClr val="tx1">
                     <a:lumMod val="65000"/>
@@ -16785,15 +15677,23 @@
                 <a:ea typeface="Futura Condensed Medium" charset="0"/>
                 <a:cs typeface="Futura Condensed Medium" charset="0"/>
               </a:rPr>
-              <a:t> Provide context if necessary</a:t>
+              <a:t> Critical Thinking* </a:t>
+            </a:r>
+          </a:p>
+          <a:p>
+            <a:r>
+              <a:rPr lang="en-US" dirty="0"/>
+              <a:t>How to ask</a:t>
+            </a:r>
+            <a:r>
+              <a:rPr lang="en-US" dirty="0">
+                <a:latin typeface="Rockwell" charset="0"/>
+                <a:ea typeface="Rockwell" charset="0"/>
+                <a:cs typeface="Rockwell" charset="0"/>
+              </a:rPr>
+              <a:t>?</a:t>
             </a:r>
             <a:endParaRPr lang="en-US" sz="3200" dirty="0">
-              <a:solidFill>
-                <a:schemeClr val="tx1">
-                  <a:lumMod val="65000"/>
-                  <a:lumOff val="35000"/>
-                </a:schemeClr>
-              </a:solidFill>
               <a:latin typeface="Futura Condensed Medium" charset="0"/>
               <a:ea typeface="Futura Condensed Medium" charset="0"/>
               <a:cs typeface="Futura Condensed Medium" charset="0"/>
@@ -16802,7 +15702,15 @@
           <a:p>
             <a:pPr lvl="2"/>
             <a:r>
-              <a:rPr lang="en-US" sz="3200" dirty="0" smtClean="0">
+              <a:rPr lang="en-US" sz="3200" dirty="0">
+                <a:latin typeface="Futura Condensed Medium" charset="0"/>
+                <a:ea typeface="Futura Condensed Medium" charset="0"/>
+                <a:cs typeface="Futura Condensed Medium" charset="0"/>
+              </a:rPr>
+              <a:t> </a:t>
+            </a:r>
+            <a:r>
+              <a:rPr lang="en-US" sz="3200" dirty="0">
                 <a:solidFill>
                   <a:schemeClr val="tx1">
                     <a:lumMod val="65000"/>
@@ -16813,10 +15721,13 @@
                 <a:ea typeface="Futura Condensed Medium" charset="0"/>
                 <a:cs typeface="Futura Condensed Medium" charset="0"/>
               </a:rPr>
-              <a:t> Challeng</a:t>
-            </a:r>
-            <a:r>
-              <a:rPr lang="en-US" altLang="zh-CN" sz="3200" dirty="0" smtClean="0">
+              <a:t>Be clear about what you want to know</a:t>
+            </a:r>
+          </a:p>
+          <a:p>
+            <a:pPr lvl="2"/>
+            <a:r>
+              <a:rPr lang="en-US" sz="3200" dirty="0">
                 <a:solidFill>
                   <a:schemeClr val="tx1">
                     <a:lumMod val="65000"/>
@@ -16827,10 +15738,13 @@
                 <a:ea typeface="Futura Condensed Medium" charset="0"/>
                 <a:cs typeface="Futura Condensed Medium" charset="0"/>
               </a:rPr>
-              <a:t>e</a:t>
-            </a:r>
-            <a:r>
-              <a:rPr lang="en-US" sz="3200" dirty="0" smtClean="0">
+              <a:t> Provide context if necessary</a:t>
+            </a:r>
+          </a:p>
+          <a:p>
+            <a:pPr lvl="2"/>
+            <a:r>
+              <a:rPr lang="en-US" sz="3200" dirty="0">
                 <a:solidFill>
                   <a:schemeClr val="tx1">
                     <a:lumMod val="65000"/>
@@ -16841,19 +15755,36 @@
                 <a:ea typeface="Futura Condensed Medium" charset="0"/>
                 <a:cs typeface="Futura Condensed Medium" charset="0"/>
               </a:rPr>
+              <a:t> Challeng</a:t>
+            </a:r>
+            <a:r>
+              <a:rPr lang="en-US" altLang="zh-CN" sz="3200" dirty="0">
+                <a:solidFill>
+                  <a:schemeClr val="tx1">
+                    <a:lumMod val="65000"/>
+                    <a:lumOff val="35000"/>
+                  </a:schemeClr>
+                </a:solidFill>
+                <a:latin typeface="Futura Condensed Medium" charset="0"/>
+                <a:ea typeface="Futura Condensed Medium" charset="0"/>
+                <a:cs typeface="Futura Condensed Medium" charset="0"/>
+              </a:rPr>
+              <a:t>e</a:t>
+            </a:r>
+            <a:r>
+              <a:rPr lang="en-US" sz="3200" dirty="0">
+                <a:solidFill>
+                  <a:schemeClr val="tx1">
+                    <a:lumMod val="65000"/>
+                    <a:lumOff val="35000"/>
+                  </a:schemeClr>
+                </a:solidFill>
+                <a:latin typeface="Futura Condensed Medium" charset="0"/>
+                <a:ea typeface="Futura Condensed Medium" charset="0"/>
+                <a:cs typeface="Futura Condensed Medium" charset="0"/>
+              </a:rPr>
               <a:t> the speaker in a constructive way  </a:t>
             </a:r>
-            <a:endParaRPr lang="en-US" sz="3200" dirty="0">
-              <a:solidFill>
-                <a:schemeClr val="tx1">
-                  <a:lumMod val="65000"/>
-                  <a:lumOff val="35000"/>
-                </a:schemeClr>
-              </a:solidFill>
-              <a:latin typeface="Futura Condensed Medium" charset="0"/>
-              <a:ea typeface="Futura Condensed Medium" charset="0"/>
-              <a:cs typeface="Futura Condensed Medium" charset="0"/>
-            </a:endParaRPr>
           </a:p>
           <a:p>
             <a:pPr lvl="2"/>
@@ -16928,32 +15859,14 @@
           <a:lstStyle/>
           <a:p>
             <a:r>
-              <a:rPr lang="en-US" dirty="0" smtClean="0"/>
-              <a:t>* M</a:t>
-            </a:r>
-            <a:r>
               <a:rPr lang="en-US" dirty="0"/>
-              <a:t>. Neil Browne </a:t>
-            </a:r>
-            <a:r>
-              <a:rPr lang="en-US" dirty="0" smtClean="0"/>
-              <a:t>and Stuart </a:t>
-            </a:r>
-            <a:r>
-              <a:rPr lang="en-US" dirty="0"/>
-              <a:t>M. Keeley. </a:t>
+              <a:t>* M. Neil Browne and Stuart M. Keeley. </a:t>
             </a:r>
             <a:r>
               <a:rPr lang="en-US" dirty="0">
                 <a:hlinkClick r:id="rId2"/>
               </a:rPr>
-              <a:t>Asking the Right </a:t>
-            </a:r>
-            <a:r>
-              <a:rPr lang="en-US" dirty="0" smtClean="0">
-                <a:hlinkClick r:id="rId2"/>
-              </a:rPr>
-              <a:t>Questions</a:t>
+              <a:t>Asking the Right Questions</a:t>
             </a:r>
             <a:endParaRPr lang="en-US" dirty="0"/>
           </a:p>
@@ -17359,7 +16272,7 @@
           <a:lstStyle/>
           <a:p>
             <a:r>
-              <a:rPr lang="en-US" altLang="zh-CN" dirty="0" smtClean="0">
+              <a:rPr lang="en-US" altLang="zh-CN" dirty="0">
                 <a:latin typeface="Futura Medium" charset="0"/>
                 <a:ea typeface="Futura Medium" charset="0"/>
                 <a:cs typeface="Futura Medium" charset="0"/>
@@ -17367,7 +16280,7 @@
               <a:t>Essential</a:t>
             </a:r>
             <a:r>
-              <a:rPr lang="zh-CN" altLang="en-US" dirty="0" smtClean="0">
+              <a:rPr lang="zh-CN" altLang="en-US" dirty="0">
                 <a:latin typeface="Futura Medium" charset="0"/>
                 <a:ea typeface="Futura Medium" charset="0"/>
                 <a:cs typeface="Futura Medium" charset="0"/>
@@ -17375,7 +16288,7 @@
               <a:t> </a:t>
             </a:r>
             <a:r>
-              <a:rPr lang="en-US" altLang="zh-CN" dirty="0" smtClean="0">
+              <a:rPr lang="en-US" altLang="zh-CN" dirty="0">
                 <a:latin typeface="Futura Medium" charset="0"/>
                 <a:ea typeface="Futura Medium" charset="0"/>
                 <a:cs typeface="Futura Medium" charset="0"/>
@@ -17769,18 +16682,18 @@
           </a:lstStyle>
           <a:p>
             <a:r>
-              <a:rPr lang="en-US" altLang="zh-CN" sz="3200" dirty="0" smtClean="0"/>
+              <a:rPr lang="en-US" altLang="zh-CN" sz="3200" dirty="0"/>
               <a:t>Reading</a:t>
             </a:r>
             <a:r>
-              <a:rPr lang="zh-CN" altLang="en-US" sz="3200" dirty="0" smtClean="0"/>
+              <a:rPr lang="zh-CN" altLang="en-US" sz="3200" dirty="0"/>
               <a:t> </a:t>
             </a:r>
             <a:r>
-              <a:rPr lang="en-US" altLang="zh-CN" sz="3200" dirty="0" smtClean="0"/>
+              <a:rPr lang="en-US" altLang="zh-CN" sz="3200" dirty="0"/>
               <a:t>Papers</a:t>
             </a:r>
-            <a:endParaRPr lang="zh-CN" altLang="en-US" sz="3200" dirty="0" smtClean="0"/>
+            <a:endParaRPr lang="zh-CN" altLang="en-US" sz="3200" dirty="0"/>
           </a:p>
         </p:txBody>
       </p:sp>
@@ -18106,15 +17019,15 @@
               </a:spcBef>
             </a:pPr>
             <a:r>
-              <a:rPr lang="en-US" altLang="zh-CN" sz="3200" smtClean="0"/>
+              <a:rPr lang="en-US" altLang="zh-CN" sz="3200"/>
               <a:t>Presentation</a:t>
             </a:r>
-            <a:endParaRPr lang="zh-CN" altLang="en-US" sz="3200" smtClean="0"/>
+            <a:endParaRPr lang="zh-CN" altLang="en-US" sz="3200"/>
           </a:p>
           <a:p>
             <a:pPr lvl="2"/>
             <a:r>
-              <a:rPr lang="en-US" altLang="zh-CN" sz="2800" smtClean="0">
+              <a:rPr lang="en-US" altLang="zh-CN" sz="2800">
                 <a:latin typeface="Futura Condensed Medium" charset="0"/>
                 <a:ea typeface="Futura Condensed Medium" charset="0"/>
                 <a:cs typeface="Futura Condensed Medium" charset="0"/>
@@ -18122,7 +17035,7 @@
               <a:t>Giving</a:t>
             </a:r>
             <a:r>
-              <a:rPr lang="zh-CN" altLang="en-US" sz="2800" smtClean="0">
+              <a:rPr lang="zh-CN" altLang="en-US" sz="2800">
                 <a:latin typeface="Futura Condensed Medium" charset="0"/>
                 <a:ea typeface="Futura Condensed Medium" charset="0"/>
                 <a:cs typeface="Futura Condensed Medium" charset="0"/>
@@ -18130,7 +17043,7 @@
               <a:t> </a:t>
             </a:r>
             <a:r>
-              <a:rPr lang="en-US" altLang="zh-CN" sz="2800" smtClean="0">
+              <a:rPr lang="en-US" altLang="zh-CN" sz="2800">
                 <a:latin typeface="Futura Condensed Medium" charset="0"/>
                 <a:ea typeface="Futura Condensed Medium" charset="0"/>
                 <a:cs typeface="Futura Condensed Medium" charset="0"/>
@@ -18141,21 +17054,21 @@
           <a:p>
             <a:pPr lvl="2"/>
             <a:r>
-              <a:rPr lang="is-IS" altLang="zh-CN" sz="2800" smtClean="0">
+              <a:rPr lang="is-IS" altLang="zh-CN" sz="2800">
                 <a:latin typeface="Futura Condensed Medium" charset="0"/>
                 <a:ea typeface="Futura Condensed Medium" charset="0"/>
                 <a:cs typeface="Futura Condensed Medium" charset="0"/>
               </a:rPr>
               <a:t>…</a:t>
             </a:r>
-            <a:endParaRPr lang="zh-CN" altLang="en-US" sz="2800" smtClean="0">
+            <a:endParaRPr lang="zh-CN" altLang="en-US" sz="2800">
               <a:latin typeface="Futura Condensed Medium" charset="0"/>
               <a:ea typeface="Futura Condensed Medium" charset="0"/>
               <a:cs typeface="Futura Condensed Medium" charset="0"/>
             </a:endParaRPr>
           </a:p>
           <a:p>
-            <a:endParaRPr lang="zh-CN" altLang="en-US" sz="3200" smtClean="0"/>
+            <a:endParaRPr lang="zh-CN" altLang="en-US" sz="3200"/>
           </a:p>
           <a:p>
             <a:endParaRPr lang="en-US" sz="3200" dirty="0"/>
@@ -18436,15 +17349,15 @@
               </a:spcBef>
             </a:pPr>
             <a:r>
-              <a:rPr lang="en-US" altLang="zh-CN" sz="3200" dirty="0" smtClean="0"/>
+              <a:rPr lang="en-US" altLang="zh-CN" sz="3200" dirty="0"/>
               <a:t>Critical Thinking</a:t>
             </a:r>
-            <a:endParaRPr lang="zh-CN" altLang="en-US" sz="3200" dirty="0" smtClean="0"/>
+            <a:endParaRPr lang="zh-CN" altLang="en-US" sz="3200" dirty="0"/>
           </a:p>
           <a:p>
             <a:pPr lvl="2"/>
             <a:r>
-              <a:rPr lang="en-US" altLang="zh-CN" sz="2800" dirty="0" smtClean="0">
+              <a:rPr lang="en-US" altLang="zh-CN" sz="2800" dirty="0">
                 <a:solidFill>
                   <a:schemeClr val="tx1">
                     <a:lumMod val="65000"/>
@@ -18458,7 +17371,7 @@
               <a:t>Reviewing</a:t>
             </a:r>
             <a:r>
-              <a:rPr lang="zh-CN" altLang="en-US" sz="2800" dirty="0" smtClean="0">
+              <a:rPr lang="zh-CN" altLang="en-US" sz="2800" dirty="0">
                 <a:solidFill>
                   <a:schemeClr val="tx1">
                     <a:lumMod val="65000"/>
@@ -18472,7 +17385,7 @@
               <a:t> </a:t>
             </a:r>
             <a:r>
-              <a:rPr lang="en-US" altLang="zh-CN" sz="2800" dirty="0" smtClean="0">
+              <a:rPr lang="en-US" altLang="zh-CN" sz="2800" dirty="0">
                 <a:solidFill>
                   <a:schemeClr val="tx1">
                     <a:lumMod val="65000"/>
@@ -18517,7 +17430,7 @@
               <a:t> </a:t>
             </a:r>
             <a:r>
-              <a:rPr lang="en-US" altLang="zh-CN" sz="2800" dirty="0" smtClean="0">
+              <a:rPr lang="en-US" altLang="zh-CN" sz="2800" dirty="0">
                 <a:solidFill>
                   <a:schemeClr val="tx1">
                     <a:lumMod val="65000"/>
@@ -18534,7 +17447,7 @@
           <a:p>
             <a:pPr lvl="2"/>
             <a:r>
-              <a:rPr lang="is-IS" altLang="zh-CN" sz="2800" dirty="0" smtClean="0">
+              <a:rPr lang="is-IS" altLang="zh-CN" sz="2800" dirty="0">
                 <a:solidFill>
                   <a:schemeClr val="tx1">
                     <a:lumMod val="65000"/>
@@ -18561,7 +17474,7 @@
           </a:p>
           <a:p>
             <a:pPr lvl="2"/>
-            <a:endParaRPr lang="zh-CN" altLang="en-US" sz="2800" dirty="0" smtClean="0">
+            <a:endParaRPr lang="zh-CN" altLang="en-US" sz="2800" dirty="0">
               <a:latin typeface="Futura Condensed Medium" charset="0"/>
               <a:ea typeface="Futura Condensed Medium" charset="0"/>
               <a:cs typeface="Futura Condensed Medium" charset="0"/>
@@ -18697,10 +17610,9 @@
           <a:lstStyle/>
           <a:p>
             <a:r>
-              <a:rPr lang="en-US" dirty="0" smtClean="0"/>
+              <a:rPr lang="en-US" dirty="0"/>
               <a:t>Plenty of Opportunities</a:t>
             </a:r>
-            <a:endParaRPr lang="en-US" dirty="0"/>
           </a:p>
         </p:txBody>
       </p:sp>
@@ -18728,84 +17640,44 @@
           <a:p>
             <a:r>
               <a:rPr lang="en-US" dirty="0"/>
-              <a:t>Give a talk in a </a:t>
-            </a:r>
-            <a:r>
-              <a:rPr lang="en-US" dirty="0" smtClean="0"/>
-              <a:t>conference</a:t>
-            </a:r>
-          </a:p>
-          <a:p>
-            <a:r>
-              <a:rPr lang="en-US" dirty="0" smtClean="0"/>
-              <a:t>Give a talk </a:t>
-            </a:r>
+              <a:t>Give a talk in a conference</a:t>
+            </a:r>
+          </a:p>
+          <a:p>
             <a:r>
               <a:rPr lang="en-US" dirty="0"/>
-              <a:t>in </a:t>
-            </a:r>
-            <a:r>
-              <a:rPr lang="en-US" dirty="0" smtClean="0"/>
-              <a:t>class</a:t>
-            </a:r>
-          </a:p>
-          <a:p>
-            <a:r>
-              <a:rPr lang="en-US" dirty="0" smtClean="0"/>
-              <a:t>Give </a:t>
-            </a:r>
+              <a:t>Give a talk in class</a:t>
+            </a:r>
+          </a:p>
+          <a:p>
             <a:r>
               <a:rPr lang="en-US" dirty="0"/>
-              <a:t>a talk in a meeting with your </a:t>
-            </a:r>
-            <a:r>
-              <a:rPr lang="en-US" dirty="0" smtClean="0"/>
-              <a:t>advisor</a:t>
-            </a:r>
-          </a:p>
-          <a:p>
-            <a:r>
-              <a:rPr lang="en-US" dirty="0" smtClean="0"/>
-              <a:t>Give </a:t>
-            </a:r>
+              <a:t>Give a talk in a meeting with your advisor</a:t>
+            </a:r>
+          </a:p>
+          <a:p>
             <a:r>
               <a:rPr lang="en-US" dirty="0"/>
-              <a:t>a talk in a group </a:t>
-            </a:r>
-            <a:r>
-              <a:rPr lang="en-US" dirty="0" smtClean="0"/>
-              <a:t>meeting</a:t>
-            </a:r>
-          </a:p>
-          <a:p>
-            <a:r>
-              <a:rPr lang="en-US" dirty="0" smtClean="0"/>
-              <a:t>Give a talk in PhD </a:t>
-            </a:r>
+              <a:t>Give a talk in a group meeting</a:t>
+            </a:r>
+          </a:p>
+          <a:p>
             <a:r>
               <a:rPr lang="en-US" dirty="0"/>
-              <a:t>Depth </a:t>
-            </a:r>
-            <a:r>
-              <a:rPr lang="en-US" dirty="0" smtClean="0"/>
-              <a:t>Exam</a:t>
+              <a:t>Give a talk in PhD Depth Exam</a:t>
             </a:r>
           </a:p>
           <a:p>
             <a:r>
               <a:rPr lang="en-US" dirty="0"/>
-              <a:t>Give a talk in </a:t>
-            </a:r>
-            <a:r>
-              <a:rPr lang="en-US" dirty="0" smtClean="0"/>
-              <a:t>PhD Thesis Defense</a:t>
-            </a:r>
-          </a:p>
-          <a:p>
-            <a:endParaRPr lang="en-US" dirty="0" smtClean="0"/>
-          </a:p>
-          <a:p>
-            <a:endParaRPr lang="en-US" dirty="0" smtClean="0"/>
+              <a:t>Give a talk in PhD Thesis Defense</a:t>
+            </a:r>
+          </a:p>
+          <a:p>
+            <a:endParaRPr lang="en-US" dirty="0"/>
+          </a:p>
+          <a:p>
+            <a:endParaRPr lang="en-US" dirty="0"/>
           </a:p>
           <a:p>
             <a:pPr marL="0" indent="0">
@@ -18855,13 +17727,6 @@
   <p:clrMapOvr>
     <a:masterClrMapping/>
   </p:clrMapOvr>
-  <p:timing>
-    <p:tnLst>
-      <p:par>
-        <p:cTn id="1" dur="indefinite" restart="never" nodeType="tmRoot"/>
-      </p:par>
-    </p:tnLst>
-  </p:timing>
 </p:sld>
 </file>
 
@@ -18898,31 +17763,31 @@
           <a:lstStyle/>
           <a:p>
             <a:r>
-              <a:rPr lang="en-US" altLang="zh-CN" dirty="0" smtClean="0"/>
+              <a:rPr lang="en-US" altLang="zh-CN" dirty="0"/>
               <a:t>What</a:t>
             </a:r>
             <a:r>
-              <a:rPr lang="zh-CN" altLang="en-US" dirty="0" smtClean="0"/>
+              <a:rPr lang="zh-CN" altLang="en-US" dirty="0"/>
               <a:t> </a:t>
             </a:r>
             <a:r>
-              <a:rPr lang="en-US" altLang="zh-CN" dirty="0" smtClean="0"/>
+              <a:rPr lang="en-US" altLang="zh-CN" dirty="0"/>
               <a:t>is</a:t>
             </a:r>
             <a:r>
-              <a:rPr lang="zh-CN" altLang="en-US" dirty="0" smtClean="0"/>
+              <a:rPr lang="zh-CN" altLang="en-US" dirty="0"/>
               <a:t> </a:t>
             </a:r>
             <a:r>
-              <a:rPr lang="en-US" altLang="zh-CN" dirty="0" smtClean="0"/>
+              <a:rPr lang="en-US" altLang="zh-CN" dirty="0"/>
               <a:t>a</a:t>
             </a:r>
             <a:r>
-              <a:rPr lang="zh-CN" altLang="en-US" dirty="0" smtClean="0"/>
+              <a:rPr lang="zh-CN" altLang="en-US" dirty="0"/>
               <a:t> </a:t>
             </a:r>
             <a:r>
-              <a:rPr lang="en-US" altLang="zh-CN" dirty="0" smtClean="0"/>
+              <a:rPr lang="en-US" altLang="zh-CN" dirty="0"/>
               <a:t>PhD?</a:t>
             </a:r>
             <a:endParaRPr lang="en-US" dirty="0"/>
@@ -18975,26 +17840,20 @@
           <a:lstStyle/>
           <a:p>
             <a:r>
-              <a:rPr lang="en-US" altLang="zh-CN" dirty="0" smtClean="0"/>
+              <a:rPr lang="en-US" altLang="zh-CN" dirty="0"/>
               <a:t>From</a:t>
             </a:r>
             <a:r>
-              <a:rPr lang="zh-CN" altLang="en-US" dirty="0" smtClean="0"/>
+              <a:rPr lang="zh-CN" altLang="en-US" dirty="0"/>
               <a:t> </a:t>
             </a:r>
             <a:r>
               <a:rPr lang="en-US" altLang="zh-CN" dirty="0">
                 <a:hlinkClick r:id="rId3"/>
               </a:rPr>
-              <a:t>http://matt.might.net/articles/phd-school-in-pictures</a:t>
-            </a:r>
-            <a:r>
-              <a:rPr lang="en-US" altLang="zh-CN" dirty="0" smtClean="0">
-                <a:hlinkClick r:id="rId3"/>
-              </a:rPr>
-              <a:t>/</a:t>
-            </a:r>
-            <a:endParaRPr lang="zh-CN" altLang="en-US" dirty="0" smtClean="0"/>
+              <a:t>http://matt.might.net/articles/phd-school-in-pictures/</a:t>
+            </a:r>
+            <a:endParaRPr lang="zh-CN" altLang="en-US" dirty="0"/>
           </a:p>
           <a:p>
             <a:endParaRPr lang="en-US" dirty="0"/>
@@ -19084,36 +17943,15 @@
               </a:rPr>
               <a:t>that contains </a:t>
             </a:r>
-            <a:endParaRPr lang="en-US" sz="3200" dirty="0" smtClean="0">
-              <a:latin typeface="Futura Medium" charset="0"/>
-              <a:ea typeface="Futura Medium" charset="0"/>
-              <a:cs typeface="Futura Medium" charset="0"/>
-            </a:endParaRPr>
-          </a:p>
-          <a:p>
-            <a:r>
-              <a:rPr lang="en-US" sz="4400" b="1" dirty="0" smtClean="0">
-                <a:latin typeface="Franklin Gothic Heavy" charset="0"/>
-                <a:ea typeface="Franklin Gothic Heavy" charset="0"/>
-                <a:cs typeface="Franklin Gothic Heavy" charset="0"/>
-              </a:rPr>
-              <a:t>all </a:t>
-            </a:r>
+          </a:p>
+          <a:p>
             <a:r>
               <a:rPr lang="en-US" sz="4400" b="1" dirty="0">
                 <a:latin typeface="Franklin Gothic Heavy" charset="0"/>
                 <a:ea typeface="Franklin Gothic Heavy" charset="0"/>
                 <a:cs typeface="Franklin Gothic Heavy" charset="0"/>
               </a:rPr>
-              <a:t>of human </a:t>
-            </a:r>
-            <a:r>
-              <a:rPr lang="en-US" sz="4400" b="1" dirty="0" smtClean="0">
-                <a:latin typeface="Franklin Gothic Heavy" charset="0"/>
-                <a:ea typeface="Franklin Gothic Heavy" charset="0"/>
-                <a:cs typeface="Franklin Gothic Heavy" charset="0"/>
-              </a:rPr>
-              <a:t>knowledge</a:t>
+              <a:t>all of human knowledge</a:t>
             </a:r>
             <a:endParaRPr lang="en-US" sz="3200" dirty="0">
               <a:latin typeface="Franklin Gothic Heavy" charset="0"/>
@@ -19133,13 +17971,6 @@
   <p:clrMapOvr>
     <a:masterClrMapping/>
   </p:clrMapOvr>
-  <p:timing>
-    <p:tnLst>
-      <p:par>
-        <p:cTn id="1" dur="indefinite" restart="never" nodeType="tmRoot"/>
-      </p:par>
-    </p:tnLst>
-  </p:timing>
 </p:sld>
 </file>
 
@@ -19176,10 +18007,9 @@
           <a:lstStyle/>
           <a:p>
             <a:r>
-              <a:rPr lang="en-US" dirty="0" smtClean="0"/>
+              <a:rPr lang="en-US" dirty="0"/>
               <a:t>Why giving a talk?</a:t>
             </a:r>
-            <a:endParaRPr lang="en-US" dirty="0"/>
           </a:p>
         </p:txBody>
       </p:sp>
@@ -19234,21 +18064,8 @@
                 <a:ea typeface="Franklin Gothic Heavy" charset="0"/>
                 <a:cs typeface="Franklin Gothic Heavy" charset="0"/>
               </a:rPr>
-              <a:t>C</a:t>
-            </a:r>
-            <a:r>
-              <a:rPr lang="en-US" sz="4400" b="1" dirty="0" smtClean="0">
-                <a:latin typeface="Franklin Gothic Heavy" charset="0"/>
-                <a:ea typeface="Franklin Gothic Heavy" charset="0"/>
-                <a:cs typeface="Franklin Gothic Heavy" charset="0"/>
-              </a:rPr>
-              <a:t>ommunication</a:t>
-            </a:r>
-            <a:endParaRPr lang="en-US" sz="4400" b="1" dirty="0">
-              <a:latin typeface="Franklin Gothic Heavy" charset="0"/>
-              <a:ea typeface="Franklin Gothic Heavy" charset="0"/>
-              <a:cs typeface="Franklin Gothic Heavy" charset="0"/>
-            </a:endParaRPr>
+              <a:t>Communication</a:t>
+            </a:r>
           </a:p>
         </p:txBody>
       </p:sp>
@@ -19275,7 +18092,7 @@
           <a:lstStyle/>
           <a:p>
             <a:r>
-              <a:rPr lang="en-US" sz="2800" dirty="0" smtClean="0">
+              <a:rPr lang="en-US" sz="2800" dirty="0">
                 <a:latin typeface="Futura Medium" charset="0"/>
                 <a:ea typeface="Futura Medium" charset="0"/>
                 <a:cs typeface="Futura Medium" charset="0"/>
@@ -19283,7 +18100,7 @@
               <a:t>Convey </a:t>
             </a:r>
             <a:r>
-              <a:rPr lang="en-US" sz="2800" dirty="0" smtClean="0">
+              <a:rPr lang="en-US" sz="2800" dirty="0">
                 <a:solidFill>
                   <a:srgbClr val="FF7200"/>
                 </a:solidFill>
@@ -19294,7 +18111,7 @@
               <a:t>complex</a:t>
             </a:r>
             <a:r>
-              <a:rPr lang="en-US" sz="2800" dirty="0" smtClean="0">
+              <a:rPr lang="en-US" sz="2800" dirty="0">
                 <a:latin typeface="Futura Medium" charset="0"/>
                 <a:ea typeface="Futura Medium" charset="0"/>
                 <a:cs typeface="Futura Medium" charset="0"/>
@@ -19302,7 +18119,7 @@
               <a:t> information in a </a:t>
             </a:r>
             <a:r>
-              <a:rPr lang="en-US" sz="2800" dirty="0" smtClean="0">
+              <a:rPr lang="en-US" sz="2800" dirty="0">
                 <a:solidFill>
                   <a:srgbClr val="00AFFF"/>
                 </a:solidFill>
@@ -19313,18 +18130,13 @@
               <a:t>simple</a:t>
             </a:r>
             <a:r>
-              <a:rPr lang="en-US" sz="2800" dirty="0" smtClean="0">
+              <a:rPr lang="en-US" sz="2800" dirty="0">
                 <a:latin typeface="Futura Medium" charset="0"/>
                 <a:ea typeface="Futura Medium" charset="0"/>
                 <a:cs typeface="Futura Medium" charset="0"/>
               </a:rPr>
               <a:t> way</a:t>
             </a:r>
-            <a:endParaRPr lang="en-US" sz="2800" dirty="0">
-              <a:latin typeface="Futura Medium" charset="0"/>
-              <a:ea typeface="Futura Medium" charset="0"/>
-              <a:cs typeface="Futura Medium" charset="0"/>
-            </a:endParaRPr>
           </a:p>
         </p:txBody>
       </p:sp>
@@ -19351,7 +18163,7 @@
           <a:lstStyle/>
           <a:p>
             <a:r>
-              <a:rPr lang="en-US" sz="2800" dirty="0" smtClean="0">
+              <a:rPr lang="en-US" sz="2800" dirty="0">
                 <a:latin typeface="Futura Medium" charset="0"/>
                 <a:ea typeface="Futura Medium" charset="0"/>
                 <a:cs typeface="Futura Medium" charset="0"/>
@@ -19359,7 +18171,7 @@
               <a:t>Excite and motivate the </a:t>
             </a:r>
             <a:r>
-              <a:rPr lang="en-US" sz="2800" dirty="0" smtClean="0">
+              <a:rPr lang="en-US" sz="2800" dirty="0">
                 <a:solidFill>
                   <a:srgbClr val="00E10C"/>
                 </a:solidFill>
@@ -19369,14 +18181,6 @@
               </a:rPr>
               <a:t>audience</a:t>
             </a:r>
-            <a:endParaRPr lang="en-US" sz="2800" dirty="0">
-              <a:solidFill>
-                <a:srgbClr val="00E10C"/>
-              </a:solidFill>
-              <a:latin typeface="Futura Medium" charset="0"/>
-              <a:ea typeface="Futura Medium" charset="0"/>
-              <a:cs typeface="Futura Medium" charset="0"/>
-            </a:endParaRPr>
           </a:p>
         </p:txBody>
       </p:sp>
@@ -19390,13 +18194,6 @@
   <p:clrMapOvr>
     <a:masterClrMapping/>
   </p:clrMapOvr>
-  <p:timing>
-    <p:tnLst>
-      <p:par>
-        <p:cTn id="1" dur="indefinite" restart="never" nodeType="tmRoot"/>
-      </p:par>
-    </p:tnLst>
-  </p:timing>
 </p:sld>
 </file>
 
@@ -19433,10 +18230,9 @@
           <a:lstStyle/>
           <a:p>
             <a:r>
-              <a:rPr lang="en-US" dirty="0" smtClean="0"/>
+              <a:rPr lang="en-US" dirty="0"/>
               <a:t>How to prepare a talk?</a:t>
             </a:r>
-            <a:endParaRPr lang="en-US" dirty="0"/>
           </a:p>
         </p:txBody>
       </p:sp>
@@ -19463,86 +18259,53 @@
           <a:lstStyle/>
           <a:p>
             <a:r>
-              <a:rPr lang="en-US" b="1" dirty="0" smtClean="0"/>
+              <a:rPr lang="en-US" b="1" dirty="0"/>
               <a:t>Step 1: </a:t>
             </a:r>
             <a:r>
-              <a:rPr lang="en-US" dirty="0" smtClean="0"/>
-              <a:t>Come up with a message </a:t>
-            </a:r>
-            <a:r>
               <a:rPr lang="en-US" dirty="0"/>
-              <a:t>o</a:t>
-            </a:r>
-            <a:r>
-              <a:rPr lang="en-US" dirty="0" smtClean="0"/>
-              <a:t>bjective</a:t>
-            </a:r>
-          </a:p>
-          <a:p>
-            <a:r>
-              <a:rPr lang="en-US" b="1" dirty="0" smtClean="0"/>
+              <a:t>Come up with a message objective</a:t>
+            </a:r>
+          </a:p>
+          <a:p>
+            <a:r>
+              <a:rPr lang="en-US" b="1" dirty="0"/>
               <a:t>Step 2: </a:t>
             </a:r>
             <a:r>
-              <a:rPr lang="en-US" dirty="0" smtClean="0"/>
-              <a:t>Come up with no </a:t>
-            </a:r>
-            <a:r>
               <a:rPr lang="en-US" dirty="0"/>
-              <a:t>m</a:t>
-            </a:r>
-            <a:r>
-              <a:rPr lang="en-US" dirty="0" smtClean="0"/>
-              <a:t>ore </a:t>
+              <a:t>Come up with no more than 3 points in support of your message objective</a:t>
+            </a:r>
+          </a:p>
+          <a:p>
+            <a:r>
+              <a:rPr lang="en-US" b="1" dirty="0"/>
+              <a:t>Step 3: </a:t>
             </a:r>
             <a:r>
               <a:rPr lang="en-US" dirty="0"/>
-              <a:t>t</a:t>
-            </a:r>
-            <a:r>
-              <a:rPr lang="en-US" dirty="0" smtClean="0"/>
-              <a:t>han 3 points in support of your </a:t>
+              <a:t>Determine the evidence to support each point</a:t>
+            </a:r>
+          </a:p>
+          <a:p>
+            <a:r>
+              <a:rPr lang="en-US" b="1" dirty="0"/>
+              <a:t>Step 4: </a:t>
             </a:r>
             <a:r>
               <a:rPr lang="en-US" dirty="0"/>
-              <a:t>m</a:t>
-            </a:r>
-            <a:r>
-              <a:rPr lang="en-US" dirty="0" smtClean="0"/>
-              <a:t>essage objective</a:t>
-            </a:r>
-          </a:p>
-          <a:p>
-            <a:r>
-              <a:rPr lang="en-US" b="1" dirty="0" smtClean="0"/>
-              <a:t>Step 3: </a:t>
-            </a:r>
-            <a:r>
-              <a:rPr lang="en-US" dirty="0" smtClean="0"/>
-              <a:t>Determine the evidence to support each point</a:t>
-            </a:r>
-          </a:p>
-          <a:p>
-            <a:r>
-              <a:rPr lang="en-US" b="1" dirty="0" smtClean="0"/>
-              <a:t>Step 4: </a:t>
-            </a:r>
-            <a:r>
-              <a:rPr lang="en-US" dirty="0" smtClean="0"/>
               <a:t>Determine your hook</a:t>
             </a:r>
           </a:p>
           <a:p>
             <a:r>
-              <a:rPr lang="en-US" b="1" dirty="0" smtClean="0"/>
+              <a:rPr lang="en-US" b="1" dirty="0"/>
               <a:t>Step 5: </a:t>
             </a:r>
             <a:r>
-              <a:rPr lang="en-US" dirty="0" smtClean="0"/>
+              <a:rPr lang="en-US" dirty="0"/>
               <a:t>Determine your wrap-up</a:t>
             </a:r>
-            <a:endParaRPr lang="en-US" dirty="0"/>
           </a:p>
         </p:txBody>
       </p:sp>
@@ -19593,29 +18356,18 @@
           <a:p>
             <a:r>
               <a:rPr lang="en-US" dirty="0"/>
-              <a:t>Joey </a:t>
-            </a:r>
-            <a:r>
-              <a:rPr lang="en-US" dirty="0" smtClean="0"/>
-              <a:t>Asher. </a:t>
-            </a:r>
-            <a:r>
-              <a:rPr lang="en-US" dirty="0" smtClean="0">
-                <a:hlinkClick r:id="rId2"/>
-              </a:rPr>
-              <a:t>Even </a:t>
+              <a:t>Joey Asher. </a:t>
             </a:r>
             <a:r>
               <a:rPr lang="en-US" dirty="0">
                 <a:hlinkClick r:id="rId2"/>
               </a:rPr>
-              <a:t>a Geek Can Speak: Low-tech Presentation Skills for High-tech People. </a:t>
-            </a:r>
-            <a:r>
-              <a:rPr lang="en-US" dirty="0" smtClean="0"/>
+              <a:t>Even a Geek Can Speak: Low-tech Presentation Skills for High-tech People. </a:t>
+            </a:r>
+            <a:r>
+              <a:rPr lang="en-US" dirty="0"/>
               <a:t> 2006</a:t>
             </a:r>
-            <a:endParaRPr lang="en-US" dirty="0"/>
           </a:p>
         </p:txBody>
       </p:sp>
@@ -19629,13 +18381,6 @@
   <p:clrMapOvr>
     <a:masterClrMapping/>
   </p:clrMapOvr>
-  <p:timing>
-    <p:tnLst>
-      <p:par>
-        <p:cTn id="1" dur="indefinite" restart="never" nodeType="tmRoot"/>
-      </p:par>
-    </p:tnLst>
-  </p:timing>
 </p:sld>
 </file>
 
@@ -19674,10 +18419,9 @@
           <a:lstStyle/>
           <a:p>
             <a:r>
-              <a:rPr lang="en-US" dirty="0" smtClean="0"/>
+              <a:rPr lang="en-US" dirty="0"/>
               <a:t>Steps in Preparing a Talk - 1</a:t>
             </a:r>
-            <a:endParaRPr lang="en-US" dirty="0"/>
           </a:p>
         </p:txBody>
       </p:sp>
@@ -19702,7 +18446,7 @@
           <a:lstStyle/>
           <a:p>
             <a:r>
-              <a:rPr lang="en-US" sz="3600" dirty="0" smtClean="0">
+              <a:rPr lang="en-US" sz="3600" dirty="0">
                 <a:latin typeface="Franklin Gothic Heavy" charset="0"/>
                 <a:ea typeface="Franklin Gothic Heavy" charset="0"/>
                 <a:cs typeface="Franklin Gothic Heavy" charset="0"/>
@@ -19710,7 +18454,7 @@
               <a:t>Step 1: </a:t>
             </a:r>
             <a:r>
-              <a:rPr lang="en-US" dirty="0" smtClean="0"/>
+              <a:rPr lang="en-US" dirty="0"/>
               <a:t>Come up with a Message Objective</a:t>
             </a:r>
           </a:p>
@@ -20013,7 +18757,7 @@
               </a:lnSpc>
             </a:pPr>
             <a:r>
-              <a:rPr lang="en-US" sz="3200" dirty="0" smtClean="0">
+              <a:rPr lang="en-US" sz="3200" dirty="0">
                 <a:latin typeface="Franklin Gothic Heavy" charset="0"/>
                 <a:ea typeface="Franklin Gothic Heavy" charset="0"/>
                 <a:cs typeface="Franklin Gothic Heavy" charset="0"/>
@@ -20021,7 +18765,7 @@
               <a:t>Why? </a:t>
             </a:r>
             <a:r>
-              <a:rPr lang="en-US" sz="3200" dirty="0" smtClean="0">
+              <a:rPr lang="en-US" sz="3200" dirty="0">
                 <a:latin typeface="Futura Condensed Medium" charset="0"/>
                 <a:ea typeface="Futura Condensed Medium" charset="0"/>
                 <a:cs typeface="Futura Condensed Medium" charset="0"/>
@@ -20036,7 +18780,7 @@
               </a:lnSpc>
             </a:pPr>
             <a:r>
-              <a:rPr lang="en-US" sz="3200" dirty="0" smtClean="0">
+              <a:rPr lang="en-US" sz="3200" dirty="0">
                 <a:latin typeface="Franklin Gothic Heavy" charset="0"/>
                 <a:ea typeface="Franklin Gothic Heavy" charset="0"/>
                 <a:cs typeface="Franklin Gothic Heavy" charset="0"/>
@@ -20044,7 +18788,7 @@
               <a:t>How? </a:t>
             </a:r>
             <a:r>
-              <a:rPr lang="en-US" sz="3200" dirty="0" smtClean="0">
+              <a:rPr lang="en-US" sz="3200" dirty="0">
                 <a:latin typeface="Futura Condensed Medium" charset="0"/>
                 <a:ea typeface="Futura Condensed Medium" charset="0"/>
                 <a:cs typeface="Futura Condensed Medium" charset="0"/>
@@ -20052,7 +18796,7 @@
               <a:t>Bring together </a:t>
             </a:r>
             <a:r>
-              <a:rPr lang="en-US" sz="3200" dirty="0" smtClean="0">
+              <a:rPr lang="en-US" sz="3200" dirty="0">
                 <a:solidFill>
                   <a:srgbClr val="FF7200"/>
                 </a:solidFill>
@@ -20063,7 +18807,7 @@
               <a:t>what you want </a:t>
             </a:r>
             <a:r>
-              <a:rPr lang="en-US" sz="3200" dirty="0" smtClean="0">
+              <a:rPr lang="en-US" sz="3200" dirty="0">
                 <a:latin typeface="Futura Condensed Medium" charset="0"/>
                 <a:ea typeface="Futura Condensed Medium" charset="0"/>
                 <a:cs typeface="Futura Condensed Medium" charset="0"/>
@@ -20071,7 +18815,7 @@
               <a:t>with </a:t>
             </a:r>
             <a:r>
-              <a:rPr lang="en-US" sz="3200" dirty="0" smtClean="0">
+              <a:rPr lang="en-US" sz="3200" dirty="0">
                 <a:solidFill>
                   <a:srgbClr val="00AFFF"/>
                 </a:solidFill>
@@ -20081,7 +18825,7 @@
               </a:rPr>
               <a:t>what the audience wants</a:t>
             </a:r>
-            <a:endParaRPr lang="en-US" sz="3200" dirty="0" smtClean="0">
+            <a:endParaRPr lang="en-US" sz="3200" dirty="0">
               <a:latin typeface="Futura Condensed Medium" charset="0"/>
               <a:ea typeface="Futura Condensed Medium" charset="0"/>
               <a:cs typeface="Futura Condensed Medium" charset="0"/>
@@ -20120,7 +18864,7 @@
           <a:lstStyle/>
           <a:p>
             <a:r>
-              <a:rPr lang="en-US" altLang="zh-CN" sz="3200" dirty="0" smtClean="0">
+              <a:rPr lang="en-US" altLang="zh-CN" sz="3200" dirty="0">
                 <a:latin typeface="Franklin Gothic Heavy" charset="0"/>
                 <a:ea typeface="Franklin Gothic Heavy" charset="0"/>
                 <a:cs typeface="Franklin Gothic Heavy" charset="0"/>
@@ -20128,7 +18872,7 @@
               <a:t>Example</a:t>
             </a:r>
             <a:r>
-              <a:rPr lang="en-US" sz="3200" dirty="0" smtClean="0">
+              <a:rPr lang="en-US" sz="3200" dirty="0">
                 <a:latin typeface="Franklin Gothic Heavy" charset="0"/>
                 <a:ea typeface="Franklin Gothic Heavy" charset="0"/>
                 <a:cs typeface="Franklin Gothic Heavy" charset="0"/>
@@ -20136,7 +18880,7 @@
               <a:t>: </a:t>
             </a:r>
             <a:r>
-              <a:rPr lang="en-US" altLang="zh-CN" sz="3200" dirty="0" smtClean="0">
+              <a:rPr lang="en-US" altLang="zh-CN" sz="3200" dirty="0">
                 <a:latin typeface="Futura Condensed Medium" charset="0"/>
                 <a:ea typeface="Futura Condensed Medium" charset="0"/>
                 <a:cs typeface="Futura Condensed Medium" charset="0"/>
@@ -20144,7 +18888,7 @@
               <a:t>By</a:t>
             </a:r>
             <a:r>
-              <a:rPr lang="zh-CN" altLang="en-US" sz="3200" dirty="0" smtClean="0">
+              <a:rPr lang="zh-CN" altLang="en-US" sz="3200" dirty="0">
                 <a:latin typeface="Futura Condensed Medium" charset="0"/>
                 <a:ea typeface="Futura Condensed Medium" charset="0"/>
                 <a:cs typeface="Futura Condensed Medium" charset="0"/>
@@ -20152,7 +18896,7 @@
               <a:t> </a:t>
             </a:r>
             <a:r>
-              <a:rPr lang="en-US" altLang="zh-CN" sz="3200" dirty="0" smtClean="0">
+              <a:rPr lang="en-US" altLang="zh-CN" sz="3200" dirty="0">
                 <a:solidFill>
                   <a:srgbClr val="FF7200"/>
                 </a:solidFill>
@@ -20163,7 +18907,7 @@
               <a:t>mastering</a:t>
             </a:r>
             <a:r>
-              <a:rPr lang="zh-CN" altLang="en-US" sz="3200" dirty="0" smtClean="0">
+              <a:rPr lang="zh-CN" altLang="en-US" sz="3200" dirty="0">
                 <a:solidFill>
                   <a:srgbClr val="FF7200"/>
                 </a:solidFill>
@@ -20174,7 +18918,7 @@
               <a:t> </a:t>
             </a:r>
             <a:r>
-              <a:rPr lang="en-US" altLang="zh-CN" sz="3200" dirty="0" smtClean="0">
+              <a:rPr lang="en-US" altLang="zh-CN" sz="3200" dirty="0">
                 <a:solidFill>
                   <a:srgbClr val="FF7200"/>
                 </a:solidFill>
@@ -20185,7 +18929,7 @@
               <a:t>the</a:t>
             </a:r>
             <a:r>
-              <a:rPr lang="zh-CN" altLang="en-US" sz="3200" dirty="0" smtClean="0">
+              <a:rPr lang="zh-CN" altLang="en-US" sz="3200" dirty="0">
                 <a:solidFill>
                   <a:srgbClr val="FF7200"/>
                 </a:solidFill>
@@ -20196,7 +18940,7 @@
               <a:t> </a:t>
             </a:r>
             <a:r>
-              <a:rPr lang="en-US" altLang="zh-CN" sz="3200" dirty="0" smtClean="0">
+              <a:rPr lang="en-US" altLang="zh-CN" sz="3200" dirty="0">
                 <a:solidFill>
                   <a:srgbClr val="FF7200"/>
                 </a:solidFill>
@@ -20207,7 +18951,7 @@
               <a:t>essential</a:t>
             </a:r>
             <a:r>
-              <a:rPr lang="zh-CN" altLang="en-US" sz="3200" dirty="0" smtClean="0">
+              <a:rPr lang="zh-CN" altLang="en-US" sz="3200" dirty="0">
                 <a:solidFill>
                   <a:srgbClr val="FF7200"/>
                 </a:solidFill>
@@ -20218,7 +18962,7 @@
               <a:t> </a:t>
             </a:r>
             <a:r>
-              <a:rPr lang="en-US" altLang="zh-CN" sz="3200" dirty="0" smtClean="0">
+              <a:rPr lang="en-US" altLang="zh-CN" sz="3200" dirty="0">
                 <a:solidFill>
                   <a:srgbClr val="FF7200"/>
                 </a:solidFill>
@@ -20229,7 +18973,7 @@
               <a:t>skills</a:t>
             </a:r>
             <a:r>
-              <a:rPr lang="en-US" altLang="zh-CN" sz="3200" dirty="0" smtClean="0">
+              <a:rPr lang="en-US" altLang="zh-CN" sz="3200" dirty="0">
                 <a:latin typeface="Futura Condensed Medium" charset="0"/>
                 <a:ea typeface="Futura Condensed Medium" charset="0"/>
                 <a:cs typeface="Futura Condensed Medium" charset="0"/>
@@ -20237,7 +18981,7 @@
               <a:t>,</a:t>
             </a:r>
             <a:r>
-              <a:rPr lang="zh-CN" altLang="en-US" sz="3200" dirty="0" smtClean="0">
+              <a:rPr lang="zh-CN" altLang="en-US" sz="3200" dirty="0">
                 <a:latin typeface="Futura Condensed Medium" charset="0"/>
                 <a:ea typeface="Futura Condensed Medium" charset="0"/>
                 <a:cs typeface="Futura Condensed Medium" charset="0"/>
@@ -20245,7 +18989,7 @@
               <a:t> </a:t>
             </a:r>
             <a:r>
-              <a:rPr lang="en-US" altLang="zh-CN" sz="3200" dirty="0" smtClean="0">
+              <a:rPr lang="en-US" altLang="zh-CN" sz="3200" dirty="0">
                 <a:latin typeface="Futura Condensed Medium" charset="0"/>
                 <a:ea typeface="Futura Condensed Medium" charset="0"/>
                 <a:cs typeface="Futura Condensed Medium" charset="0"/>
@@ -20253,7 +18997,7 @@
               <a:t>students</a:t>
             </a:r>
             <a:r>
-              <a:rPr lang="zh-CN" altLang="en-US" sz="3200" dirty="0" smtClean="0">
+              <a:rPr lang="zh-CN" altLang="en-US" sz="3200" dirty="0">
                 <a:latin typeface="Futura Condensed Medium" charset="0"/>
                 <a:ea typeface="Futura Condensed Medium" charset="0"/>
                 <a:cs typeface="Futura Condensed Medium" charset="0"/>
@@ -20261,7 +19005,7 @@
               <a:t> </a:t>
             </a:r>
             <a:r>
-              <a:rPr lang="en-US" altLang="zh-CN" sz="3200" dirty="0" smtClean="0">
+              <a:rPr lang="en-US" altLang="zh-CN" sz="3200" dirty="0">
                 <a:latin typeface="Futura Condensed Medium" charset="0"/>
                 <a:ea typeface="Futura Condensed Medium" charset="0"/>
                 <a:cs typeface="Futura Condensed Medium" charset="0"/>
@@ -20269,7 +19013,7 @@
               <a:t>will</a:t>
             </a:r>
             <a:r>
-              <a:rPr lang="zh-CN" altLang="en-US" sz="3200" dirty="0" smtClean="0">
+              <a:rPr lang="zh-CN" altLang="en-US" sz="3200" dirty="0">
                 <a:latin typeface="Futura Condensed Medium" charset="0"/>
                 <a:ea typeface="Futura Condensed Medium" charset="0"/>
                 <a:cs typeface="Futura Condensed Medium" charset="0"/>
@@ -20277,7 +19021,7 @@
               <a:t> </a:t>
             </a:r>
             <a:r>
-              <a:rPr lang="en-US" altLang="zh-CN" sz="3200" dirty="0" smtClean="0">
+              <a:rPr lang="en-US" altLang="zh-CN" sz="3200" dirty="0">
                 <a:latin typeface="Futura Condensed Medium" charset="0"/>
                 <a:ea typeface="Futura Condensed Medium" charset="0"/>
                 <a:cs typeface="Futura Condensed Medium" charset="0"/>
@@ -20285,7 +19029,7 @@
               <a:t>have</a:t>
             </a:r>
             <a:r>
-              <a:rPr lang="zh-CN" altLang="en-US" sz="3200" dirty="0" smtClean="0">
+              <a:rPr lang="zh-CN" altLang="en-US" sz="3200" dirty="0">
                 <a:latin typeface="Futura Condensed Medium" charset="0"/>
                 <a:ea typeface="Futura Condensed Medium" charset="0"/>
                 <a:cs typeface="Futura Condensed Medium" charset="0"/>
@@ -20293,7 +19037,7 @@
               <a:t> </a:t>
             </a:r>
             <a:r>
-              <a:rPr lang="en-US" altLang="zh-CN" sz="3200" dirty="0" smtClean="0">
+              <a:rPr lang="en-US" altLang="zh-CN" sz="3200" dirty="0">
                 <a:latin typeface="Futura Condensed Medium" charset="0"/>
                 <a:ea typeface="Futura Condensed Medium" charset="0"/>
                 <a:cs typeface="Futura Condensed Medium" charset="0"/>
@@ -20301,7 +19045,7 @@
               <a:t>a</a:t>
             </a:r>
             <a:r>
-              <a:rPr lang="zh-CN" altLang="en-US" sz="3200" dirty="0" smtClean="0">
+              <a:rPr lang="zh-CN" altLang="en-US" sz="3200" dirty="0">
                 <a:latin typeface="Futura Condensed Medium" charset="0"/>
                 <a:ea typeface="Futura Condensed Medium" charset="0"/>
                 <a:cs typeface="Futura Condensed Medium" charset="0"/>
@@ -20309,7 +19053,7 @@
               <a:t> </a:t>
             </a:r>
             <a:r>
-              <a:rPr lang="en-US" altLang="zh-CN" sz="3200" dirty="0" smtClean="0">
+              <a:rPr lang="en-US" altLang="zh-CN" sz="3200" dirty="0">
                 <a:latin typeface="Futura Condensed Medium" charset="0"/>
                 <a:ea typeface="Futura Condensed Medium" charset="0"/>
                 <a:cs typeface="Futura Condensed Medium" charset="0"/>
@@ -20317,7 +19061,7 @@
               <a:t>higher</a:t>
             </a:r>
             <a:r>
-              <a:rPr lang="zh-CN" altLang="en-US" sz="3200" dirty="0" smtClean="0">
+              <a:rPr lang="zh-CN" altLang="en-US" sz="3200" dirty="0">
                 <a:latin typeface="Futura Condensed Medium" charset="0"/>
                 <a:ea typeface="Futura Condensed Medium" charset="0"/>
                 <a:cs typeface="Futura Condensed Medium" charset="0"/>
@@ -20325,7 +19069,7 @@
               <a:t> </a:t>
             </a:r>
             <a:r>
-              <a:rPr lang="en-US" altLang="zh-CN" sz="3200" dirty="0" smtClean="0">
+              <a:rPr lang="en-US" altLang="zh-CN" sz="3200" dirty="0">
                 <a:latin typeface="Futura Condensed Medium" charset="0"/>
                 <a:ea typeface="Futura Condensed Medium" charset="0"/>
                 <a:cs typeface="Futura Condensed Medium" charset="0"/>
@@ -20333,7 +19077,7 @@
               <a:t>chance</a:t>
             </a:r>
             <a:r>
-              <a:rPr lang="zh-CN" altLang="en-US" sz="3200" dirty="0" smtClean="0">
+              <a:rPr lang="zh-CN" altLang="en-US" sz="3200" dirty="0">
                 <a:latin typeface="Futura Condensed Medium" charset="0"/>
                 <a:ea typeface="Futura Condensed Medium" charset="0"/>
                 <a:cs typeface="Futura Condensed Medium" charset="0"/>
@@ -20341,7 +19085,7 @@
               <a:t> </a:t>
             </a:r>
             <a:r>
-              <a:rPr lang="en-US" altLang="zh-CN" sz="3200" dirty="0" smtClean="0">
+              <a:rPr lang="en-US" altLang="zh-CN" sz="3200" dirty="0">
                 <a:latin typeface="Futura Condensed Medium" charset="0"/>
                 <a:ea typeface="Futura Condensed Medium" charset="0"/>
                 <a:cs typeface="Futura Condensed Medium" charset="0"/>
@@ -20349,7 +19093,7 @@
               <a:t>to</a:t>
             </a:r>
             <a:r>
-              <a:rPr lang="zh-CN" altLang="en-US" sz="3200" dirty="0" smtClean="0">
+              <a:rPr lang="zh-CN" altLang="en-US" sz="3200" dirty="0">
                 <a:latin typeface="Futura Condensed Medium" charset="0"/>
                 <a:ea typeface="Futura Condensed Medium" charset="0"/>
                 <a:cs typeface="Futura Condensed Medium" charset="0"/>
@@ -20357,7 +19101,7 @@
               <a:t> </a:t>
             </a:r>
             <a:r>
-              <a:rPr lang="en-US" altLang="zh-CN" sz="3200" dirty="0" smtClean="0">
+              <a:rPr lang="en-US" altLang="zh-CN" sz="3200" dirty="0">
                 <a:solidFill>
                   <a:srgbClr val="00AFFF"/>
                 </a:solidFill>
@@ -20368,7 +19112,7 @@
               <a:t>become</a:t>
             </a:r>
             <a:r>
-              <a:rPr lang="zh-CN" altLang="en-US" sz="3200" dirty="0" smtClean="0">
+              <a:rPr lang="zh-CN" altLang="en-US" sz="3200" dirty="0">
                 <a:solidFill>
                   <a:srgbClr val="00AFFF"/>
                 </a:solidFill>
@@ -20379,7 +19123,7 @@
               <a:t> </a:t>
             </a:r>
             <a:r>
-              <a:rPr lang="en-US" altLang="zh-CN" sz="3200" dirty="0" smtClean="0">
+              <a:rPr lang="en-US" altLang="zh-CN" sz="3200" dirty="0">
                 <a:solidFill>
                   <a:srgbClr val="00AFFF"/>
                 </a:solidFill>
@@ -20390,7 +19134,7 @@
               <a:t>a</a:t>
             </a:r>
             <a:r>
-              <a:rPr lang="zh-CN" altLang="en-US" sz="3200" dirty="0" smtClean="0">
+              <a:rPr lang="zh-CN" altLang="en-US" sz="3200" dirty="0">
                 <a:solidFill>
                   <a:srgbClr val="00AFFF"/>
                 </a:solidFill>
@@ -20401,7 +19145,7 @@
               <a:t> </a:t>
             </a:r>
             <a:r>
-              <a:rPr lang="en-US" altLang="zh-CN" sz="3200" dirty="0" smtClean="0">
+              <a:rPr lang="en-US" altLang="zh-CN" sz="3200" dirty="0">
                 <a:solidFill>
                   <a:srgbClr val="00AFFF"/>
                 </a:solidFill>
@@ -20412,7 +19156,7 @@
               <a:t>successful</a:t>
             </a:r>
             <a:r>
-              <a:rPr lang="zh-CN" altLang="en-US" sz="3200" dirty="0" smtClean="0">
+              <a:rPr lang="zh-CN" altLang="en-US" sz="3200" dirty="0">
                 <a:solidFill>
                   <a:srgbClr val="00AFFF"/>
                 </a:solidFill>
@@ -20423,7 +19167,7 @@
               <a:t> </a:t>
             </a:r>
             <a:r>
-              <a:rPr lang="en-US" sz="3200" dirty="0" smtClean="0">
+              <a:rPr lang="en-US" sz="3200" dirty="0">
                 <a:solidFill>
                   <a:srgbClr val="00AFFF"/>
                 </a:solidFill>
@@ -20433,14 +19177,6 @@
               </a:rPr>
               <a:t>PhD</a:t>
             </a:r>
-            <a:endParaRPr lang="en-US" sz="3200" dirty="0">
-              <a:solidFill>
-                <a:srgbClr val="00AFFF"/>
-              </a:solidFill>
-              <a:latin typeface="Futura Condensed Medium" charset="0"/>
-              <a:ea typeface="Futura Condensed Medium" charset="0"/>
-              <a:cs typeface="Futura Condensed Medium" charset="0"/>
-            </a:endParaRPr>
           </a:p>
         </p:txBody>
       </p:sp>
@@ -20669,10 +19405,9 @@
           <a:lstStyle/>
           <a:p>
             <a:r>
-              <a:rPr lang="en-US" dirty="0" smtClean="0"/>
+              <a:rPr lang="en-US" dirty="0"/>
               <a:t>Steps in Preparing a Talk - 2</a:t>
             </a:r>
-            <a:endParaRPr lang="en-US" dirty="0"/>
           </a:p>
         </p:txBody>
       </p:sp>
@@ -20697,7 +19432,7 @@
           <a:lstStyle/>
           <a:p>
             <a:r>
-              <a:rPr lang="en-US" sz="3600" dirty="0" smtClean="0">
+              <a:rPr lang="en-US" sz="3600" dirty="0">
                 <a:latin typeface="Franklin Gothic Heavy" charset="0"/>
                 <a:ea typeface="Franklin Gothic Heavy" charset="0"/>
                 <a:cs typeface="Franklin Gothic Heavy" charset="0"/>
@@ -20705,32 +19440,8 @@
               <a:t>Step 2: </a:t>
             </a:r>
             <a:r>
-              <a:rPr lang="en-US" dirty="0" smtClean="0"/>
-              <a:t>Come up with no </a:t>
-            </a:r>
-            <a:r>
               <a:rPr lang="en-US" dirty="0"/>
-              <a:t>m</a:t>
-            </a:r>
-            <a:r>
-              <a:rPr lang="en-US" dirty="0" smtClean="0"/>
-              <a:t>ore </a:t>
-            </a:r>
-            <a:r>
-              <a:rPr lang="en-US" dirty="0"/>
-              <a:t>t</a:t>
-            </a:r>
-            <a:r>
-              <a:rPr lang="en-US" dirty="0" smtClean="0"/>
-              <a:t>han 3 points in support of your message </a:t>
-            </a:r>
-            <a:r>
-              <a:rPr lang="en-US" dirty="0"/>
-              <a:t>o</a:t>
-            </a:r>
-            <a:r>
-              <a:rPr lang="en-US" dirty="0" smtClean="0"/>
-              <a:t>bjective</a:t>
+              <a:t>Come up with no more than 3 points in support of your message objective</a:t>
             </a:r>
           </a:p>
         </p:txBody>
@@ -21032,7 +19743,7 @@
               </a:lnSpc>
             </a:pPr>
             <a:r>
-              <a:rPr lang="en-US" sz="3200" dirty="0" smtClean="0">
+              <a:rPr lang="en-US" sz="3200" dirty="0">
                 <a:latin typeface="Franklin Gothic Heavy" charset="0"/>
                 <a:ea typeface="Franklin Gothic Heavy" charset="0"/>
                 <a:cs typeface="Franklin Gothic Heavy" charset="0"/>
@@ -21045,15 +19756,7 @@
                 <a:ea typeface="Futura Condensed Medium" charset="0"/>
                 <a:cs typeface="Futura Condensed Medium" charset="0"/>
               </a:rPr>
-              <a:t>P</a:t>
-            </a:r>
-            <a:r>
-              <a:rPr lang="en-US" sz="3200" dirty="0" smtClean="0">
-                <a:latin typeface="Futura Condensed Medium" charset="0"/>
-                <a:ea typeface="Futura Condensed Medium" charset="0"/>
-                <a:cs typeface="Futura Condensed Medium" charset="0"/>
-              </a:rPr>
-              <a:t>eople cannot remember more than 3 points. Fewer points have more impact </a:t>
+              <a:t>People cannot remember more than 3 points. Fewer points have more impact </a:t>
             </a:r>
           </a:p>
           <a:p>
@@ -21063,7 +19766,7 @@
               </a:lnSpc>
             </a:pPr>
             <a:r>
-              <a:rPr lang="en-US" sz="3200" dirty="0" smtClean="0">
+              <a:rPr lang="en-US" sz="3200" dirty="0">
                 <a:latin typeface="Franklin Gothic Heavy" charset="0"/>
                 <a:ea typeface="Franklin Gothic Heavy" charset="0"/>
                 <a:cs typeface="Franklin Gothic Heavy" charset="0"/>
@@ -21071,7 +19774,7 @@
               <a:t>How? </a:t>
             </a:r>
             <a:r>
-              <a:rPr lang="en-US" sz="3200" dirty="0" smtClean="0">
+              <a:rPr lang="en-US" sz="3200" dirty="0">
                 <a:latin typeface="Futura Condensed Medium" charset="0"/>
                 <a:ea typeface="Futura Condensed Medium" charset="0"/>
                 <a:cs typeface="Futura Condensed Medium" charset="0"/>
@@ -21109,7 +19812,7 @@
           <a:lstStyle/>
           <a:p>
             <a:r>
-              <a:rPr lang="en-US" altLang="zh-CN" sz="3200" dirty="0" smtClean="0">
+              <a:rPr lang="en-US" altLang="zh-CN" sz="3200" dirty="0">
                 <a:latin typeface="Franklin Gothic Heavy" charset="0"/>
                 <a:ea typeface="Franklin Gothic Heavy" charset="0"/>
                 <a:cs typeface="Franklin Gothic Heavy" charset="0"/>
@@ -21117,38 +19820,20 @@
               <a:t>Example</a:t>
             </a:r>
             <a:r>
-              <a:rPr lang="en-US" sz="3200" dirty="0" smtClean="0">
+              <a:rPr lang="en-US" sz="3200" dirty="0">
                 <a:latin typeface="Franklin Gothic Heavy" charset="0"/>
                 <a:ea typeface="Franklin Gothic Heavy" charset="0"/>
                 <a:cs typeface="Franklin Gothic Heavy" charset="0"/>
               </a:rPr>
               <a:t>: </a:t>
             </a:r>
-            <a:r>
-              <a:rPr lang="en-US" sz="3200" dirty="0" smtClean="0">
-                <a:latin typeface="Futura Condensed Medium" charset="0"/>
-                <a:ea typeface="Futura Condensed Medium" charset="0"/>
-                <a:cs typeface="Futura Condensed Medium" charset="0"/>
-              </a:rPr>
-              <a:t>(Point 1) What is a PhD? </a:t>
-            </a:r>
-          </a:p>
-          <a:p>
             <a:r>
               <a:rPr lang="en-US" sz="3200" dirty="0">
                 <a:latin typeface="Futura Condensed Medium" charset="0"/>
                 <a:ea typeface="Futura Condensed Medium" charset="0"/>
                 <a:cs typeface="Futura Condensed Medium" charset="0"/>
               </a:rPr>
-              <a:t> </a:t>
-            </a:r>
-            <a:r>
-              <a:rPr lang="en-US" sz="3200" dirty="0" smtClean="0">
-                <a:latin typeface="Futura Condensed Medium" charset="0"/>
-                <a:ea typeface="Futura Condensed Medium" charset="0"/>
-                <a:cs typeface="Futura Condensed Medium" charset="0"/>
-              </a:rPr>
-              <a:t>                     (Point 2) What are essential skills for a PhD?</a:t>
+              <a:t>(Point 1) What is a PhD? </a:t>
             </a:r>
           </a:p>
           <a:p>
@@ -21158,15 +19843,17 @@
                 <a:ea typeface="Futura Condensed Medium" charset="0"/>
                 <a:cs typeface="Futura Condensed Medium" charset="0"/>
               </a:rPr>
-              <a:t> </a:t>
-            </a:r>
-            <a:r>
-              <a:rPr lang="en-US" sz="3200" dirty="0" smtClean="0">
+              <a:t>                      (Point 2) What are essential skills for a PhD?</a:t>
+            </a:r>
+          </a:p>
+          <a:p>
+            <a:r>
+              <a:rPr lang="en-US" sz="3200" dirty="0">
                 <a:latin typeface="Futura Condensed Medium" charset="0"/>
                 <a:ea typeface="Futura Condensed Medium" charset="0"/>
                 <a:cs typeface="Futura Condensed Medium" charset="0"/>
               </a:rPr>
-              <a:t>                     (Point 3) How to master the skills </a:t>
+              <a:t>                      (Point 3) How to master the skills </a:t>
             </a:r>
             <a:endParaRPr lang="en-US" sz="3200" dirty="0">
               <a:solidFill>
@@ -21466,10 +20153,9 @@
           <a:lstStyle/>
           <a:p>
             <a:r>
-              <a:rPr lang="en-US" dirty="0" smtClean="0"/>
+              <a:rPr lang="en-US" dirty="0"/>
               <a:t>Steps in Preparing a Talk - 3</a:t>
             </a:r>
-            <a:endParaRPr lang="en-US" dirty="0"/>
           </a:p>
         </p:txBody>
       </p:sp>
@@ -21494,7 +20180,7 @@
           <a:lstStyle/>
           <a:p>
             <a:r>
-              <a:rPr lang="en-US" sz="3600" dirty="0" smtClean="0">
+              <a:rPr lang="en-US" sz="3600" dirty="0">
                 <a:latin typeface="Franklin Gothic Heavy" charset="0"/>
                 <a:ea typeface="Franklin Gothic Heavy" charset="0"/>
                 <a:cs typeface="Franklin Gothic Heavy" charset="0"/>
@@ -21502,16 +20188,8 @@
               <a:t>Step 3: </a:t>
             </a:r>
             <a:r>
-              <a:rPr lang="en-US" dirty="0" smtClean="0"/>
-              <a:t>Determine the evidence to </a:t>
-            </a:r>
-            <a:r>
               <a:rPr lang="en-US" dirty="0"/>
-              <a:t>s</a:t>
-            </a:r>
-            <a:r>
-              <a:rPr lang="en-US" dirty="0" smtClean="0"/>
-              <a:t>upport each point</a:t>
+              <a:t>Determine the evidence to support each point</a:t>
             </a:r>
           </a:p>
         </p:txBody>
@@ -21813,14 +20491,14 @@
               </a:lnSpc>
             </a:pPr>
             <a:r>
-              <a:rPr lang="en-US" sz="3200" dirty="0" smtClean="0">
+              <a:rPr lang="en-US" sz="3200" dirty="0">
                 <a:latin typeface="Franklin Gothic Heavy" charset="0"/>
                 <a:ea typeface="Franklin Gothic Heavy" charset="0"/>
                 <a:cs typeface="Franklin Gothic Heavy" charset="0"/>
               </a:rPr>
               <a:t>This step is the key to make your presentation exciting</a:t>
             </a:r>
-            <a:endParaRPr lang="en-US" sz="3200" dirty="0" smtClean="0">
+            <a:endParaRPr lang="en-US" sz="3200" dirty="0">
               <a:latin typeface="Futura Condensed Medium" charset="0"/>
               <a:ea typeface="Futura Condensed Medium" charset="0"/>
               <a:cs typeface="Futura Condensed Medium" charset="0"/>
@@ -21833,7 +20511,7 @@
               </a:lnSpc>
             </a:pPr>
             <a:r>
-              <a:rPr lang="en-US" sz="3200" dirty="0" smtClean="0">
+              <a:rPr lang="en-US" sz="3200" dirty="0">
                 <a:latin typeface="Franklin Gothic Heavy" charset="0"/>
                 <a:ea typeface="Franklin Gothic Heavy" charset="0"/>
                 <a:cs typeface="Franklin Gothic Heavy" charset="0"/>
@@ -21841,7 +20519,7 @@
               <a:t>How? </a:t>
             </a:r>
             <a:r>
-              <a:rPr lang="en-US" sz="3200" dirty="0" smtClean="0">
+              <a:rPr lang="en-US" sz="3200" dirty="0">
                 <a:latin typeface="Futura Condensed Medium" charset="0"/>
                 <a:ea typeface="Futura Condensed Medium" charset="0"/>
                 <a:cs typeface="Futura Condensed Medium" charset="0"/>
@@ -21879,7 +20557,7 @@
           <a:lstStyle/>
           <a:p>
             <a:r>
-              <a:rPr lang="en-US" altLang="zh-CN" sz="3200" dirty="0" smtClean="0">
+              <a:rPr lang="en-US" altLang="zh-CN" sz="3200" dirty="0">
                 <a:latin typeface="Franklin Gothic Heavy" charset="0"/>
                 <a:ea typeface="Franklin Gothic Heavy" charset="0"/>
                 <a:cs typeface="Franklin Gothic Heavy" charset="0"/>
@@ -21887,7 +20565,7 @@
               <a:t>Example</a:t>
             </a:r>
             <a:r>
-              <a:rPr lang="en-US" sz="3200" dirty="0" smtClean="0">
+              <a:rPr lang="en-US" sz="3200" dirty="0">
                 <a:latin typeface="Franklin Gothic Heavy" charset="0"/>
                 <a:ea typeface="Franklin Gothic Heavy" charset="0"/>
                 <a:cs typeface="Franklin Gothic Heavy" charset="0"/>
@@ -21895,7 +20573,7 @@
               <a:t>: </a:t>
             </a:r>
             <a:r>
-              <a:rPr lang="en-US" sz="3200" dirty="0" smtClean="0">
+              <a:rPr lang="en-US" sz="3200" dirty="0">
                 <a:latin typeface="Futura Condensed Medium" charset="0"/>
                 <a:ea typeface="Futura Condensed Medium" charset="0"/>
                 <a:cs typeface="Futura Condensed Medium" charset="0"/>
@@ -22193,10 +20871,9 @@
           <a:lstStyle/>
           <a:p>
             <a:r>
-              <a:rPr lang="en-US" dirty="0" smtClean="0"/>
+              <a:rPr lang="en-US" dirty="0"/>
               <a:t>Steps in Preparing a Talk - 4</a:t>
             </a:r>
-            <a:endParaRPr lang="en-US" dirty="0"/>
           </a:p>
         </p:txBody>
       </p:sp>
@@ -22221,7 +20898,7 @@
           <a:lstStyle/>
           <a:p>
             <a:r>
-              <a:rPr lang="en-US" sz="3600" dirty="0" smtClean="0">
+              <a:rPr lang="en-US" sz="3600" dirty="0">
                 <a:latin typeface="Franklin Gothic Heavy" charset="0"/>
                 <a:ea typeface="Franklin Gothic Heavy" charset="0"/>
                 <a:cs typeface="Franklin Gothic Heavy" charset="0"/>
@@ -22229,16 +20906,8 @@
               <a:t>Step 4: </a:t>
             </a:r>
             <a:r>
-              <a:rPr lang="en-US" dirty="0" smtClean="0"/>
-              <a:t>Determine your </a:t>
-            </a:r>
-            <a:r>
               <a:rPr lang="en-US" dirty="0"/>
-              <a:t>h</a:t>
-            </a:r>
-            <a:r>
-              <a:rPr lang="en-US" dirty="0" smtClean="0"/>
-              <a:t>ook</a:t>
+              <a:t>Determine your hook</a:t>
             </a:r>
           </a:p>
         </p:txBody>
@@ -22541,20 +21210,12 @@
               <a:buNone/>
             </a:pPr>
             <a:r>
-              <a:rPr lang="en-US" sz="3200" dirty="0" smtClean="0">
+              <a:rPr lang="en-US" sz="3200" dirty="0">
                 <a:latin typeface="Franklin Gothic Heavy" charset="0"/>
                 <a:ea typeface="Franklin Gothic Heavy" charset="0"/>
                 <a:cs typeface="Franklin Gothic Heavy" charset="0"/>
               </a:rPr>
               <a:t> The Hook: </a:t>
-            </a:r>
-            <a:r>
-              <a:rPr lang="en-US" sz="3200" dirty="0" smtClean="0">
-                <a:latin typeface="Futura Condensed Medium" charset="0"/>
-                <a:ea typeface="Futura Condensed Medium" charset="0"/>
-                <a:cs typeface="Futura Condensed Medium" charset="0"/>
-              </a:rPr>
-              <a:t>Make a first </a:t>
             </a:r>
             <a:r>
               <a:rPr lang="en-US" sz="3200" dirty="0">
@@ -22562,15 +21223,7 @@
                 <a:ea typeface="Futura Condensed Medium" charset="0"/>
                 <a:cs typeface="Futura Condensed Medium" charset="0"/>
               </a:rPr>
-              <a:t>i</a:t>
-            </a:r>
-            <a:r>
-              <a:rPr lang="en-US" sz="3200" dirty="0" smtClean="0">
-                <a:latin typeface="Futura Condensed Medium" charset="0"/>
-                <a:ea typeface="Futura Condensed Medium" charset="0"/>
-                <a:cs typeface="Futura Condensed Medium" charset="0"/>
-              </a:rPr>
-              <a:t>mpression with impact </a:t>
+              <a:t>Make a first impression with impact </a:t>
             </a:r>
           </a:p>
           <a:p>
@@ -22581,7 +21234,7 @@
               <a:buNone/>
             </a:pPr>
             <a:r>
-              <a:rPr lang="en-US" sz="3200" dirty="0" smtClean="0">
+              <a:rPr lang="en-US" sz="3200" dirty="0">
                 <a:latin typeface="Franklin Gothic Heavy" charset="0"/>
                 <a:ea typeface="Franklin Gothic Heavy" charset="0"/>
                 <a:cs typeface="Franklin Gothic Heavy" charset="0"/>
@@ -22596,7 +21249,7 @@
               </a:lnSpc>
             </a:pPr>
             <a:r>
-              <a:rPr lang="en-US" sz="3200" dirty="0" smtClean="0">
+              <a:rPr lang="en-US" sz="3200" dirty="0">
                 <a:solidFill>
                   <a:schemeClr val="tx1">
                     <a:lumMod val="65000"/>
@@ -22617,7 +21270,7 @@
               </a:lnSpc>
             </a:pPr>
             <a:r>
-              <a:rPr lang="en-US" sz="3200" dirty="0" smtClean="0">
+              <a:rPr lang="en-US" sz="3200" dirty="0">
                 <a:solidFill>
                   <a:schemeClr val="tx1">
                     <a:lumMod val="65000"/>
@@ -22638,7 +21291,7 @@
               </a:lnSpc>
             </a:pPr>
             <a:r>
-              <a:rPr lang="en-US" sz="3200" dirty="0" smtClean="0">
+              <a:rPr lang="en-US" sz="3200" dirty="0">
                 <a:solidFill>
                   <a:schemeClr val="tx1">
                     <a:lumMod val="65000"/>
@@ -22651,17 +21304,6 @@
               </a:rPr>
               <a:t>Be short and fast </a:t>
             </a:r>
-            <a:endParaRPr lang="en-US" sz="3200" dirty="0">
-              <a:solidFill>
-                <a:schemeClr val="tx1">
-                  <a:lumMod val="65000"/>
-                  <a:lumOff val="35000"/>
-                </a:schemeClr>
-              </a:solidFill>
-              <a:latin typeface="Futura Condensed Medium" charset="0"/>
-              <a:ea typeface="Futura Condensed Medium" charset="0"/>
-              <a:cs typeface="Futura Condensed Medium" charset="0"/>
-            </a:endParaRPr>
           </a:p>
         </p:txBody>
       </p:sp>
@@ -22688,7 +21330,7 @@
           <a:lstStyle/>
           <a:p>
             <a:r>
-              <a:rPr lang="en-US" altLang="zh-CN" sz="3200" dirty="0" smtClean="0">
+              <a:rPr lang="en-US" altLang="zh-CN" sz="3200" dirty="0">
                 <a:latin typeface="Franklin Gothic Heavy" charset="0"/>
                 <a:ea typeface="Franklin Gothic Heavy" charset="0"/>
                 <a:cs typeface="Franklin Gothic Heavy" charset="0"/>
@@ -22696,7 +21338,7 @@
               <a:t>Example</a:t>
             </a:r>
             <a:r>
-              <a:rPr lang="en-US" sz="3200" dirty="0" smtClean="0">
+              <a:rPr lang="en-US" sz="3200" dirty="0">
                 <a:latin typeface="Franklin Gothic Heavy" charset="0"/>
                 <a:ea typeface="Franklin Gothic Heavy" charset="0"/>
                 <a:cs typeface="Franklin Gothic Heavy" charset="0"/>
@@ -22712,7 +21354,7 @@
               <a:t>PHD is </a:t>
             </a:r>
             <a:r>
-              <a:rPr lang="en-US" altLang="zh-CN" sz="3200" dirty="0" smtClean="0">
+              <a:rPr lang="en-US" altLang="zh-CN" sz="3200" dirty="0">
                 <a:latin typeface="Futura Condensed Medium" charset="0"/>
                 <a:ea typeface="Futura Condensed Medium" charset="0"/>
                 <a:cs typeface="Futura Condensed Medium" charset="0"/>
@@ -22720,20 +21362,12 @@
               <a:t>just</a:t>
             </a:r>
             <a:r>
-              <a:rPr lang="zh-CN" altLang="en-US" sz="3200" dirty="0" smtClean="0">
+              <a:rPr lang="zh-CN" altLang="en-US" sz="3200" dirty="0">
                 <a:latin typeface="Futura Condensed Medium" charset="0"/>
                 <a:ea typeface="Futura Condensed Medium" charset="0"/>
                 <a:cs typeface="Futura Condensed Medium" charset="0"/>
               </a:rPr>
               <a:t> </a:t>
-            </a:r>
-            <a:r>
-              <a:rPr lang="en-US" sz="3200" dirty="0" smtClean="0">
-                <a:latin typeface="Futura Condensed Medium" charset="0"/>
-                <a:ea typeface="Futura Condensed Medium" charset="0"/>
-                <a:cs typeface="Futura Condensed Medium" charset="0"/>
-              </a:rPr>
-              <a:t>5 </a:t>
             </a:r>
             <a:r>
               <a:rPr lang="en-US" sz="3200" dirty="0">
@@ -22741,15 +21375,7 @@
                 <a:ea typeface="Futura Condensed Medium" charset="0"/>
                 <a:cs typeface="Futura Condensed Medium" charset="0"/>
               </a:rPr>
-              <a:t>more years of </a:t>
-            </a:r>
-            <a:r>
-              <a:rPr lang="en-US" sz="3200" dirty="0" smtClean="0">
-                <a:latin typeface="Futura Condensed Medium" charset="0"/>
-                <a:ea typeface="Futura Condensed Medium" charset="0"/>
-                <a:cs typeface="Futura Condensed Medium" charset="0"/>
-              </a:rPr>
-              <a:t>learning new knowledge?</a:t>
+              <a:t>5 more years of learning new knowledge?</a:t>
             </a:r>
             <a:endParaRPr lang="en-US" sz="3200" dirty="0">
               <a:solidFill>
@@ -23110,10 +21736,9 @@
           <a:lstStyle/>
           <a:p>
             <a:r>
-              <a:rPr lang="en-US" dirty="0" smtClean="0"/>
+              <a:rPr lang="en-US" dirty="0"/>
               <a:t>Steps in Preparing a Talk - 5</a:t>
             </a:r>
-            <a:endParaRPr lang="en-US" dirty="0"/>
           </a:p>
         </p:txBody>
       </p:sp>
@@ -23138,7 +21763,7 @@
           <a:lstStyle/>
           <a:p>
             <a:r>
-              <a:rPr lang="en-US" sz="3600" dirty="0" smtClean="0">
+              <a:rPr lang="en-US" sz="3600" dirty="0">
                 <a:latin typeface="Franklin Gothic Heavy" charset="0"/>
                 <a:ea typeface="Franklin Gothic Heavy" charset="0"/>
                 <a:cs typeface="Franklin Gothic Heavy" charset="0"/>
@@ -23146,7 +21771,7 @@
               <a:t>Step 5: </a:t>
             </a:r>
             <a:r>
-              <a:rPr lang="en-US" dirty="0" smtClean="0"/>
+              <a:rPr lang="en-US" dirty="0"/>
               <a:t>Determine your wrap-up</a:t>
             </a:r>
           </a:p>
@@ -23450,7 +22075,7 @@
               <a:buNone/>
             </a:pPr>
             <a:r>
-              <a:rPr lang="en-US" sz="3200" dirty="0" smtClean="0">
+              <a:rPr lang="en-US" sz="3200" dirty="0">
                 <a:latin typeface="Franklin Gothic Heavy" charset="0"/>
                 <a:ea typeface="Franklin Gothic Heavy" charset="0"/>
                 <a:cs typeface="Franklin Gothic Heavy" charset="0"/>
@@ -23458,7 +22083,7 @@
               <a:t> Why? </a:t>
             </a:r>
             <a:r>
-              <a:rPr lang="en-US" sz="3200" dirty="0" smtClean="0">
+              <a:rPr lang="en-US" sz="3200" dirty="0">
                 <a:latin typeface="Futura Condensed Medium" charset="0"/>
                 <a:ea typeface="Futura Condensed Medium" charset="0"/>
                 <a:cs typeface="Futura Condensed Medium" charset="0"/>
@@ -23479,15 +22104,7 @@
                 <a:ea typeface="Franklin Gothic Heavy" charset="0"/>
                 <a:cs typeface="Franklin Gothic Heavy" charset="0"/>
               </a:rPr>
-              <a:t> </a:t>
-            </a:r>
-            <a:r>
-              <a:rPr lang="en-US" sz="3200" dirty="0" smtClean="0">
-                <a:latin typeface="Franklin Gothic Heavy" charset="0"/>
-                <a:ea typeface="Franklin Gothic Heavy" charset="0"/>
-                <a:cs typeface="Franklin Gothic Heavy" charset="0"/>
-              </a:rPr>
-              <a:t>How? </a:t>
+              <a:t> How? </a:t>
             </a:r>
           </a:p>
           <a:p>
@@ -23497,7 +22114,7 @@
               </a:lnSpc>
             </a:pPr>
             <a:r>
-              <a:rPr lang="en-US" sz="3200" dirty="0" smtClean="0">
+              <a:rPr lang="en-US" sz="3200" dirty="0">
                 <a:latin typeface="Futura Condensed Medium" charset="0"/>
                 <a:ea typeface="Futura Condensed Medium" charset="0"/>
                 <a:cs typeface="Futura Condensed Medium" charset="0"/>
@@ -23512,7 +22129,7 @@
               </a:lnSpc>
             </a:pPr>
             <a:r>
-              <a:rPr lang="en-US" sz="3200" dirty="0" smtClean="0">
+              <a:rPr lang="en-US" sz="3200" dirty="0">
                 <a:latin typeface="Futura Condensed Medium" charset="0"/>
                 <a:ea typeface="Futura Condensed Medium" charset="0"/>
                 <a:cs typeface="Futura Condensed Medium" charset="0"/>
@@ -23545,7 +22162,7 @@
           <a:lstStyle/>
           <a:p>
             <a:r>
-              <a:rPr lang="en-US" altLang="zh-CN" sz="3200" dirty="0" smtClean="0">
+              <a:rPr lang="en-US" altLang="zh-CN" sz="3200" dirty="0">
                 <a:latin typeface="Franklin Gothic Heavy" charset="0"/>
                 <a:ea typeface="Franklin Gothic Heavy" charset="0"/>
                 <a:cs typeface="Franklin Gothic Heavy" charset="0"/>
@@ -23553,7 +22170,7 @@
               <a:t>Example</a:t>
             </a:r>
             <a:r>
-              <a:rPr lang="en-US" sz="3200" dirty="0" smtClean="0">
+              <a:rPr lang="en-US" sz="3200" dirty="0">
                 <a:latin typeface="Franklin Gothic Heavy" charset="0"/>
                 <a:ea typeface="Franklin Gothic Heavy" charset="0"/>
                 <a:cs typeface="Franklin Gothic Heavy" charset="0"/>
@@ -23561,7 +22178,7 @@
               <a:t>. </a:t>
             </a:r>
             <a:r>
-              <a:rPr lang="en-US" sz="3200" dirty="0" smtClean="0">
+              <a:rPr lang="en-US" sz="3200" dirty="0">
                 <a:latin typeface="Futura Condensed Medium" charset="0"/>
                 <a:ea typeface="Futura Condensed Medium" charset="0"/>
                 <a:cs typeface="Futura Condensed Medium" charset="0"/>
@@ -23569,7 +22186,7 @@
               <a:t>See </a:t>
             </a:r>
             <a:r>
-              <a:rPr lang="en-US" sz="3200" dirty="0" smtClean="0">
+              <a:rPr lang="en-US" sz="3200" dirty="0">
                 <a:latin typeface="Futura Condensed Medium" charset="0"/>
                 <a:ea typeface="Futura Condensed Medium" charset="0"/>
                 <a:cs typeface="Futura Condensed Medium" charset="0"/>
@@ -23578,7 +22195,7 @@
               <a:t>Slide 38</a:t>
             </a:r>
             <a:r>
-              <a:rPr lang="en-US" sz="3200" dirty="0" smtClean="0">
+              <a:rPr lang="en-US" sz="3200" dirty="0">
                 <a:latin typeface="Futura Condensed Medium" charset="0"/>
                 <a:ea typeface="Futura Condensed Medium" charset="0"/>
                 <a:cs typeface="Futura Condensed Medium" charset="0"/>
@@ -23883,18 +22500,9 @@
           <a:lstStyle/>
           <a:p>
             <a:r>
-              <a:rPr lang="en-US" dirty="0" smtClean="0"/>
-              <a:t>Fill in the Form for Your </a:t>
-            </a:r>
-            <a:r>
               <a:rPr lang="en-US" dirty="0"/>
-              <a:t>T</a:t>
-            </a:r>
-            <a:r>
-              <a:rPr lang="en-US" dirty="0" smtClean="0"/>
-              <a:t>alk</a:t>
-            </a:r>
-            <a:endParaRPr lang="en-US" dirty="0"/>
+              <a:t>Fill in the Form for Your Talk</a:t>
+            </a:r>
           </a:p>
         </p:txBody>
       </p:sp>
@@ -23921,7 +22529,7 @@
           <a:lstStyle/>
           <a:p>
             <a:r>
-              <a:rPr lang="en-US" dirty="0" smtClean="0">
+              <a:rPr lang="en-US" dirty="0">
                 <a:latin typeface="Franklin Gothic Heavy" charset="0"/>
                 <a:ea typeface="Franklin Gothic Heavy" charset="0"/>
                 <a:cs typeface="Franklin Gothic Heavy" charset="0"/>
@@ -23931,7 +22539,7 @@
           </a:p>
           <a:p>
             <a:r>
-              <a:rPr lang="en-US" dirty="0" smtClean="0">
+              <a:rPr lang="en-US" dirty="0">
                 <a:latin typeface="Franklin Gothic Heavy" charset="0"/>
                 <a:ea typeface="Franklin Gothic Heavy" charset="0"/>
                 <a:cs typeface="Franklin Gothic Heavy" charset="0"/>
@@ -23941,7 +22549,7 @@
           </a:p>
           <a:p>
             <a:r>
-              <a:rPr lang="en-US" dirty="0" smtClean="0">
+              <a:rPr lang="en-US" dirty="0">
                 <a:latin typeface="Franklin Gothic Heavy" charset="0"/>
                 <a:ea typeface="Franklin Gothic Heavy" charset="0"/>
                 <a:cs typeface="Franklin Gothic Heavy" charset="0"/>
@@ -23952,7 +22560,7 @@
           <a:p>
             <a:pPr lvl="1"/>
             <a:r>
-              <a:rPr lang="en-US" sz="3200" dirty="0" smtClean="0">
+              <a:rPr lang="en-US" sz="3200" dirty="0">
                 <a:latin typeface="Futura Condensed Medium" charset="0"/>
                 <a:ea typeface="Futura Condensed Medium" charset="0"/>
                 <a:cs typeface="Futura Condensed Medium" charset="0"/>
@@ -23963,7 +22571,7 @@
           <a:p>
             <a:pPr lvl="1"/>
             <a:r>
-              <a:rPr lang="en-US" sz="3200" dirty="0" smtClean="0">
+              <a:rPr lang="en-US" sz="3200" dirty="0">
                 <a:latin typeface="Futura Condensed Medium" charset="0"/>
                 <a:ea typeface="Futura Condensed Medium" charset="0"/>
                 <a:cs typeface="Futura Condensed Medium" charset="0"/>
@@ -23974,7 +22582,7 @@
           <a:p>
             <a:pPr lvl="1"/>
             <a:r>
-              <a:rPr lang="is-IS" sz="3200" dirty="0" smtClean="0">
+              <a:rPr lang="is-IS" sz="3200" dirty="0">
                 <a:latin typeface="Futura Condensed Medium" charset="0"/>
                 <a:ea typeface="Futura Condensed Medium" charset="0"/>
                 <a:cs typeface="Futura Condensed Medium" charset="0"/>
@@ -23985,18 +22593,18 @@
           <a:p>
             <a:pPr lvl="1"/>
             <a:r>
-              <a:rPr lang="is-IS" sz="3200" dirty="0" smtClean="0"/>
+              <a:rPr lang="is-IS" sz="3200" dirty="0"/>
               <a:t>…</a:t>
             </a:r>
             <a:r>
-              <a:rPr lang="en-US" sz="3200" dirty="0" smtClean="0"/>
+              <a:rPr lang="en-US" sz="3200" dirty="0"/>
               <a:t> </a:t>
             </a:r>
-            <a:endParaRPr lang="en-US" dirty="0" smtClean="0"/>
-          </a:p>
-          <a:p>
-            <a:r>
-              <a:rPr lang="en-US" dirty="0" smtClean="0">
+            <a:endParaRPr lang="en-US" dirty="0"/>
+          </a:p>
+          <a:p>
+            <a:r>
+              <a:rPr lang="en-US" dirty="0">
                 <a:latin typeface="Franklin Gothic Heavy" charset="0"/>
                 <a:ea typeface="Franklin Gothic Heavy" charset="0"/>
                 <a:cs typeface="Franklin Gothic Heavy" charset="0"/>
@@ -24256,13 +22864,6 @@
   <p:clrMapOvr>
     <a:masterClrMapping/>
   </p:clrMapOvr>
-  <p:timing>
-    <p:tnLst>
-      <p:par>
-        <p:cTn id="1" dur="indefinite" restart="never" nodeType="tmRoot"/>
-      </p:par>
-    </p:tnLst>
-  </p:timing>
 </p:sld>
 </file>
 
@@ -24304,10 +22905,9 @@
           <a:lstStyle/>
           <a:p>
             <a:r>
-              <a:rPr lang="en-US" dirty="0" smtClean="0"/>
+              <a:rPr lang="en-US" dirty="0"/>
               <a:t>Summary</a:t>
             </a:r>
-            <a:endParaRPr lang="en-US" dirty="0"/>
           </a:p>
         </p:txBody>
       </p:sp>
@@ -24337,7 +22937,7 @@
           <a:lstStyle/>
           <a:p>
             <a:r>
-              <a:rPr lang="en-US" sz="3600" dirty="0" smtClean="0">
+              <a:rPr lang="en-US" sz="3600" dirty="0">
                 <a:latin typeface="Franklin Gothic Heavy" charset="0"/>
                 <a:ea typeface="Franklin Gothic Heavy" charset="0"/>
                 <a:cs typeface="Franklin Gothic Heavy" charset="0"/>
@@ -24345,7 +22945,7 @@
               <a:t>Objective: </a:t>
             </a:r>
             <a:r>
-              <a:rPr lang="en-US" altLang="zh-CN" sz="3600" dirty="0" smtClean="0">
+              <a:rPr lang="en-US" altLang="zh-CN" sz="3600" dirty="0">
                 <a:latin typeface="Futura Condensed Medium" charset="0"/>
                 <a:ea typeface="Futura Condensed Medium" charset="0"/>
                 <a:cs typeface="Futura Condensed Medium" charset="0"/>
@@ -24353,7 +22953,7 @@
               <a:t>By</a:t>
             </a:r>
             <a:r>
-              <a:rPr lang="zh-CN" altLang="en-US" sz="3600" dirty="0" smtClean="0">
+              <a:rPr lang="zh-CN" altLang="en-US" sz="3600" dirty="0">
                 <a:latin typeface="Futura Condensed Medium" charset="0"/>
                 <a:ea typeface="Futura Condensed Medium" charset="0"/>
                 <a:cs typeface="Futura Condensed Medium" charset="0"/>
@@ -24361,7 +22961,7 @@
               <a:t> </a:t>
             </a:r>
             <a:r>
-              <a:rPr lang="en-US" altLang="zh-CN" sz="3600" dirty="0" smtClean="0">
+              <a:rPr lang="en-US" altLang="zh-CN" sz="3600" dirty="0">
                 <a:latin typeface="Futura Condensed Medium" charset="0"/>
                 <a:ea typeface="Futura Condensed Medium" charset="0"/>
                 <a:cs typeface="Futura Condensed Medium" charset="0"/>
@@ -24369,7 +22969,7 @@
               <a:t>mastering</a:t>
             </a:r>
             <a:r>
-              <a:rPr lang="zh-CN" altLang="en-US" sz="3600" dirty="0" smtClean="0">
+              <a:rPr lang="zh-CN" altLang="en-US" sz="3600" dirty="0">
                 <a:latin typeface="Futura Condensed Medium" charset="0"/>
                 <a:ea typeface="Futura Condensed Medium" charset="0"/>
                 <a:cs typeface="Futura Condensed Medium" charset="0"/>
@@ -24377,7 +22977,7 @@
               <a:t> </a:t>
             </a:r>
             <a:r>
-              <a:rPr lang="en-US" altLang="zh-CN" sz="3600" dirty="0" smtClean="0">
+              <a:rPr lang="en-US" altLang="zh-CN" sz="3600" dirty="0">
                 <a:latin typeface="Futura Condensed Medium" charset="0"/>
                 <a:ea typeface="Futura Condensed Medium" charset="0"/>
                 <a:cs typeface="Futura Condensed Medium" charset="0"/>
@@ -24385,7 +22985,7 @@
               <a:t>the</a:t>
             </a:r>
             <a:r>
-              <a:rPr lang="zh-CN" altLang="en-US" sz="3600" dirty="0" smtClean="0">
+              <a:rPr lang="zh-CN" altLang="en-US" sz="3600" dirty="0">
                 <a:latin typeface="Futura Condensed Medium" charset="0"/>
                 <a:ea typeface="Futura Condensed Medium" charset="0"/>
                 <a:cs typeface="Futura Condensed Medium" charset="0"/>
@@ -24393,7 +22993,7 @@
               <a:t> </a:t>
             </a:r>
             <a:r>
-              <a:rPr lang="en-US" altLang="zh-CN" sz="3600" dirty="0" smtClean="0">
+              <a:rPr lang="en-US" altLang="zh-CN" sz="3600" dirty="0">
                 <a:latin typeface="Futura Condensed Medium" charset="0"/>
                 <a:ea typeface="Futura Condensed Medium" charset="0"/>
                 <a:cs typeface="Futura Condensed Medium" charset="0"/>
@@ -24401,7 +23001,7 @@
               <a:t>essential</a:t>
             </a:r>
             <a:r>
-              <a:rPr lang="zh-CN" altLang="en-US" sz="3600" dirty="0" smtClean="0">
+              <a:rPr lang="zh-CN" altLang="en-US" sz="3600" dirty="0">
                 <a:latin typeface="Futura Condensed Medium" charset="0"/>
                 <a:ea typeface="Futura Condensed Medium" charset="0"/>
                 <a:cs typeface="Futura Condensed Medium" charset="0"/>
@@ -24409,7 +23009,7 @@
               <a:t> </a:t>
             </a:r>
             <a:r>
-              <a:rPr lang="en-US" altLang="zh-CN" sz="3600" dirty="0" smtClean="0">
+              <a:rPr lang="en-US" altLang="zh-CN" sz="3600" dirty="0">
                 <a:latin typeface="Futura Condensed Medium" charset="0"/>
                 <a:ea typeface="Futura Condensed Medium" charset="0"/>
                 <a:cs typeface="Futura Condensed Medium" charset="0"/>
@@ -24417,7 +23017,7 @@
               <a:t>skills,</a:t>
             </a:r>
             <a:r>
-              <a:rPr lang="zh-CN" altLang="en-US" sz="3600" dirty="0" smtClean="0">
+              <a:rPr lang="zh-CN" altLang="en-US" sz="3600" dirty="0">
                 <a:latin typeface="Futura Condensed Medium" charset="0"/>
                 <a:ea typeface="Futura Condensed Medium" charset="0"/>
                 <a:cs typeface="Futura Condensed Medium" charset="0"/>
@@ -24425,7 +23025,7 @@
               <a:t> </a:t>
             </a:r>
             <a:r>
-              <a:rPr lang="en-US" altLang="zh-CN" sz="3600" dirty="0" smtClean="0">
+              <a:rPr lang="en-US" altLang="zh-CN" sz="3600" dirty="0">
                 <a:latin typeface="Futura Condensed Medium" charset="0"/>
                 <a:ea typeface="Futura Condensed Medium" charset="0"/>
                 <a:cs typeface="Futura Condensed Medium" charset="0"/>
@@ -24433,7 +23033,7 @@
               <a:t>students</a:t>
             </a:r>
             <a:r>
-              <a:rPr lang="zh-CN" altLang="en-US" sz="3600" dirty="0" smtClean="0">
+              <a:rPr lang="zh-CN" altLang="en-US" sz="3600" dirty="0">
                 <a:latin typeface="Futura Condensed Medium" charset="0"/>
                 <a:ea typeface="Futura Condensed Medium" charset="0"/>
                 <a:cs typeface="Futura Condensed Medium" charset="0"/>
@@ -24441,7 +23041,7 @@
               <a:t> </a:t>
             </a:r>
             <a:r>
-              <a:rPr lang="en-US" altLang="zh-CN" sz="3600" dirty="0" smtClean="0">
+              <a:rPr lang="en-US" altLang="zh-CN" sz="3600" dirty="0">
                 <a:latin typeface="Futura Condensed Medium" charset="0"/>
                 <a:ea typeface="Futura Condensed Medium" charset="0"/>
                 <a:cs typeface="Futura Condensed Medium" charset="0"/>
@@ -24449,7 +23049,7 @@
               <a:t>will</a:t>
             </a:r>
             <a:r>
-              <a:rPr lang="zh-CN" altLang="en-US" sz="3600" dirty="0" smtClean="0">
+              <a:rPr lang="zh-CN" altLang="en-US" sz="3600" dirty="0">
                 <a:latin typeface="Futura Condensed Medium" charset="0"/>
                 <a:ea typeface="Futura Condensed Medium" charset="0"/>
                 <a:cs typeface="Futura Condensed Medium" charset="0"/>
@@ -24457,7 +23057,7 @@
               <a:t> </a:t>
             </a:r>
             <a:r>
-              <a:rPr lang="en-US" altLang="zh-CN" sz="3600" dirty="0" smtClean="0">
+              <a:rPr lang="en-US" altLang="zh-CN" sz="3600" dirty="0">
                 <a:latin typeface="Futura Condensed Medium" charset="0"/>
                 <a:ea typeface="Futura Condensed Medium" charset="0"/>
                 <a:cs typeface="Futura Condensed Medium" charset="0"/>
@@ -24465,7 +23065,7 @@
               <a:t>have</a:t>
             </a:r>
             <a:r>
-              <a:rPr lang="zh-CN" altLang="en-US" sz="3600" dirty="0" smtClean="0">
+              <a:rPr lang="zh-CN" altLang="en-US" sz="3600" dirty="0">
                 <a:latin typeface="Futura Condensed Medium" charset="0"/>
                 <a:ea typeface="Futura Condensed Medium" charset="0"/>
                 <a:cs typeface="Futura Condensed Medium" charset="0"/>
@@ -24473,7 +23073,7 @@
               <a:t> </a:t>
             </a:r>
             <a:r>
-              <a:rPr lang="en-US" altLang="zh-CN" sz="3600" dirty="0" smtClean="0">
+              <a:rPr lang="en-US" altLang="zh-CN" sz="3600" dirty="0">
                 <a:latin typeface="Futura Condensed Medium" charset="0"/>
                 <a:ea typeface="Futura Condensed Medium" charset="0"/>
                 <a:cs typeface="Futura Condensed Medium" charset="0"/>
@@ -24481,7 +23081,7 @@
               <a:t>a</a:t>
             </a:r>
             <a:r>
-              <a:rPr lang="zh-CN" altLang="en-US" sz="3600" dirty="0" smtClean="0">
+              <a:rPr lang="zh-CN" altLang="en-US" sz="3600" dirty="0">
                 <a:latin typeface="Futura Condensed Medium" charset="0"/>
                 <a:ea typeface="Futura Condensed Medium" charset="0"/>
                 <a:cs typeface="Futura Condensed Medium" charset="0"/>
@@ -24489,7 +23089,7 @@
               <a:t> </a:t>
             </a:r>
             <a:r>
-              <a:rPr lang="en-US" altLang="zh-CN" sz="3600" dirty="0" smtClean="0">
+              <a:rPr lang="en-US" altLang="zh-CN" sz="3600" dirty="0">
                 <a:latin typeface="Futura Condensed Medium" charset="0"/>
                 <a:ea typeface="Futura Condensed Medium" charset="0"/>
                 <a:cs typeface="Futura Condensed Medium" charset="0"/>
@@ -24497,7 +23097,7 @@
               <a:t>higher</a:t>
             </a:r>
             <a:r>
-              <a:rPr lang="zh-CN" altLang="en-US" sz="3600" dirty="0" smtClean="0">
+              <a:rPr lang="zh-CN" altLang="en-US" sz="3600" dirty="0">
                 <a:latin typeface="Futura Condensed Medium" charset="0"/>
                 <a:ea typeface="Futura Condensed Medium" charset="0"/>
                 <a:cs typeface="Futura Condensed Medium" charset="0"/>
@@ -24505,7 +23105,7 @@
               <a:t> </a:t>
             </a:r>
             <a:r>
-              <a:rPr lang="en-US" altLang="zh-CN" sz="3600" dirty="0" smtClean="0">
+              <a:rPr lang="en-US" altLang="zh-CN" sz="3600" dirty="0">
                 <a:latin typeface="Futura Condensed Medium" charset="0"/>
                 <a:ea typeface="Futura Condensed Medium" charset="0"/>
                 <a:cs typeface="Futura Condensed Medium" charset="0"/>
@@ -24513,7 +23113,7 @@
               <a:t>chance</a:t>
             </a:r>
             <a:r>
-              <a:rPr lang="zh-CN" altLang="en-US" sz="3600" dirty="0" smtClean="0">
+              <a:rPr lang="zh-CN" altLang="en-US" sz="3600" dirty="0">
                 <a:latin typeface="Futura Condensed Medium" charset="0"/>
                 <a:ea typeface="Futura Condensed Medium" charset="0"/>
                 <a:cs typeface="Futura Condensed Medium" charset="0"/>
@@ -24521,7 +23121,7 @@
               <a:t> </a:t>
             </a:r>
             <a:r>
-              <a:rPr lang="en-US" altLang="zh-CN" sz="3600" dirty="0" smtClean="0">
+              <a:rPr lang="en-US" altLang="zh-CN" sz="3600" dirty="0">
                 <a:latin typeface="Futura Condensed Medium" charset="0"/>
                 <a:ea typeface="Futura Condensed Medium" charset="0"/>
                 <a:cs typeface="Futura Condensed Medium" charset="0"/>
@@ -24529,7 +23129,7 @@
               <a:t>to</a:t>
             </a:r>
             <a:r>
-              <a:rPr lang="zh-CN" altLang="en-US" sz="3600" dirty="0" smtClean="0">
+              <a:rPr lang="zh-CN" altLang="en-US" sz="3600" dirty="0">
                 <a:latin typeface="Futura Condensed Medium" charset="0"/>
                 <a:ea typeface="Futura Condensed Medium" charset="0"/>
                 <a:cs typeface="Futura Condensed Medium" charset="0"/>
@@ -24537,7 +23137,7 @@
               <a:t> </a:t>
             </a:r>
             <a:r>
-              <a:rPr lang="en-US" altLang="zh-CN" sz="3600" dirty="0" smtClean="0">
+              <a:rPr lang="en-US" altLang="zh-CN" sz="3600" dirty="0">
                 <a:latin typeface="Futura Condensed Medium" charset="0"/>
                 <a:ea typeface="Futura Condensed Medium" charset="0"/>
                 <a:cs typeface="Futura Condensed Medium" charset="0"/>
@@ -24545,7 +23145,7 @@
               <a:t>become</a:t>
             </a:r>
             <a:r>
-              <a:rPr lang="zh-CN" altLang="en-US" sz="3600" dirty="0" smtClean="0">
+              <a:rPr lang="zh-CN" altLang="en-US" sz="3600" dirty="0">
                 <a:latin typeface="Futura Condensed Medium" charset="0"/>
                 <a:ea typeface="Futura Condensed Medium" charset="0"/>
                 <a:cs typeface="Futura Condensed Medium" charset="0"/>
@@ -24553,7 +23153,7 @@
               <a:t> </a:t>
             </a:r>
             <a:r>
-              <a:rPr lang="en-US" altLang="zh-CN" sz="3600" dirty="0" smtClean="0">
+              <a:rPr lang="en-US" altLang="zh-CN" sz="3600" dirty="0">
                 <a:latin typeface="Futura Condensed Medium" charset="0"/>
                 <a:ea typeface="Futura Condensed Medium" charset="0"/>
                 <a:cs typeface="Futura Condensed Medium" charset="0"/>
@@ -24561,7 +23161,7 @@
               <a:t>a</a:t>
             </a:r>
             <a:r>
-              <a:rPr lang="zh-CN" altLang="en-US" sz="3600" dirty="0" smtClean="0">
+              <a:rPr lang="zh-CN" altLang="en-US" sz="3600" dirty="0">
                 <a:latin typeface="Futura Condensed Medium" charset="0"/>
                 <a:ea typeface="Futura Condensed Medium" charset="0"/>
                 <a:cs typeface="Futura Condensed Medium" charset="0"/>
@@ -24569,7 +23169,7 @@
               <a:t> </a:t>
             </a:r>
             <a:r>
-              <a:rPr lang="en-US" altLang="zh-CN" sz="3600" dirty="0" smtClean="0">
+              <a:rPr lang="en-US" altLang="zh-CN" sz="3600" dirty="0">
                 <a:latin typeface="Futura Condensed Medium" charset="0"/>
                 <a:ea typeface="Futura Condensed Medium" charset="0"/>
                 <a:cs typeface="Futura Condensed Medium" charset="0"/>
@@ -24577,7 +23177,7 @@
               <a:t>successful</a:t>
             </a:r>
             <a:r>
-              <a:rPr lang="zh-CN" altLang="en-US" sz="3600" dirty="0" smtClean="0">
+              <a:rPr lang="zh-CN" altLang="en-US" sz="3600" dirty="0">
                 <a:latin typeface="Futura Condensed Medium" charset="0"/>
                 <a:ea typeface="Futura Condensed Medium" charset="0"/>
                 <a:cs typeface="Futura Condensed Medium" charset="0"/>
@@ -24585,14 +23185,14 @@
               <a:t> </a:t>
             </a:r>
             <a:r>
-              <a:rPr lang="en-US" altLang="zh-CN" sz="3600" dirty="0" smtClean="0">
+              <a:rPr lang="en-US" altLang="zh-CN" sz="3600" dirty="0">
                 <a:latin typeface="Futura Condensed Medium" charset="0"/>
                 <a:ea typeface="Futura Condensed Medium" charset="0"/>
                 <a:cs typeface="Futura Condensed Medium" charset="0"/>
               </a:rPr>
               <a:t>PhD</a:t>
             </a:r>
-            <a:endParaRPr lang="en-US" sz="3600" dirty="0" smtClean="0">
+            <a:endParaRPr lang="en-US" sz="3600" dirty="0">
               <a:latin typeface="Futura Condensed Medium" charset="0"/>
               <a:ea typeface="Futura Condensed Medium" charset="0"/>
               <a:cs typeface="Futura Condensed Medium" charset="0"/>
@@ -24600,7 +23200,7 @@
           </a:p>
           <a:p>
             <a:r>
-              <a:rPr lang="en-US" sz="3200" dirty="0" smtClean="0">
+              <a:rPr lang="en-US" sz="3200" dirty="0">
                 <a:latin typeface="Franklin Gothic Heavy" charset="0"/>
                 <a:ea typeface="Franklin Gothic Heavy" charset="0"/>
                 <a:cs typeface="Franklin Gothic Heavy" charset="0"/>
@@ -24608,7 +23208,7 @@
               <a:t>1. What is a PHD? </a:t>
             </a:r>
             <a:r>
-              <a:rPr lang="en-US" sz="3200" dirty="0" smtClean="0">
+              <a:rPr lang="en-US" sz="3200" dirty="0">
                 <a:solidFill>
                   <a:srgbClr val="000000">
                     <a:lumMod val="75000"/>
@@ -24621,7 +23221,7 @@
               </a:rPr>
               <a:t>Creating new knowledge</a:t>
             </a:r>
-            <a:endParaRPr lang="en-US" sz="3200" dirty="0" smtClean="0">
+            <a:endParaRPr lang="en-US" sz="3200" dirty="0">
               <a:latin typeface="Franklin Gothic Heavy" charset="0"/>
               <a:ea typeface="Franklin Gothic Heavy" charset="0"/>
               <a:cs typeface="Franklin Gothic Heavy" charset="0"/>
@@ -24629,7 +23229,7 @@
           </a:p>
           <a:p>
             <a:r>
-              <a:rPr lang="en-US" sz="3200" dirty="0" smtClean="0">
+              <a:rPr lang="en-US" sz="3200" dirty="0">
                 <a:latin typeface="Franklin Gothic Heavy" charset="0"/>
                 <a:ea typeface="Franklin Gothic Heavy" charset="0"/>
                 <a:cs typeface="Franklin Gothic Heavy" charset="0"/>
@@ -24637,7 +23237,7 @@
               <a:t>2. What are essential skills? </a:t>
             </a:r>
             <a:r>
-              <a:rPr lang="en-US" sz="3200" dirty="0" smtClean="0">
+              <a:rPr lang="en-US" sz="3200" dirty="0">
                 <a:latin typeface="Futura Condensed Medium" charset="0"/>
                 <a:ea typeface="Futura Condensed Medium" charset="0"/>
                 <a:cs typeface="Futura Condensed Medium" charset="0"/>
@@ -24652,7 +23252,7 @@
               </a:buClr>
             </a:pPr>
             <a:r>
-              <a:rPr lang="en-US" sz="3200" b="1" dirty="0" smtClean="0">
+              <a:rPr lang="en-US" sz="3200" b="1" dirty="0">
                 <a:solidFill>
                   <a:srgbClr val="000000">
                     <a:lumMod val="75000"/>
@@ -24666,7 +23266,7 @@
               <a:t>3. How to master the skills? </a:t>
             </a:r>
             <a:r>
-              <a:rPr lang="en-US" sz="3200" dirty="0" smtClean="0">
+              <a:rPr lang="en-US" sz="3200" dirty="0">
                 <a:solidFill>
                   <a:srgbClr val="000000">
                     <a:lumMod val="75000"/>
@@ -24679,17 +23279,6 @@
               </a:rPr>
               <a:t>The three pass approach; Structure of a review; Guidance for asking questions; Five steps in preparing a talk</a:t>
             </a:r>
-            <a:endParaRPr lang="en-US" sz="3200" dirty="0">
-              <a:solidFill>
-                <a:srgbClr val="000000">
-                  <a:lumMod val="75000"/>
-                  <a:lumOff val="25000"/>
-                </a:srgbClr>
-              </a:solidFill>
-              <a:latin typeface="Futura Condensed Medium" charset="0"/>
-              <a:ea typeface="Futura Condensed Medium" charset="0"/>
-              <a:cs typeface="Futura Condensed Medium" charset="0"/>
-            </a:endParaRPr>
           </a:p>
           <a:p>
             <a:pPr>
@@ -24698,7 +23287,7 @@
               </a:buClr>
             </a:pPr>
             <a:r>
-              <a:rPr lang="en-US" sz="3200" dirty="0" smtClean="0">
+              <a:rPr lang="en-US" sz="3200" dirty="0">
                 <a:solidFill>
                   <a:srgbClr val="FF0000"/>
                 </a:solidFill>
@@ -24709,7 +23298,7 @@
               <a:t>Action: </a:t>
             </a:r>
             <a:r>
-              <a:rPr lang="en-US" sz="3200" dirty="0" smtClean="0">
+              <a:rPr lang="en-US" sz="3200" dirty="0">
                 <a:solidFill>
                   <a:srgbClr val="FF0000"/>
                 </a:solidFill>
@@ -24717,29 +23306,7 @@
                 <a:ea typeface="Futura Condensed Medium" charset="0"/>
                 <a:cs typeface="Futura Condensed Medium" charset="0"/>
               </a:rPr>
-              <a:t>Please follow these approaches throughout </a:t>
-            </a:r>
-            <a:r>
-              <a:rPr lang="en-US" sz="3200" dirty="0">
-                <a:solidFill>
-                  <a:srgbClr val="FF0000"/>
-                </a:solidFill>
-                <a:latin typeface="Futura Condensed Medium" charset="0"/>
-                <a:ea typeface="Futura Condensed Medium" charset="0"/>
-                <a:cs typeface="Futura Condensed Medium" charset="0"/>
-              </a:rPr>
-              <a:t>the entire </a:t>
-            </a:r>
-            <a:r>
-              <a:rPr lang="en-US" sz="3200" dirty="0" smtClean="0">
-                <a:solidFill>
-                  <a:srgbClr val="FF0000"/>
-                </a:solidFill>
-                <a:latin typeface="Futura Condensed Medium" charset="0"/>
-                <a:ea typeface="Futura Condensed Medium" charset="0"/>
-                <a:cs typeface="Futura Condensed Medium" charset="0"/>
-              </a:rPr>
-              <a:t>course to read/review papers, ask questions, and give talks</a:t>
+              <a:t>Please follow these approaches throughout the entire course to read/review papers, ask questions, and give talks</a:t>
             </a:r>
             <a:endParaRPr lang="en-US" sz="3200" dirty="0">
               <a:solidFill>
@@ -25114,39 +23681,21 @@
           <a:lstStyle/>
           <a:p>
             <a:r>
-              <a:rPr lang="en-US" dirty="0" smtClean="0">
-                <a:hlinkClick r:id="rId2"/>
-              </a:rPr>
-              <a:t>How </a:t>
-            </a:r>
-            <a:r>
               <a:rPr lang="en-US" dirty="0">
                 <a:hlinkClick r:id="rId2"/>
               </a:rPr>
-              <a:t>to give a great </a:t>
-            </a:r>
-            <a:r>
-              <a:rPr lang="en-US" dirty="0" smtClean="0">
+              <a:t>How to give a great research talk </a:t>
+            </a:r>
+            <a:br>
+              <a:rPr lang="en-US" dirty="0">
                 <a:hlinkClick r:id="rId2"/>
               </a:rPr>
-              <a:t>research talk </a:t>
-            </a:r>
-            <a:br>
-              <a:rPr lang="en-US" dirty="0" smtClean="0">
-                <a:hlinkClick r:id="rId2"/>
-              </a:rPr>
             </a:br>
-            <a:r>
-              <a:rPr lang="en-US" sz="2800" dirty="0" smtClean="0">
-                <a:hlinkClick r:id="rId2"/>
-              </a:rPr>
-              <a:t>by Simon </a:t>
-            </a:r>
             <a:r>
               <a:rPr lang="en-US" sz="2800" dirty="0">
                 <a:hlinkClick r:id="rId2"/>
               </a:rPr>
-              <a:t>Peyton Jones</a:t>
+              <a:t>by Simon Peyton Jones</a:t>
             </a:r>
             <a:endParaRPr lang="en-US" sz="2800" dirty="0"/>
           </a:p>
@@ -25215,13 +23764,6 @@
   <p:clrMapOvr>
     <a:masterClrMapping/>
   </p:clrMapOvr>
-  <p:timing>
-    <p:tnLst>
-      <p:par>
-        <p:cTn id="1" dur="indefinite" restart="never" nodeType="tmRoot"/>
-      </p:par>
-    </p:tnLst>
-  </p:timing>
 </p:sld>
 </file>
 
@@ -25258,23 +23800,23 @@
           <a:lstStyle/>
           <a:p>
             <a:r>
-              <a:rPr lang="en-US" altLang="zh-CN" dirty="0" smtClean="0"/>
+              <a:rPr lang="en-US" altLang="zh-CN" dirty="0"/>
               <a:t>What</a:t>
             </a:r>
             <a:r>
-              <a:rPr lang="zh-CN" altLang="en-US" dirty="0" smtClean="0"/>
+              <a:rPr lang="zh-CN" altLang="en-US" dirty="0"/>
               <a:t> </a:t>
             </a:r>
             <a:r>
-              <a:rPr lang="en-US" altLang="zh-CN" dirty="0" smtClean="0"/>
+              <a:rPr lang="en-US" altLang="zh-CN" dirty="0"/>
               <a:t>is a</a:t>
             </a:r>
             <a:r>
-              <a:rPr lang="zh-CN" altLang="en-US" dirty="0" smtClean="0"/>
+              <a:rPr lang="zh-CN" altLang="en-US" dirty="0"/>
               <a:t> </a:t>
             </a:r>
             <a:r>
-              <a:rPr lang="en-US" altLang="zh-CN" dirty="0" smtClean="0"/>
+              <a:rPr lang="en-US" altLang="zh-CN" dirty="0"/>
               <a:t>PhD?</a:t>
             </a:r>
             <a:endParaRPr lang="en-US" dirty="0"/>
@@ -25327,26 +23869,20 @@
           <a:lstStyle/>
           <a:p>
             <a:r>
-              <a:rPr lang="en-US" altLang="zh-CN" dirty="0" smtClean="0"/>
+              <a:rPr lang="en-US" altLang="zh-CN" dirty="0"/>
               <a:t>From</a:t>
             </a:r>
             <a:r>
-              <a:rPr lang="zh-CN" altLang="en-US" dirty="0" smtClean="0"/>
+              <a:rPr lang="zh-CN" altLang="en-US" dirty="0"/>
               <a:t> </a:t>
             </a:r>
             <a:r>
               <a:rPr lang="en-US" altLang="zh-CN" dirty="0">
                 <a:hlinkClick r:id="rId3"/>
               </a:rPr>
-              <a:t>http://matt.might.net/articles/phd-school-in-pictures</a:t>
-            </a:r>
-            <a:r>
-              <a:rPr lang="en-US" altLang="zh-CN" dirty="0" smtClean="0">
-                <a:hlinkClick r:id="rId3"/>
-              </a:rPr>
-              <a:t>/</a:t>
-            </a:r>
-            <a:endParaRPr lang="zh-CN" altLang="en-US" dirty="0" smtClean="0"/>
+              <a:t>http://matt.might.net/articles/phd-school-in-pictures/</a:t>
+            </a:r>
+            <a:endParaRPr lang="zh-CN" altLang="en-US" dirty="0"/>
           </a:p>
           <a:p>
             <a:endParaRPr lang="en-US" dirty="0"/>
@@ -25410,38 +23946,30 @@
                 <a:ea typeface="Futura Medium" charset="0"/>
                 <a:cs typeface="Futura Medium" charset="0"/>
               </a:rPr>
-              <a:t>By the time you </a:t>
-            </a:r>
-            <a:r>
-              <a:rPr lang="en-US" sz="3200" dirty="0" smtClean="0">
+              <a:t>By the time you finish </a:t>
+            </a:r>
+          </a:p>
+          <a:p>
+            <a:r>
+              <a:rPr lang="en-US" sz="4400" b="1" dirty="0">
+                <a:latin typeface="Franklin Gothic Heavy" charset="0"/>
+                <a:ea typeface="Franklin Gothic Heavy" charset="0"/>
+                <a:cs typeface="Franklin Gothic Heavy" charset="0"/>
+              </a:rPr>
+              <a:t>elementary school</a:t>
+            </a:r>
+            <a:r>
+              <a:rPr lang="en-US" sz="3200" dirty="0">
                 <a:latin typeface="Futura Medium" charset="0"/>
                 <a:ea typeface="Futura Medium" charset="0"/>
                 <a:cs typeface="Futura Medium" charset="0"/>
               </a:rPr>
-              <a:t>finish </a:t>
-            </a:r>
-          </a:p>
-          <a:p>
-            <a:r>
-              <a:rPr lang="en-US" sz="4400" b="1" dirty="0" smtClean="0">
-                <a:latin typeface="Franklin Gothic Heavy" charset="0"/>
-                <a:ea typeface="Franklin Gothic Heavy" charset="0"/>
-                <a:cs typeface="Franklin Gothic Heavy" charset="0"/>
-              </a:rPr>
-              <a:t>elementary school</a:t>
-            </a:r>
-            <a:r>
-              <a:rPr lang="en-US" sz="3200" dirty="0" smtClean="0">
-                <a:latin typeface="Futura Medium" charset="0"/>
-                <a:ea typeface="Futura Medium" charset="0"/>
-                <a:cs typeface="Futura Medium" charset="0"/>
-              </a:rPr>
               <a:t>, </a:t>
             </a:r>
           </a:p>
           <a:p>
             <a:r>
-              <a:rPr lang="en-US" sz="3200" dirty="0" smtClean="0">
+              <a:rPr lang="en-US" sz="3200" dirty="0">
                 <a:latin typeface="Futura Medium" charset="0"/>
                 <a:ea typeface="Futura Medium" charset="0"/>
                 <a:cs typeface="Futura Medium" charset="0"/>
@@ -25466,13 +23994,6 @@
   <p:clrMapOvr>
     <a:masterClrMapping/>
   </p:clrMapOvr>
-  <p:timing>
-    <p:tnLst>
-      <p:par>
-        <p:cTn id="1" dur="indefinite" restart="never" nodeType="tmRoot"/>
-      </p:par>
-    </p:tnLst>
-  </p:timing>
 </p:sld>
 </file>
 
@@ -25578,26 +24099,20 @@
           <a:lstStyle/>
           <a:p>
             <a:r>
-              <a:rPr lang="en-US" altLang="zh-CN" dirty="0" smtClean="0"/>
+              <a:rPr lang="en-US" altLang="zh-CN" dirty="0"/>
               <a:t>From</a:t>
             </a:r>
             <a:r>
-              <a:rPr lang="zh-CN" altLang="en-US" dirty="0" smtClean="0"/>
+              <a:rPr lang="zh-CN" altLang="en-US" dirty="0"/>
               <a:t> </a:t>
             </a:r>
             <a:r>
               <a:rPr lang="en-US" altLang="zh-CN" dirty="0">
                 <a:hlinkClick r:id="rId3"/>
               </a:rPr>
-              <a:t>http://matt.might.net/articles/phd-school-in-pictures</a:t>
-            </a:r>
-            <a:r>
-              <a:rPr lang="en-US" altLang="zh-CN" dirty="0" smtClean="0">
-                <a:hlinkClick r:id="rId3"/>
-              </a:rPr>
-              <a:t>/</a:t>
-            </a:r>
-            <a:endParaRPr lang="zh-CN" altLang="en-US" dirty="0" smtClean="0"/>
+              <a:t>http://matt.might.net/articles/phd-school-in-pictures/</a:t>
+            </a:r>
+            <a:endParaRPr lang="zh-CN" altLang="en-US" dirty="0"/>
           </a:p>
           <a:p>
             <a:endParaRPr lang="en-US" dirty="0"/>
@@ -25663,15 +24178,10 @@
               </a:rPr>
               <a:t>By the time you finish </a:t>
             </a:r>
-            <a:endParaRPr lang="en-US" sz="3200" dirty="0" smtClean="0">
-              <a:latin typeface="Futura Medium" charset="0"/>
-              <a:ea typeface="Futura Medium" charset="0"/>
-              <a:cs typeface="Futura Medium" charset="0"/>
-            </a:endParaRPr>
-          </a:p>
-          <a:p>
-            <a:r>
-              <a:rPr lang="en-US" sz="4400" b="1" dirty="0" smtClean="0">
+          </a:p>
+          <a:p>
+            <a:r>
+              <a:rPr lang="en-US" sz="4400" b="1" dirty="0">
                 <a:latin typeface="Franklin Gothic Heavy" charset="0"/>
                 <a:ea typeface="Franklin Gothic Heavy" charset="0"/>
                 <a:cs typeface="Franklin Gothic Heavy" charset="0"/>
@@ -25686,44 +24196,15 @@
               </a:rPr>
               <a:t>, </a:t>
             </a:r>
-            <a:endParaRPr lang="en-US" sz="3200" dirty="0" smtClean="0">
-              <a:latin typeface="Futura Medium" charset="0"/>
-              <a:ea typeface="Futura Medium" charset="0"/>
-              <a:cs typeface="Futura Medium" charset="0"/>
-            </a:endParaRPr>
-          </a:p>
-          <a:p>
-            <a:r>
-              <a:rPr lang="en-US" sz="3200" dirty="0" smtClean="0">
-                <a:latin typeface="Futura Medium" charset="0"/>
-                <a:ea typeface="Futura Medium" charset="0"/>
-                <a:cs typeface="Futura Medium" charset="0"/>
-              </a:rPr>
-              <a:t>you </a:t>
-            </a:r>
+          </a:p>
+          <a:p>
             <a:r>
               <a:rPr lang="en-US" sz="3200" dirty="0">
                 <a:latin typeface="Futura Medium" charset="0"/>
                 <a:ea typeface="Futura Medium" charset="0"/>
                 <a:cs typeface="Futura Medium" charset="0"/>
               </a:rPr>
-              <a:t>know a </a:t>
-            </a:r>
-            <a:r>
-              <a:rPr lang="en-US" sz="3200" dirty="0" smtClean="0">
-                <a:latin typeface="Futura Medium" charset="0"/>
-                <a:ea typeface="Futura Medium" charset="0"/>
-                <a:cs typeface="Futura Medium" charset="0"/>
-              </a:rPr>
-              <a:t>bit </a:t>
-            </a:r>
-            <a:r>
-              <a:rPr lang="en-US" sz="3200" dirty="0">
-                <a:latin typeface="Futura Medium" charset="0"/>
-                <a:ea typeface="Futura Medium" charset="0"/>
-                <a:cs typeface="Futura Medium" charset="0"/>
-              </a:rPr>
-              <a:t>more</a:t>
+              <a:t>you know a bit more</a:t>
             </a:r>
             <a:endParaRPr lang="en-US" sz="3200" dirty="0">
               <a:latin typeface="Franklin Gothic Heavy" charset="0"/>
@@ -25743,13 +24224,6 @@
   <p:clrMapOvr>
     <a:masterClrMapping/>
   </p:clrMapOvr>
-  <p:timing>
-    <p:tnLst>
-      <p:par>
-        <p:cTn id="1" dur="indefinite" restart="never" nodeType="tmRoot"/>
-      </p:par>
-    </p:tnLst>
-  </p:timing>
 </p:sld>
 </file>
 
@@ -25855,26 +24329,20 @@
           <a:lstStyle/>
           <a:p>
             <a:r>
-              <a:rPr lang="en-US" altLang="zh-CN" dirty="0" smtClean="0"/>
+              <a:rPr lang="en-US" altLang="zh-CN" dirty="0"/>
               <a:t>From</a:t>
             </a:r>
             <a:r>
-              <a:rPr lang="zh-CN" altLang="en-US" dirty="0" smtClean="0"/>
+              <a:rPr lang="zh-CN" altLang="en-US" dirty="0"/>
               <a:t> </a:t>
             </a:r>
             <a:r>
               <a:rPr lang="en-US" altLang="zh-CN" dirty="0">
                 <a:hlinkClick r:id="rId3"/>
               </a:rPr>
-              <a:t>http://matt.might.net/articles/phd-school-in-pictures</a:t>
-            </a:r>
-            <a:r>
-              <a:rPr lang="en-US" altLang="zh-CN" dirty="0" smtClean="0">
-                <a:hlinkClick r:id="rId3"/>
-              </a:rPr>
-              <a:t>/</a:t>
-            </a:r>
-            <a:endParaRPr lang="zh-CN" altLang="en-US" dirty="0" smtClean="0"/>
+              <a:t>http://matt.might.net/articles/phd-school-in-pictures/</a:t>
+            </a:r>
+            <a:endParaRPr lang="zh-CN" altLang="en-US" dirty="0"/>
           </a:p>
           <a:p>
             <a:endParaRPr lang="en-US" dirty="0"/>
@@ -25974,13 +24442,6 @@
   <p:clrMapOvr>
     <a:masterClrMapping/>
   </p:clrMapOvr>
-  <p:timing>
-    <p:tnLst>
-      <p:par>
-        <p:cTn id="1" dur="indefinite" restart="never" nodeType="tmRoot"/>
-      </p:par>
-    </p:tnLst>
-  </p:timing>
 </p:sld>
 </file>
 
@@ -26086,26 +24547,20 @@
           <a:lstStyle/>
           <a:p>
             <a:r>
-              <a:rPr lang="en-US" altLang="zh-CN" dirty="0" smtClean="0"/>
+              <a:rPr lang="en-US" altLang="zh-CN" dirty="0"/>
               <a:t>From</a:t>
             </a:r>
             <a:r>
-              <a:rPr lang="zh-CN" altLang="en-US" dirty="0" smtClean="0"/>
+              <a:rPr lang="zh-CN" altLang="en-US" dirty="0"/>
               <a:t> </a:t>
             </a:r>
             <a:r>
               <a:rPr lang="en-US" altLang="zh-CN" dirty="0">
                 <a:hlinkClick r:id="rId3"/>
               </a:rPr>
-              <a:t>http://matt.might.net/articles/phd-school-in-pictures</a:t>
-            </a:r>
-            <a:r>
-              <a:rPr lang="en-US" altLang="zh-CN" dirty="0" smtClean="0">
-                <a:hlinkClick r:id="rId3"/>
-              </a:rPr>
-              <a:t>/</a:t>
-            </a:r>
-            <a:endParaRPr lang="zh-CN" altLang="en-US" dirty="0" smtClean="0"/>
+              <a:t>http://matt.might.net/articles/phd-school-in-pictures/</a:t>
+            </a:r>
+            <a:endParaRPr lang="zh-CN" altLang="en-US" dirty="0"/>
           </a:p>
           <a:p>
             <a:endParaRPr lang="en-US" dirty="0"/>
@@ -26205,13 +24660,6 @@
   <p:clrMapOvr>
     <a:masterClrMapping/>
   </p:clrMapOvr>
-  <p:timing>
-    <p:tnLst>
-      <p:par>
-        <p:cTn id="1" dur="indefinite" restart="never" nodeType="tmRoot"/>
-      </p:par>
-    </p:tnLst>
-  </p:timing>
 </p:sld>
 </file>
 
@@ -26317,26 +24765,20 @@
           <a:lstStyle/>
           <a:p>
             <a:r>
-              <a:rPr lang="en-US" altLang="zh-CN" dirty="0" smtClean="0"/>
+              <a:rPr lang="en-US" altLang="zh-CN" dirty="0"/>
               <a:t>From</a:t>
             </a:r>
             <a:r>
-              <a:rPr lang="zh-CN" altLang="en-US" dirty="0" smtClean="0"/>
+              <a:rPr lang="zh-CN" altLang="en-US" dirty="0"/>
               <a:t> </a:t>
             </a:r>
             <a:r>
               <a:rPr lang="en-US" altLang="zh-CN" dirty="0">
                 <a:hlinkClick r:id="rId3"/>
               </a:rPr>
-              <a:t>http://matt.might.net/articles/phd-school-in-pictures</a:t>
-            </a:r>
-            <a:r>
-              <a:rPr lang="en-US" altLang="zh-CN" dirty="0" smtClean="0">
-                <a:hlinkClick r:id="rId3"/>
-              </a:rPr>
-              <a:t>/</a:t>
-            </a:r>
-            <a:endParaRPr lang="zh-CN" altLang="en-US" dirty="0" smtClean="0"/>
+              <a:t>http://matt.might.net/articles/phd-school-in-pictures/</a:t>
+            </a:r>
+            <a:endParaRPr lang="zh-CN" altLang="en-US" dirty="0"/>
           </a:p>
           <a:p>
             <a:endParaRPr lang="en-US" dirty="0"/>
@@ -26400,15 +24842,7 @@
                 <a:ea typeface="Franklin Gothic Heavy" charset="0"/>
                 <a:cs typeface="Franklin Gothic Heavy" charset="0"/>
               </a:rPr>
-              <a:t>Reading </a:t>
-            </a:r>
-            <a:r>
-              <a:rPr lang="en-US" sz="4400" b="1" dirty="0" smtClean="0">
-                <a:latin typeface="Franklin Gothic Heavy" charset="0"/>
-                <a:ea typeface="Franklin Gothic Heavy" charset="0"/>
-                <a:cs typeface="Franklin Gothic Heavy" charset="0"/>
-              </a:rPr>
-              <a:t>papers </a:t>
+              <a:t>Reading papers </a:t>
             </a:r>
             <a:r>
               <a:rPr lang="en-US" sz="3200" dirty="0">
@@ -26436,13 +24870,6 @@
   <p:clrMapOvr>
     <a:masterClrMapping/>
   </p:clrMapOvr>
-  <p:timing>
-    <p:tnLst>
-      <p:par>
-        <p:cTn id="1" dur="indefinite" restart="never" nodeType="tmRoot"/>
-      </p:par>
-    </p:tnLst>
-  </p:timing>
 </p:sld>
 </file>
 
@@ -26548,26 +24975,20 @@
           <a:lstStyle/>
           <a:p>
             <a:r>
-              <a:rPr lang="en-US" altLang="zh-CN" dirty="0" smtClean="0"/>
+              <a:rPr lang="en-US" altLang="zh-CN" dirty="0"/>
               <a:t>From</a:t>
             </a:r>
             <a:r>
-              <a:rPr lang="zh-CN" altLang="en-US" dirty="0" smtClean="0"/>
+              <a:rPr lang="zh-CN" altLang="en-US" dirty="0"/>
               <a:t> </a:t>
             </a:r>
             <a:r>
               <a:rPr lang="en-US" altLang="zh-CN" dirty="0">
                 <a:hlinkClick r:id="rId2"/>
               </a:rPr>
-              <a:t>http://matt.might.net/articles/phd-school-in-pictures</a:t>
-            </a:r>
-            <a:r>
-              <a:rPr lang="en-US" altLang="zh-CN" dirty="0" smtClean="0">
-                <a:hlinkClick r:id="rId2"/>
-              </a:rPr>
-              <a:t>/</a:t>
-            </a:r>
-            <a:endParaRPr lang="zh-CN" altLang="en-US" dirty="0" smtClean="0"/>
+              <a:t>http://matt.might.net/articles/phd-school-in-pictures/</a:t>
+            </a:r>
+            <a:endParaRPr lang="zh-CN" altLang="en-US" dirty="0"/>
           </a:p>
           <a:p>
             <a:endParaRPr lang="en-US" dirty="0"/>
@@ -26667,13 +25088,6 @@
   <p:clrMapOvr>
     <a:masterClrMapping/>
   </p:clrMapOvr>
-  <p:timing>
-    <p:tnLst>
-      <p:par>
-        <p:cTn id="1" dur="indefinite" restart="never" nodeType="tmRoot"/>
-      </p:par>
-    </p:tnLst>
-  </p:timing>
 </p:sld>
 </file>
 
